--- a/課題研究/2015/下村渉/1342069下村渉　ポスター.pptx
+++ b/課題研究/2015/下村渉/1342069下村渉　ポスター.pptx
@@ -3930,14 +3930,6 @@
               </a:rPr>
               <a:t>である</a:t>
             </a:r>
-            <a:endParaRPr lang="ja-JP" altLang="en-US" sz="1200" dirty="0">
-              <a:solidFill>
-                <a:schemeClr val="tx1">
-                  <a:lumMod val="95000"/>
-                  <a:lumOff val="5000"/>
-                </a:schemeClr>
-              </a:solidFill>
-            </a:endParaRPr>
           </a:p>
         </p:txBody>
       </p:sp>
@@ -4589,7 +4581,7 @@
         </p:nvSpPr>
         <p:spPr>
           <a:xfrm>
-            <a:off x="3551769" y="8358807"/>
+            <a:off x="3551769" y="8502823"/>
             <a:ext cx="2877667" cy="461665"/>
           </a:xfrm>
           <a:prstGeom prst="rect">
@@ -4612,36 +4604,6 @@
           </a:p>
         </p:txBody>
       </p:sp>
-      <p:pic>
-        <p:nvPicPr>
-          <p:cNvPr id="75" name="図 74"/>
-          <p:cNvPicPr>
-            <a:picLocks noChangeAspect="1"/>
-          </p:cNvPicPr>
-          <p:nvPr/>
-        </p:nvPicPr>
-        <p:blipFill>
-          <a:blip r:embed="rId2">
-            <a:extLst>
-              <a:ext uri="{28A0092B-C50C-407E-A947-70E740481C1C}">
-                <a14:useLocalDpi xmlns:a14="http://schemas.microsoft.com/office/drawing/2010/main" val="0"/>
-              </a:ext>
-            </a:extLst>
-          </a:blip>
-          <a:stretch>
-            <a:fillRect/>
-          </a:stretch>
-        </p:blipFill>
-        <p:spPr>
-          <a:xfrm>
-            <a:off x="3723609" y="7164288"/>
-            <a:ext cx="2593790" cy="1080120"/>
-          </a:xfrm>
-          <a:prstGeom prst="rect">
-            <a:avLst/>
-          </a:prstGeom>
-        </p:spPr>
-      </p:pic>
       <p:sp>
         <p:nvSpPr>
           <p:cNvPr id="76" name="テキスト ボックス 75"/>
@@ -4673,36 +4635,120 @@
           </a:p>
         </p:txBody>
       </p:sp>
-      <p:pic>
-        <p:nvPicPr>
-          <p:cNvPr id="1028" name="図 1027"/>
-          <p:cNvPicPr>
-            <a:picLocks noChangeAspect="1"/>
-          </p:cNvPicPr>
-          <p:nvPr/>
-        </p:nvPicPr>
-        <p:blipFill>
-          <a:blip r:embed="rId3">
-            <a:extLst>
-              <a:ext uri="{28A0092B-C50C-407E-A947-70E740481C1C}">
-                <a14:useLocalDpi xmlns:a14="http://schemas.microsoft.com/office/drawing/2010/main" val="0"/>
-              </a:ext>
-            </a:extLst>
-          </a:blip>
-          <a:stretch>
-            <a:fillRect/>
-          </a:stretch>
-        </p:blipFill>
-        <p:spPr>
-          <a:xfrm>
-            <a:off x="3719056" y="5287957"/>
-            <a:ext cx="2584228" cy="1135659"/>
-          </a:xfrm>
-          <a:prstGeom prst="rect">
-            <a:avLst/>
-          </a:prstGeom>
-        </p:spPr>
-      </p:pic>
+      <p:graphicFrame>
+        <p:nvGraphicFramePr>
+          <p:cNvPr id="6" name="オブジェクト 5"/>
+          <p:cNvGraphicFramePr>
+            <a:graphicFrameLocks noChangeAspect="1"/>
+          </p:cNvGraphicFramePr>
+          <p:nvPr>
+            <p:extLst>
+              <p:ext uri="{D42A27DB-BD31-4B8C-83A1-F6EECF244321}">
+                <p14:modId xmlns:p14="http://schemas.microsoft.com/office/powerpoint/2010/main" val="4032956919"/>
+              </p:ext>
+            </p:extLst>
+          </p:nvPr>
+        </p:nvGraphicFramePr>
+        <p:xfrm>
+          <a:off x="3708179" y="7060105"/>
+          <a:ext cx="2732355" cy="1442718"/>
+        </p:xfrm>
+        <a:graphic>
+          <a:graphicData uri="http://schemas.openxmlformats.org/presentationml/2006/ole">
+            <mc:AlternateContent xmlns:mc="http://schemas.openxmlformats.org/markup-compatibility/2006">
+              <mc:Choice xmlns:v="urn:schemas-microsoft-com:vml" Requires="v">
+                <p:oleObj spid="_x0000_s1028" name="ワークシート" r:id="rId3" imgW="3133549" imgH="1552646" progId="Excel.Sheet.12">
+                  <p:embed/>
+                </p:oleObj>
+              </mc:Choice>
+              <mc:Fallback>
+                <p:oleObj name="ワークシート" r:id="rId3" imgW="3133549" imgH="1552646" progId="Excel.Sheet.12">
+                  <p:embed/>
+                  <p:pic>
+                    <p:nvPicPr>
+                      <p:cNvPr id="0" name=""/>
+                      <p:cNvPicPr/>
+                      <p:nvPr/>
+                    </p:nvPicPr>
+                    <p:blipFill>
+                      <a:blip r:embed="rId4"/>
+                      <a:stretch>
+                        <a:fillRect/>
+                      </a:stretch>
+                    </p:blipFill>
+                    <p:spPr>
+                      <a:xfrm>
+                        <a:off x="3708179" y="7060105"/>
+                        <a:ext cx="2732355" cy="1442718"/>
+                      </a:xfrm>
+                      <a:prstGeom prst="rect">
+                        <a:avLst/>
+                      </a:prstGeom>
+                    </p:spPr>
+                  </p:pic>
+                </p:oleObj>
+              </mc:Fallback>
+            </mc:AlternateContent>
+          </a:graphicData>
+        </a:graphic>
+      </p:graphicFrame>
+      <p:graphicFrame>
+        <p:nvGraphicFramePr>
+          <p:cNvPr id="7" name="オブジェクト 6"/>
+          <p:cNvGraphicFramePr>
+            <a:graphicFrameLocks noChangeAspect="1"/>
+          </p:cNvGraphicFramePr>
+          <p:nvPr>
+            <p:extLst>
+              <p:ext uri="{D42A27DB-BD31-4B8C-83A1-F6EECF244321}">
+                <p14:modId xmlns:p14="http://schemas.microsoft.com/office/powerpoint/2010/main" val="3616989368"/>
+              </p:ext>
+            </p:extLst>
+          </p:nvPr>
+        </p:nvGraphicFramePr>
+        <p:xfrm>
+          <a:off x="3726689" y="5308855"/>
+          <a:ext cx="2723313" cy="1265557"/>
+        </p:xfrm>
+        <a:graphic>
+          <a:graphicData uri="http://schemas.openxmlformats.org/presentationml/2006/ole">
+            <mc:AlternateContent xmlns:mc="http://schemas.openxmlformats.org/markup-compatibility/2006">
+              <mc:Choice xmlns:v="urn:schemas-microsoft-com:vml" Requires="v">
+                <p:oleObj spid="_x0000_s1029" name="ワークシート" r:id="rId5" imgW="3305287" imgH="1381068" progId="Excel.Sheet.12">
+                  <p:embed/>
+                </p:oleObj>
+              </mc:Choice>
+              <mc:Fallback>
+                <p:oleObj name="ワークシート" r:id="rId5" imgW="3305287" imgH="1381068" progId="Excel.Sheet.12">
+                  <p:embed/>
+                  <p:pic>
+                    <p:nvPicPr>
+                      <p:cNvPr id="0" name=""/>
+                      <p:cNvPicPr/>
+                      <p:nvPr/>
+                    </p:nvPicPr>
+                    <p:blipFill>
+                      <a:blip r:embed="rId6"/>
+                      <a:stretch>
+                        <a:fillRect/>
+                      </a:stretch>
+                    </p:blipFill>
+                    <p:spPr>
+                      <a:xfrm>
+                        <a:off x="3726689" y="5308855"/>
+                        <a:ext cx="2723313" cy="1265557"/>
+                      </a:xfrm>
+                      <a:prstGeom prst="rect">
+                        <a:avLst/>
+                      </a:prstGeom>
+                    </p:spPr>
+                  </p:pic>
+                </p:oleObj>
+              </mc:Fallback>
+            </mc:AlternateContent>
+          </a:graphicData>
+        </a:graphic>
+      </p:graphicFrame>
     </p:spTree>
     <p:extLst>
       <p:ext uri="{BB962C8B-B14F-4D97-AF65-F5344CB8AC3E}">

--- a/課題研究/2015/下村渉/1342069下村渉　ポスター.pptx
+++ b/課題研究/2015/下村渉/1342069下村渉　ポスター.pptx
@@ -4472,7 +4472,51 @@
                   </a:schemeClr>
                 </a:solidFill>
               </a:rPr>
-              <a:t>をインストールしいくつかページをし，</a:t>
+              <a:t>を</a:t>
+            </a:r>
+            <a:r>
+              <a:rPr lang="ja-JP" altLang="en-US" sz="1200" smtClean="0">
+                <a:solidFill>
+                  <a:schemeClr val="tx1">
+                    <a:lumMod val="95000"/>
+                    <a:lumOff val="5000"/>
+                  </a:schemeClr>
+                </a:solidFill>
+              </a:rPr>
+              <a:t>インストール</a:t>
+            </a:r>
+            <a:r>
+              <a:rPr lang="ja-JP" altLang="en-US" sz="1200" smtClean="0">
+                <a:solidFill>
+                  <a:schemeClr val="tx1">
+                    <a:lumMod val="95000"/>
+                    <a:lumOff val="5000"/>
+                  </a:schemeClr>
+                </a:solidFill>
+              </a:rPr>
+              <a:t>し，ページ</a:t>
+            </a:r>
+            <a:r>
+              <a:rPr lang="ja-JP" altLang="en-US" sz="1200" dirty="0" smtClean="0">
+                <a:solidFill>
+                  <a:schemeClr val="tx1">
+                    <a:lumMod val="95000"/>
+                    <a:lumOff val="5000"/>
+                  </a:schemeClr>
+                </a:solidFill>
+              </a:rPr>
+              <a:t>を</a:t>
+            </a:r>
+            <a:r>
+              <a:rPr lang="ja-JP" altLang="en-US" sz="1200" smtClean="0">
+                <a:solidFill>
+                  <a:schemeClr val="tx1">
+                    <a:lumMod val="95000"/>
+                    <a:lumOff val="5000"/>
+                  </a:schemeClr>
+                </a:solidFill>
+              </a:rPr>
+              <a:t>作り，見出しを書いて，</a:t>
             </a:r>
             <a:r>
               <a:rPr lang="en-US" altLang="ja-JP" sz="1200" dirty="0" err="1" smtClean="0">
@@ -4657,7 +4701,7 @@
           <a:graphicData uri="http://schemas.openxmlformats.org/presentationml/2006/ole">
             <mc:AlternateContent xmlns:mc="http://schemas.openxmlformats.org/markup-compatibility/2006">
               <mc:Choice xmlns:v="urn:schemas-microsoft-com:vml" Requires="v">
-                <p:oleObj spid="_x0000_s1028" name="ワークシート" r:id="rId3" imgW="3133549" imgH="1552646" progId="Excel.Sheet.12">
+                <p:oleObj spid="_x0000_s1036" name="ワークシート" r:id="rId3" imgW="3133549" imgH="1552646" progId="Excel.Sheet.12">
                   <p:embed/>
                 </p:oleObj>
               </mc:Choice>
@@ -4714,7 +4758,7 @@
           <a:graphicData uri="http://schemas.openxmlformats.org/presentationml/2006/ole">
             <mc:AlternateContent xmlns:mc="http://schemas.openxmlformats.org/markup-compatibility/2006">
               <mc:Choice xmlns:v="urn:schemas-microsoft-com:vml" Requires="v">
-                <p:oleObj spid="_x0000_s1029" name="ワークシート" r:id="rId5" imgW="3305287" imgH="1381068" progId="Excel.Sheet.12">
+                <p:oleObj spid="_x0000_s1037" name="ワークシート" r:id="rId5" imgW="3305287" imgH="1381068" progId="Excel.Sheet.12">
                   <p:embed/>
                 </p:oleObj>
               </mc:Choice>

--- a/課題研究/2015/下村渉/1342069下村渉　ポスター.pptx
+++ b/課題研究/2015/下村渉/1342069下村渉　ポスター.pptx
@@ -3412,8 +3412,8 @@
         </p:nvSpPr>
         <p:spPr>
           <a:xfrm>
-            <a:off x="375148" y="7829510"/>
-            <a:ext cx="2828541" cy="1094226"/>
+            <a:off x="375148" y="7829509"/>
+            <a:ext cx="2828541" cy="1174811"/>
           </a:xfrm>
           <a:prstGeom prst="roundRect">
             <a:avLst/>
@@ -3472,8 +3472,8 @@
         </p:nvSpPr>
         <p:spPr>
           <a:xfrm>
-            <a:off x="396114" y="6135346"/>
-            <a:ext cx="2828541" cy="1243190"/>
+            <a:off x="396114" y="6135345"/>
+            <a:ext cx="2828541" cy="1395555"/>
           </a:xfrm>
           <a:prstGeom prst="roundRect">
             <a:avLst/>
@@ -3543,8 +3543,8 @@
         </p:nvSpPr>
         <p:spPr>
           <a:xfrm>
-            <a:off x="335920" y="4334761"/>
-            <a:ext cx="2883599" cy="1389367"/>
+            <a:off x="335920" y="4195929"/>
+            <a:ext cx="2883599" cy="1528199"/>
           </a:xfrm>
           <a:prstGeom prst="roundRect">
             <a:avLst/>
@@ -3628,8 +3628,8 @@
         </p:nvSpPr>
         <p:spPr>
           <a:xfrm>
-            <a:off x="332392" y="959505"/>
-            <a:ext cx="6386220" cy="2979335"/>
+            <a:off x="332392" y="802189"/>
+            <a:ext cx="6386220" cy="2908611"/>
           </a:xfrm>
           <a:prstGeom prst="rect">
             <a:avLst/>
@@ -3682,7 +3682,7 @@
         </p:nvSpPr>
         <p:spPr>
           <a:xfrm>
-            <a:off x="886228" y="179512"/>
+            <a:off x="886228" y="107504"/>
             <a:ext cx="5472608" cy="369332"/>
           </a:xfrm>
           <a:prstGeom prst="rect">
@@ -3717,7 +3717,7 @@
         </p:nvSpPr>
         <p:spPr>
           <a:xfrm>
-            <a:off x="1433044" y="590173"/>
+            <a:off x="1433044" y="467544"/>
             <a:ext cx="4378976" cy="369332"/>
           </a:xfrm>
           <a:prstGeom prst="rect">
@@ -3753,57 +3753,13 @@
       </p:sp>
       <p:sp>
         <p:nvSpPr>
-          <p:cNvPr id="2" name="円/楕円 1"/>
-          <p:cNvSpPr/>
-          <p:nvPr/>
-        </p:nvSpPr>
-        <p:spPr>
-          <a:xfrm>
-            <a:off x="44624" y="755576"/>
-            <a:ext cx="936104" cy="507727"/>
-          </a:xfrm>
-          <a:prstGeom prst="ellipse">
-            <a:avLst/>
-          </a:prstGeom>
-        </p:spPr>
-        <p:style>
-          <a:lnRef idx="2">
-            <a:schemeClr val="accent6">
-              <a:shade val="50000"/>
-            </a:schemeClr>
-          </a:lnRef>
-          <a:fillRef idx="1">
-            <a:schemeClr val="accent6"/>
-          </a:fillRef>
-          <a:effectRef idx="0">
-            <a:schemeClr val="accent6"/>
-          </a:effectRef>
-          <a:fontRef idx="minor">
-            <a:schemeClr val="lt1"/>
-          </a:fontRef>
-        </p:style>
-        <p:txBody>
-          <a:bodyPr rtlCol="0" anchor="ctr"/>
-          <a:lstStyle/>
-          <a:p>
-            <a:pPr algn="ctr"/>
-            <a:r>
-              <a:rPr kumimoji="1" lang="ja-JP" altLang="en-US" dirty="0" smtClean="0"/>
-              <a:t>背景</a:t>
-            </a:r>
-            <a:endParaRPr kumimoji="1" lang="ja-JP" altLang="en-US" dirty="0"/>
-          </a:p>
-        </p:txBody>
-      </p:sp>
-      <p:sp>
-        <p:nvSpPr>
           <p:cNvPr id="28" name="角丸四角形 27"/>
           <p:cNvSpPr/>
           <p:nvPr/>
         </p:nvSpPr>
         <p:spPr>
           <a:xfrm>
-            <a:off x="476672" y="1259632"/>
+            <a:off x="489474" y="1180474"/>
             <a:ext cx="1944216" cy="1427197"/>
           </a:xfrm>
           <a:prstGeom prst="roundRect">
@@ -3941,7 +3897,7 @@
         </p:nvSpPr>
         <p:spPr>
           <a:xfrm>
-            <a:off x="4496318" y="1259632"/>
+            <a:off x="4509120" y="1180474"/>
             <a:ext cx="1944216" cy="1427196"/>
           </a:xfrm>
           <a:prstGeom prst="roundRect">
@@ -4056,7 +4012,7 @@
         </p:nvSpPr>
         <p:spPr>
           <a:xfrm>
-            <a:off x="2348880" y="1793178"/>
+            <a:off x="2361682" y="1714020"/>
             <a:ext cx="2232248" cy="376013"/>
           </a:xfrm>
           <a:prstGeom prst="rightArrow">
@@ -4096,8 +4052,8 @@
         </p:nvSpPr>
         <p:spPr>
           <a:xfrm>
-            <a:off x="2521947" y="1401163"/>
-            <a:ext cx="1872208" cy="461665"/>
+            <a:off x="2433690" y="1322005"/>
+            <a:ext cx="2003421" cy="461665"/>
           </a:xfrm>
           <a:prstGeom prst="rect">
             <a:avLst/>
@@ -4130,7 +4086,7 @@
         </p:nvSpPr>
         <p:spPr>
           <a:xfrm>
-            <a:off x="3155493" y="2686829"/>
+            <a:off x="3168295" y="2411760"/>
             <a:ext cx="605115" cy="504056"/>
           </a:xfrm>
           <a:prstGeom prst="downArrow">
@@ -4170,7 +4126,7 @@
         </p:nvSpPr>
         <p:spPr>
           <a:xfrm>
-            <a:off x="2098057" y="2765369"/>
+            <a:off x="2276872" y="2555776"/>
             <a:ext cx="1044116" cy="369332"/>
           </a:xfrm>
           <a:prstGeom prst="rect">
@@ -4194,49 +4150,14 @@
       </p:sp>
       <p:sp>
         <p:nvSpPr>
-          <p:cNvPr id="35" name="テキスト ボックス 34"/>
-          <p:cNvSpPr txBox="1"/>
+          <p:cNvPr id="57" name="円/楕円 56"/>
+          <p:cNvSpPr/>
           <p:nvPr/>
         </p:nvSpPr>
         <p:spPr>
           <a:xfrm>
-            <a:off x="524811" y="3203848"/>
-            <a:ext cx="5963862" cy="646331"/>
-          </a:xfrm>
-          <a:prstGeom prst="rect">
-            <a:avLst/>
-          </a:prstGeom>
-          <a:noFill/>
-          <a:ln>
-            <a:solidFill>
-              <a:schemeClr val="tx2"/>
-            </a:solidFill>
-          </a:ln>
-        </p:spPr>
-        <p:txBody>
-          <a:bodyPr wrap="square" rtlCol="0">
-            <a:spAutoFit/>
-          </a:bodyPr>
-          <a:lstStyle/>
-          <a:p>
-            <a:r>
-              <a:rPr kumimoji="1" lang="ja-JP" altLang="en-US" dirty="0" smtClean="0"/>
-              <a:t>関係者間での視点や用語が異なる語彙を目的に応じた最適な語彙への変換ができるようなシステムの作る</a:t>
-            </a:r>
-            <a:endParaRPr kumimoji="1" lang="ja-JP" altLang="en-US" dirty="0"/>
-          </a:p>
-        </p:txBody>
-      </p:sp>
-      <p:sp>
-        <p:nvSpPr>
-          <p:cNvPr id="53" name="円/楕円 52"/>
-          <p:cNvSpPr/>
-          <p:nvPr/>
-        </p:nvSpPr>
-        <p:spPr>
-          <a:xfrm>
-            <a:off x="66520" y="4067056"/>
-            <a:ext cx="1135813" cy="507727"/>
+            <a:off x="116632" y="7592665"/>
+            <a:ext cx="1281169" cy="507727"/>
           </a:xfrm>
           <a:prstGeom prst="ellipse">
             <a:avLst/>
@@ -4265,98 +4186,6 @@
             <a:pPr algn="ctr"/>
             <a:r>
               <a:rPr lang="ja-JP" altLang="en-US" dirty="0"/>
-              <a:t>目的</a:t>
-            </a:r>
-            <a:endParaRPr kumimoji="1" lang="ja-JP" altLang="en-US" dirty="0"/>
-          </a:p>
-        </p:txBody>
-      </p:sp>
-      <p:sp>
-        <p:nvSpPr>
-          <p:cNvPr id="55" name="円/楕円 54"/>
-          <p:cNvSpPr/>
-          <p:nvPr/>
-        </p:nvSpPr>
-        <p:spPr>
-          <a:xfrm>
-            <a:off x="166911" y="5745345"/>
-            <a:ext cx="1639416" cy="507727"/>
-          </a:xfrm>
-          <a:prstGeom prst="ellipse">
-            <a:avLst/>
-          </a:prstGeom>
-        </p:spPr>
-        <p:style>
-          <a:lnRef idx="2">
-            <a:schemeClr val="accent6">
-              <a:shade val="50000"/>
-            </a:schemeClr>
-          </a:lnRef>
-          <a:fillRef idx="1">
-            <a:schemeClr val="accent6"/>
-          </a:fillRef>
-          <a:effectRef idx="0">
-            <a:schemeClr val="accent6"/>
-          </a:effectRef>
-          <a:fontRef idx="minor">
-            <a:schemeClr val="lt1"/>
-          </a:fontRef>
-        </p:style>
-        <p:txBody>
-          <a:bodyPr rtlCol="0" anchor="ctr"/>
-          <a:lstStyle/>
-          <a:p>
-            <a:pPr algn="ctr"/>
-            <a:r>
-              <a:rPr lang="ja-JP" altLang="en-US" dirty="0" smtClean="0"/>
-              <a:t>研究</a:t>
-            </a:r>
-            <a:r>
-              <a:rPr lang="ja-JP" altLang="en-US" dirty="0"/>
-              <a:t>方法</a:t>
-            </a:r>
-            <a:endParaRPr kumimoji="1" lang="ja-JP" altLang="en-US" dirty="0"/>
-          </a:p>
-        </p:txBody>
-      </p:sp>
-      <p:sp>
-        <p:nvSpPr>
-          <p:cNvPr id="57" name="円/楕円 56"/>
-          <p:cNvSpPr/>
-          <p:nvPr/>
-        </p:nvSpPr>
-        <p:spPr>
-          <a:xfrm>
-            <a:off x="275623" y="7530901"/>
-            <a:ext cx="1955068" cy="507727"/>
-          </a:xfrm>
-          <a:prstGeom prst="ellipse">
-            <a:avLst/>
-          </a:prstGeom>
-        </p:spPr>
-        <p:style>
-          <a:lnRef idx="2">
-            <a:schemeClr val="accent6">
-              <a:shade val="50000"/>
-            </a:schemeClr>
-          </a:lnRef>
-          <a:fillRef idx="1">
-            <a:schemeClr val="accent6"/>
-          </a:fillRef>
-          <a:effectRef idx="0">
-            <a:schemeClr val="accent6"/>
-          </a:effectRef>
-          <a:fontRef idx="minor">
-            <a:schemeClr val="lt1"/>
-          </a:fontRef>
-        </p:style>
-        <p:txBody>
-          <a:bodyPr rtlCol="0" anchor="ctr"/>
-          <a:lstStyle/>
-          <a:p>
-            <a:pPr algn="ctr"/>
-            <a:r>
-              <a:rPr lang="ja-JP" altLang="en-US" dirty="0"/>
               <a:t>今後</a:t>
             </a:r>
             <a:r>
@@ -4379,8 +4208,8 @@
         </p:nvSpPr>
         <p:spPr>
           <a:xfrm>
-            <a:off x="3493300" y="4310933"/>
-            <a:ext cx="3240360" cy="4693388"/>
+            <a:off x="3493300" y="4195929"/>
+            <a:ext cx="3240360" cy="4817442"/>
           </a:xfrm>
           <a:prstGeom prst="rect">
             <a:avLst/>
@@ -4422,7 +4251,7 @@
         </p:nvSpPr>
         <p:spPr>
           <a:xfrm>
-            <a:off x="3598682" y="4499741"/>
+            <a:off x="3729870" y="4499741"/>
             <a:ext cx="2867482" cy="725423"/>
           </a:xfrm>
           <a:prstGeom prst="roundRect">
@@ -4483,18 +4312,7 @@
                   </a:schemeClr>
                 </a:solidFill>
               </a:rPr>
-              <a:t>インストール</a:t>
-            </a:r>
-            <a:r>
-              <a:rPr lang="ja-JP" altLang="en-US" sz="1200" smtClean="0">
-                <a:solidFill>
-                  <a:schemeClr val="tx1">
-                    <a:lumMod val="95000"/>
-                    <a:lumOff val="5000"/>
-                  </a:schemeClr>
-                </a:solidFill>
-              </a:rPr>
-              <a:t>し，ページ</a:t>
+              <a:t>インストールし，ページ</a:t>
             </a:r>
             <a:r>
               <a:rPr lang="ja-JP" altLang="en-US" sz="1200" dirty="0" smtClean="0">
@@ -4575,14 +4393,260 @@
       </p:sp>
       <p:sp>
         <p:nvSpPr>
-          <p:cNvPr id="70" name="円/楕円 69"/>
+          <p:cNvPr id="74" name="テキスト ボックス 73"/>
+          <p:cNvSpPr txBox="1"/>
+          <p:nvPr/>
+        </p:nvSpPr>
+        <p:spPr>
+          <a:xfrm>
+            <a:off x="3674646" y="8513979"/>
+            <a:ext cx="2877667" cy="461665"/>
+          </a:xfrm>
+          <a:prstGeom prst="rect">
+            <a:avLst/>
+          </a:prstGeom>
+          <a:noFill/>
+        </p:spPr>
+        <p:txBody>
+          <a:bodyPr wrap="square" rtlCol="0">
+            <a:spAutoFit/>
+          </a:bodyPr>
+          <a:lstStyle/>
+          <a:p>
+            <a:pPr algn="ctr"/>
+            <a:r>
+              <a:rPr kumimoji="1" lang="ja-JP" altLang="en-US" sz="1200" dirty="0" smtClean="0"/>
+              <a:t>↑「グランブルーファンタジー」のページ　　　　　の「登場キャラクター」の解析結果</a:t>
+            </a:r>
+            <a:endParaRPr kumimoji="1" lang="ja-JP" altLang="en-US" sz="1200" dirty="0"/>
+          </a:p>
+        </p:txBody>
+      </p:sp>
+      <p:sp>
+        <p:nvSpPr>
+          <p:cNvPr id="76" name="テキスト ボックス 75"/>
+          <p:cNvSpPr txBox="1"/>
+          <p:nvPr/>
+        </p:nvSpPr>
+        <p:spPr>
+          <a:xfrm>
+            <a:off x="3719685" y="6558607"/>
+            <a:ext cx="2877667" cy="461665"/>
+          </a:xfrm>
+          <a:prstGeom prst="rect">
+            <a:avLst/>
+          </a:prstGeom>
+          <a:noFill/>
+        </p:spPr>
+        <p:txBody>
+          <a:bodyPr wrap="square" rtlCol="0">
+            <a:spAutoFit/>
+          </a:bodyPr>
+          <a:lstStyle/>
+          <a:p>
+            <a:pPr algn="ctr"/>
+            <a:r>
+              <a:rPr kumimoji="1" lang="ja-JP" altLang="en-US" sz="1200" dirty="0" smtClean="0"/>
+              <a:t>↑「グランブルーファンタジー」のページ　　　　　の「メインキャラクター」の解析結果</a:t>
+            </a:r>
+            <a:endParaRPr kumimoji="1" lang="ja-JP" altLang="en-US" sz="1200" dirty="0"/>
+          </a:p>
+        </p:txBody>
+      </p:sp>
+      <p:graphicFrame>
+        <p:nvGraphicFramePr>
+          <p:cNvPr id="6" name="オブジェクト 5"/>
+          <p:cNvGraphicFramePr>
+            <a:graphicFrameLocks noChangeAspect="1"/>
+          </p:cNvGraphicFramePr>
+          <p:nvPr>
+            <p:extLst>
+              <p:ext uri="{D42A27DB-BD31-4B8C-83A1-F6EECF244321}">
+                <p14:modId xmlns:p14="http://schemas.microsoft.com/office/powerpoint/2010/main" val="1707752777"/>
+              </p:ext>
+            </p:extLst>
+          </p:nvPr>
+        </p:nvGraphicFramePr>
+        <p:xfrm>
+          <a:off x="3792989" y="7072224"/>
+          <a:ext cx="2732355" cy="1442718"/>
+        </p:xfrm>
+        <a:graphic>
+          <a:graphicData uri="http://schemas.openxmlformats.org/presentationml/2006/ole">
+            <mc:AlternateContent xmlns:mc="http://schemas.openxmlformats.org/markup-compatibility/2006">
+              <mc:Choice xmlns:v="urn:schemas-microsoft-com:vml" Requires="v">
+                <p:oleObj spid="_x0000_s1044" name="ワークシート" r:id="rId3" imgW="3133549" imgH="1552646" progId="Excel.Sheet.12">
+                  <p:embed/>
+                </p:oleObj>
+              </mc:Choice>
+              <mc:Fallback>
+                <p:oleObj name="ワークシート" r:id="rId3" imgW="3133549" imgH="1552646" progId="Excel.Sheet.12">
+                  <p:embed/>
+                  <p:pic>
+                    <p:nvPicPr>
+                      <p:cNvPr id="0" name=""/>
+                      <p:cNvPicPr/>
+                      <p:nvPr/>
+                    </p:nvPicPr>
+                    <p:blipFill>
+                      <a:blip r:embed="rId4"/>
+                      <a:stretch>
+                        <a:fillRect/>
+                      </a:stretch>
+                    </p:blipFill>
+                    <p:spPr>
+                      <a:xfrm>
+                        <a:off x="3792989" y="7072224"/>
+                        <a:ext cx="2732355" cy="1442718"/>
+                      </a:xfrm>
+                      <a:prstGeom prst="rect">
+                        <a:avLst/>
+                      </a:prstGeom>
+                    </p:spPr>
+                  </p:pic>
+                </p:oleObj>
+              </mc:Fallback>
+            </mc:AlternateContent>
+          </a:graphicData>
+        </a:graphic>
+      </p:graphicFrame>
+      <p:graphicFrame>
+        <p:nvGraphicFramePr>
+          <p:cNvPr id="7" name="オブジェクト 6"/>
+          <p:cNvGraphicFramePr>
+            <a:graphicFrameLocks noChangeAspect="1"/>
+          </p:cNvGraphicFramePr>
+          <p:nvPr>
+            <p:extLst>
+              <p:ext uri="{D42A27DB-BD31-4B8C-83A1-F6EECF244321}">
+                <p14:modId xmlns:p14="http://schemas.microsoft.com/office/powerpoint/2010/main" val="4172743058"/>
+              </p:ext>
+            </p:extLst>
+          </p:nvPr>
+        </p:nvGraphicFramePr>
+        <p:xfrm>
+          <a:off x="3802031" y="5308855"/>
+          <a:ext cx="2723313" cy="1265557"/>
+        </p:xfrm>
+        <a:graphic>
+          <a:graphicData uri="http://schemas.openxmlformats.org/presentationml/2006/ole">
+            <mc:AlternateContent xmlns:mc="http://schemas.openxmlformats.org/markup-compatibility/2006">
+              <mc:Choice xmlns:v="urn:schemas-microsoft-com:vml" Requires="v">
+                <p:oleObj spid="_x0000_s1045" name="ワークシート" r:id="rId5" imgW="3305287" imgH="1381068" progId="Excel.Sheet.12">
+                  <p:embed/>
+                </p:oleObj>
+              </mc:Choice>
+              <mc:Fallback>
+                <p:oleObj name="ワークシート" r:id="rId5" imgW="3305287" imgH="1381068" progId="Excel.Sheet.12">
+                  <p:embed/>
+                  <p:pic>
+                    <p:nvPicPr>
+                      <p:cNvPr id="0" name=""/>
+                      <p:cNvPicPr/>
+                      <p:nvPr/>
+                    </p:nvPicPr>
+                    <p:blipFill>
+                      <a:blip r:embed="rId6"/>
+                      <a:stretch>
+                        <a:fillRect/>
+                      </a:stretch>
+                    </p:blipFill>
+                    <p:spPr>
+                      <a:xfrm>
+                        <a:off x="3802031" y="5308855"/>
+                        <a:ext cx="2723313" cy="1265557"/>
+                      </a:xfrm>
+                      <a:prstGeom prst="rect">
+                        <a:avLst/>
+                      </a:prstGeom>
+                    </p:spPr>
+                  </p:pic>
+                </p:oleObj>
+              </mc:Fallback>
+            </mc:AlternateContent>
+          </a:graphicData>
+        </a:graphic>
+      </p:graphicFrame>
+      <p:sp>
+        <p:nvSpPr>
+          <p:cNvPr id="8" name="角丸四角形 7"/>
           <p:cNvSpPr/>
           <p:nvPr/>
         </p:nvSpPr>
         <p:spPr>
           <a:xfrm>
-            <a:off x="3413646" y="3964578"/>
-            <a:ext cx="1150713" cy="511291"/>
+            <a:off x="596806" y="3059832"/>
+            <a:ext cx="5774832" cy="504056"/>
+          </a:xfrm>
+          <a:prstGeom prst="roundRect">
+            <a:avLst/>
+          </a:prstGeom>
+          <a:solidFill>
+            <a:schemeClr val="bg1"/>
+          </a:solidFill>
+        </p:spPr>
+        <p:style>
+          <a:lnRef idx="2">
+            <a:schemeClr val="accent1">
+              <a:shade val="50000"/>
+            </a:schemeClr>
+          </a:lnRef>
+          <a:fillRef idx="1">
+            <a:schemeClr val="accent1"/>
+          </a:fillRef>
+          <a:effectRef idx="0">
+            <a:schemeClr val="accent1"/>
+          </a:effectRef>
+          <a:fontRef idx="minor">
+            <a:schemeClr val="lt1"/>
+          </a:fontRef>
+        </p:style>
+        <p:txBody>
+          <a:bodyPr rtlCol="0" anchor="ctr"/>
+          <a:lstStyle/>
+          <a:p>
+            <a:r>
+              <a:rPr lang="ja-JP" altLang="en-US" dirty="0">
+                <a:solidFill>
+                  <a:srgbClr val="FF0000"/>
+                </a:solidFill>
+              </a:rPr>
+              <a:t>関係者間での視点や用語が異なる語彙を目的に応じた最適な語彙への変換ができるよう</a:t>
+            </a:r>
+            <a:r>
+              <a:rPr lang="ja-JP" altLang="en-US">
+                <a:solidFill>
+                  <a:srgbClr val="FF0000"/>
+                </a:solidFill>
+              </a:rPr>
+              <a:t>な</a:t>
+            </a:r>
+            <a:r>
+              <a:rPr lang="ja-JP" altLang="en-US" smtClean="0">
+                <a:solidFill>
+                  <a:srgbClr val="FF0000"/>
+                </a:solidFill>
+              </a:rPr>
+              <a:t>システムを作る</a:t>
+            </a:r>
+            <a:endParaRPr lang="ja-JP" altLang="en-US" dirty="0">
+              <a:solidFill>
+                <a:srgbClr val="FF0000"/>
+              </a:solidFill>
+            </a:endParaRPr>
+          </a:p>
+        </p:txBody>
+      </p:sp>
+      <p:sp>
+        <p:nvSpPr>
+          <p:cNvPr id="27" name="円/楕円 26"/>
+          <p:cNvSpPr/>
+          <p:nvPr/>
+        </p:nvSpPr>
+        <p:spPr>
+          <a:xfrm>
+            <a:off x="113389" y="5850599"/>
+            <a:ext cx="1281169" cy="507727"/>
           </a:xfrm>
           <a:prstGeom prst="ellipse">
             <a:avLst/>
@@ -4610,8 +4674,16 @@
           <a:p>
             <a:pPr algn="ctr"/>
             <a:r>
-              <a:rPr lang="ja-JP" altLang="en-US" dirty="0"/>
-              <a:t>進捗状況</a:t>
+              <a:rPr kumimoji="1" lang="ja-JP" altLang="en-US" dirty="0" smtClean="0"/>
+              <a:t>研究</a:t>
+            </a:r>
+            <a:endParaRPr kumimoji="1" lang="en-US" altLang="ja-JP" dirty="0" smtClean="0"/>
+          </a:p>
+          <a:p>
+            <a:pPr algn="ctr"/>
+            <a:r>
+              <a:rPr kumimoji="1" lang="ja-JP" altLang="en-US" dirty="0" smtClean="0"/>
+              <a:t>方法</a:t>
             </a:r>
             <a:endParaRPr kumimoji="1" lang="ja-JP" altLang="en-US" dirty="0"/>
           </a:p>
@@ -4619,180 +4691,144 @@
       </p:sp>
       <p:sp>
         <p:nvSpPr>
-          <p:cNvPr id="74" name="テキスト ボックス 73"/>
-          <p:cNvSpPr txBox="1"/>
+          <p:cNvPr id="29" name="円/楕円 28"/>
+          <p:cNvSpPr/>
           <p:nvPr/>
         </p:nvSpPr>
         <p:spPr>
           <a:xfrm>
-            <a:off x="3551769" y="8502823"/>
-            <a:ext cx="2877667" cy="461665"/>
+            <a:off x="3227951" y="3961888"/>
+            <a:ext cx="1281169" cy="507727"/>
           </a:xfrm>
-          <a:prstGeom prst="rect">
+          <a:prstGeom prst="ellipse">
             <a:avLst/>
           </a:prstGeom>
-          <a:noFill/>
         </p:spPr>
-        <p:txBody>
-          <a:bodyPr wrap="square" rtlCol="0">
-            <a:spAutoFit/>
-          </a:bodyPr>
+        <p:style>
+          <a:lnRef idx="2">
+            <a:schemeClr val="accent6">
+              <a:shade val="50000"/>
+            </a:schemeClr>
+          </a:lnRef>
+          <a:fillRef idx="1">
+            <a:schemeClr val="accent6"/>
+          </a:fillRef>
+          <a:effectRef idx="0">
+            <a:schemeClr val="accent6"/>
+          </a:effectRef>
+          <a:fontRef idx="minor">
+            <a:schemeClr val="lt1"/>
+          </a:fontRef>
+        </p:style>
+        <p:txBody>
+          <a:bodyPr rtlCol="0" anchor="ctr"/>
           <a:lstStyle/>
           <a:p>
             <a:pPr algn="ctr"/>
             <a:r>
-              <a:rPr kumimoji="1" lang="ja-JP" altLang="en-US" sz="1200" dirty="0" smtClean="0"/>
-              <a:t>↑「グランブルーファンタジー」のページ　　　　　の「登場キャラクター」の解析結果</a:t>
-            </a:r>
-            <a:endParaRPr kumimoji="1" lang="ja-JP" altLang="en-US" sz="1200" dirty="0"/>
-          </a:p>
-        </p:txBody>
-      </p:sp>
-      <p:sp>
-        <p:nvSpPr>
-          <p:cNvPr id="76" name="テキスト ボックス 75"/>
-          <p:cNvSpPr txBox="1"/>
+              <a:rPr kumimoji="1" lang="ja-JP" altLang="en-US" dirty="0" smtClean="0"/>
+              <a:t>進捗</a:t>
+            </a:r>
+            <a:endParaRPr kumimoji="1" lang="en-US" altLang="ja-JP" dirty="0" smtClean="0"/>
+          </a:p>
+          <a:p>
+            <a:pPr algn="ctr"/>
+            <a:r>
+              <a:rPr kumimoji="1" lang="ja-JP" altLang="en-US" dirty="0" smtClean="0"/>
+              <a:t>状況</a:t>
+            </a:r>
+            <a:endParaRPr kumimoji="1" lang="ja-JP" altLang="en-US" dirty="0"/>
+          </a:p>
+        </p:txBody>
+      </p:sp>
+      <p:sp>
+        <p:nvSpPr>
+          <p:cNvPr id="31" name="円/楕円 30"/>
+          <p:cNvSpPr/>
           <p:nvPr/>
         </p:nvSpPr>
         <p:spPr>
           <a:xfrm>
-            <a:off x="3572336" y="6558607"/>
-            <a:ext cx="2877667" cy="461665"/>
+            <a:off x="113389" y="3953524"/>
+            <a:ext cx="1281169" cy="507727"/>
           </a:xfrm>
-          <a:prstGeom prst="rect">
+          <a:prstGeom prst="ellipse">
             <a:avLst/>
           </a:prstGeom>
-          <a:noFill/>
         </p:spPr>
-        <p:txBody>
-          <a:bodyPr wrap="square" rtlCol="0">
-            <a:spAutoFit/>
-          </a:bodyPr>
+        <p:style>
+          <a:lnRef idx="2">
+            <a:schemeClr val="accent6">
+              <a:shade val="50000"/>
+            </a:schemeClr>
+          </a:lnRef>
+          <a:fillRef idx="1">
+            <a:schemeClr val="accent6"/>
+          </a:fillRef>
+          <a:effectRef idx="0">
+            <a:schemeClr val="accent6"/>
+          </a:effectRef>
+          <a:fontRef idx="minor">
+            <a:schemeClr val="lt1"/>
+          </a:fontRef>
+        </p:style>
+        <p:txBody>
+          <a:bodyPr rtlCol="0" anchor="ctr"/>
           <a:lstStyle/>
           <a:p>
             <a:pPr algn="ctr"/>
             <a:r>
-              <a:rPr kumimoji="1" lang="ja-JP" altLang="en-US" sz="1200" dirty="0" smtClean="0"/>
-              <a:t>↑「グランブルーファンタジー」のページ　　　　　の「メインキャラクター」の解析結果</a:t>
-            </a:r>
-            <a:endParaRPr kumimoji="1" lang="ja-JP" altLang="en-US" sz="1200" dirty="0"/>
-          </a:p>
-        </p:txBody>
-      </p:sp>
-      <p:graphicFrame>
-        <p:nvGraphicFramePr>
-          <p:cNvPr id="6" name="オブジェクト 5"/>
-          <p:cNvGraphicFramePr>
-            <a:graphicFrameLocks noChangeAspect="1"/>
-          </p:cNvGraphicFramePr>
-          <p:nvPr>
-            <p:extLst>
-              <p:ext uri="{D42A27DB-BD31-4B8C-83A1-F6EECF244321}">
-                <p14:modId xmlns:p14="http://schemas.microsoft.com/office/powerpoint/2010/main" val="4032956919"/>
-              </p:ext>
-            </p:extLst>
-          </p:nvPr>
-        </p:nvGraphicFramePr>
-        <p:xfrm>
-          <a:off x="3708179" y="7060105"/>
-          <a:ext cx="2732355" cy="1442718"/>
-        </p:xfrm>
-        <a:graphic>
-          <a:graphicData uri="http://schemas.openxmlformats.org/presentationml/2006/ole">
-            <mc:AlternateContent xmlns:mc="http://schemas.openxmlformats.org/markup-compatibility/2006">
-              <mc:Choice xmlns:v="urn:schemas-microsoft-com:vml" Requires="v">
-                <p:oleObj spid="_x0000_s1036" name="ワークシート" r:id="rId3" imgW="3133549" imgH="1552646" progId="Excel.Sheet.12">
-                  <p:embed/>
-                </p:oleObj>
-              </mc:Choice>
-              <mc:Fallback>
-                <p:oleObj name="ワークシート" r:id="rId3" imgW="3133549" imgH="1552646" progId="Excel.Sheet.12">
-                  <p:embed/>
-                  <p:pic>
-                    <p:nvPicPr>
-                      <p:cNvPr id="0" name=""/>
-                      <p:cNvPicPr/>
-                      <p:nvPr/>
-                    </p:nvPicPr>
-                    <p:blipFill>
-                      <a:blip r:embed="rId4"/>
-                      <a:stretch>
-                        <a:fillRect/>
-                      </a:stretch>
-                    </p:blipFill>
-                    <p:spPr>
-                      <a:xfrm>
-                        <a:off x="3708179" y="7060105"/>
-                        <a:ext cx="2732355" cy="1442718"/>
-                      </a:xfrm>
-                      <a:prstGeom prst="rect">
-                        <a:avLst/>
-                      </a:prstGeom>
-                    </p:spPr>
-                  </p:pic>
-                </p:oleObj>
-              </mc:Fallback>
-            </mc:AlternateContent>
-          </a:graphicData>
-        </a:graphic>
-      </p:graphicFrame>
-      <p:graphicFrame>
-        <p:nvGraphicFramePr>
-          <p:cNvPr id="7" name="オブジェクト 6"/>
-          <p:cNvGraphicFramePr>
-            <a:graphicFrameLocks noChangeAspect="1"/>
-          </p:cNvGraphicFramePr>
-          <p:nvPr>
-            <p:extLst>
-              <p:ext uri="{D42A27DB-BD31-4B8C-83A1-F6EECF244321}">
-                <p14:modId xmlns:p14="http://schemas.microsoft.com/office/powerpoint/2010/main" val="3616989368"/>
-              </p:ext>
-            </p:extLst>
-          </p:nvPr>
-        </p:nvGraphicFramePr>
-        <p:xfrm>
-          <a:off x="3726689" y="5308855"/>
-          <a:ext cx="2723313" cy="1265557"/>
-        </p:xfrm>
-        <a:graphic>
-          <a:graphicData uri="http://schemas.openxmlformats.org/presentationml/2006/ole">
-            <mc:AlternateContent xmlns:mc="http://schemas.openxmlformats.org/markup-compatibility/2006">
-              <mc:Choice xmlns:v="urn:schemas-microsoft-com:vml" Requires="v">
-                <p:oleObj spid="_x0000_s1037" name="ワークシート" r:id="rId5" imgW="3305287" imgH="1381068" progId="Excel.Sheet.12">
-                  <p:embed/>
-                </p:oleObj>
-              </mc:Choice>
-              <mc:Fallback>
-                <p:oleObj name="ワークシート" r:id="rId5" imgW="3305287" imgH="1381068" progId="Excel.Sheet.12">
-                  <p:embed/>
-                  <p:pic>
-                    <p:nvPicPr>
-                      <p:cNvPr id="0" name=""/>
-                      <p:cNvPicPr/>
-                      <p:nvPr/>
-                    </p:nvPicPr>
-                    <p:blipFill>
-                      <a:blip r:embed="rId6"/>
-                      <a:stretch>
-                        <a:fillRect/>
-                      </a:stretch>
-                    </p:blipFill>
-                    <p:spPr>
-                      <a:xfrm>
-                        <a:off x="3726689" y="5308855"/>
-                        <a:ext cx="2723313" cy="1265557"/>
-                      </a:xfrm>
-                      <a:prstGeom prst="rect">
-                        <a:avLst/>
-                      </a:prstGeom>
-                    </p:spPr>
-                  </p:pic>
-                </p:oleObj>
-              </mc:Fallback>
-            </mc:AlternateContent>
-          </a:graphicData>
-        </a:graphic>
-      </p:graphicFrame>
+              <a:rPr kumimoji="1" lang="ja-JP" altLang="en-US" dirty="0" smtClean="0"/>
+              <a:t>目的</a:t>
+            </a:r>
+            <a:endParaRPr kumimoji="1" lang="ja-JP" altLang="en-US" dirty="0"/>
+          </a:p>
+        </p:txBody>
+      </p:sp>
+      <p:sp>
+        <p:nvSpPr>
+          <p:cNvPr id="34" name="円/楕円 33"/>
+          <p:cNvSpPr/>
+          <p:nvPr/>
+        </p:nvSpPr>
+        <p:spPr>
+          <a:xfrm>
+            <a:off x="113388" y="539552"/>
+            <a:ext cx="1281169" cy="507727"/>
+          </a:xfrm>
+          <a:prstGeom prst="ellipse">
+            <a:avLst/>
+          </a:prstGeom>
+        </p:spPr>
+        <p:style>
+          <a:lnRef idx="2">
+            <a:schemeClr val="accent6">
+              <a:shade val="50000"/>
+            </a:schemeClr>
+          </a:lnRef>
+          <a:fillRef idx="1">
+            <a:schemeClr val="accent6"/>
+          </a:fillRef>
+          <a:effectRef idx="0">
+            <a:schemeClr val="accent6"/>
+          </a:effectRef>
+          <a:fontRef idx="minor">
+            <a:schemeClr val="lt1"/>
+          </a:fontRef>
+        </p:style>
+        <p:txBody>
+          <a:bodyPr rtlCol="0" anchor="ctr"/>
+          <a:lstStyle/>
+          <a:p>
+            <a:pPr algn="ctr"/>
+            <a:r>
+              <a:rPr kumimoji="1" lang="ja-JP" altLang="en-US" dirty="0" smtClean="0"/>
+              <a:t>目的</a:t>
+            </a:r>
+            <a:endParaRPr kumimoji="1" lang="ja-JP" altLang="en-US" dirty="0"/>
+          </a:p>
+        </p:txBody>
+      </p:sp>
     </p:spTree>
     <p:extLst>
       <p:ext uri="{BB962C8B-B14F-4D97-AF65-F5344CB8AC3E}">

--- a/課題研究/2015/下村渉/1342069下村渉　ポスター.pptx
+++ b/課題研究/2015/下村渉/1342069下村渉　ポスター.pptx
@@ -304,7 +304,7 @@
           <a:p>
             <a:fld id="{A157BA37-E345-4782-84BA-8FCF7DC02401}" type="datetimeFigureOut">
               <a:rPr kumimoji="1" lang="ja-JP" altLang="en-US" smtClean="0"/>
-              <a:t>2015/12/17</a:t>
+              <a:t>2015/12/18</a:t>
             </a:fld>
             <a:endParaRPr kumimoji="1" lang="ja-JP" altLang="en-US"/>
           </a:p>
@@ -506,7 +506,7 @@
           <a:p>
             <a:fld id="{A157BA37-E345-4782-84BA-8FCF7DC02401}" type="datetimeFigureOut">
               <a:rPr kumimoji="1" lang="ja-JP" altLang="en-US" smtClean="0"/>
-              <a:t>2015/12/17</a:t>
+              <a:t>2015/12/18</a:t>
             </a:fld>
             <a:endParaRPr kumimoji="1" lang="ja-JP" altLang="en-US"/>
           </a:p>
@@ -718,7 +718,7 @@
           <a:p>
             <a:fld id="{A157BA37-E345-4782-84BA-8FCF7DC02401}" type="datetimeFigureOut">
               <a:rPr kumimoji="1" lang="ja-JP" altLang="en-US" smtClean="0"/>
-              <a:t>2015/12/17</a:t>
+              <a:t>2015/12/18</a:t>
             </a:fld>
             <a:endParaRPr kumimoji="1" lang="ja-JP" altLang="en-US"/>
           </a:p>
@@ -920,7 +920,7 @@
           <a:p>
             <a:fld id="{A157BA37-E345-4782-84BA-8FCF7DC02401}" type="datetimeFigureOut">
               <a:rPr kumimoji="1" lang="ja-JP" altLang="en-US" smtClean="0"/>
-              <a:t>2015/12/17</a:t>
+              <a:t>2015/12/18</a:t>
             </a:fld>
             <a:endParaRPr kumimoji="1" lang="ja-JP" altLang="en-US"/>
           </a:p>
@@ -1166,7 +1166,7 @@
           <a:p>
             <a:fld id="{A157BA37-E345-4782-84BA-8FCF7DC02401}" type="datetimeFigureOut">
               <a:rPr kumimoji="1" lang="ja-JP" altLang="en-US" smtClean="0"/>
-              <a:t>2015/12/17</a:t>
+              <a:t>2015/12/18</a:t>
             </a:fld>
             <a:endParaRPr kumimoji="1" lang="ja-JP" altLang="en-US"/>
           </a:p>
@@ -1518,7 +1518,7 @@
           <a:p>
             <a:fld id="{A157BA37-E345-4782-84BA-8FCF7DC02401}" type="datetimeFigureOut">
               <a:rPr kumimoji="1" lang="ja-JP" altLang="en-US" smtClean="0"/>
-              <a:t>2015/12/17</a:t>
+              <a:t>2015/12/18</a:t>
             </a:fld>
             <a:endParaRPr kumimoji="1" lang="ja-JP" altLang="en-US"/>
           </a:p>
@@ -2009,7 +2009,7 @@
           <a:p>
             <a:fld id="{A157BA37-E345-4782-84BA-8FCF7DC02401}" type="datetimeFigureOut">
               <a:rPr kumimoji="1" lang="ja-JP" altLang="en-US" smtClean="0"/>
-              <a:t>2015/12/17</a:t>
+              <a:t>2015/12/18</a:t>
             </a:fld>
             <a:endParaRPr kumimoji="1" lang="ja-JP" altLang="en-US"/>
           </a:p>
@@ -2127,7 +2127,7 @@
           <a:p>
             <a:fld id="{A157BA37-E345-4782-84BA-8FCF7DC02401}" type="datetimeFigureOut">
               <a:rPr kumimoji="1" lang="ja-JP" altLang="en-US" smtClean="0"/>
-              <a:t>2015/12/17</a:t>
+              <a:t>2015/12/18</a:t>
             </a:fld>
             <a:endParaRPr kumimoji="1" lang="ja-JP" altLang="en-US"/>
           </a:p>
@@ -2222,7 +2222,7 @@
           <a:p>
             <a:fld id="{A157BA37-E345-4782-84BA-8FCF7DC02401}" type="datetimeFigureOut">
               <a:rPr kumimoji="1" lang="ja-JP" altLang="en-US" smtClean="0"/>
-              <a:t>2015/12/17</a:t>
+              <a:t>2015/12/18</a:t>
             </a:fld>
             <a:endParaRPr kumimoji="1" lang="ja-JP" altLang="en-US"/>
           </a:p>
@@ -2531,7 +2531,7 @@
           <a:p>
             <a:fld id="{A157BA37-E345-4782-84BA-8FCF7DC02401}" type="datetimeFigureOut">
               <a:rPr kumimoji="1" lang="ja-JP" altLang="en-US" smtClean="0"/>
-              <a:t>2015/12/17</a:t>
+              <a:t>2015/12/18</a:t>
             </a:fld>
             <a:endParaRPr kumimoji="1" lang="ja-JP" altLang="en-US"/>
           </a:p>
@@ -2784,7 +2784,7 @@
           <a:p>
             <a:fld id="{A157BA37-E345-4782-84BA-8FCF7DC02401}" type="datetimeFigureOut">
               <a:rPr kumimoji="1" lang="ja-JP" altLang="en-US" smtClean="0"/>
-              <a:t>2015/12/17</a:t>
+              <a:t>2015/12/18</a:t>
             </a:fld>
             <a:endParaRPr kumimoji="1" lang="ja-JP" altLang="en-US"/>
           </a:p>
@@ -3029,7 +3029,7 @@
           <a:p>
             <a:fld id="{A157BA37-E345-4782-84BA-8FCF7DC02401}" type="datetimeFigureOut">
               <a:rPr kumimoji="1" lang="ja-JP" altLang="en-US" smtClean="0"/>
-              <a:t>2015/12/17</a:t>
+              <a:t>2015/12/18</a:t>
             </a:fld>
             <a:endParaRPr kumimoji="1" lang="ja-JP" altLang="en-US"/>
           </a:p>
@@ -3406,14 +3406,14 @@
       </p:grpSpPr>
       <p:sp>
         <p:nvSpPr>
-          <p:cNvPr id="63" name="角丸四角形 62"/>
+          <p:cNvPr id="35" name="角丸四角形 34"/>
           <p:cNvSpPr/>
           <p:nvPr/>
         </p:nvSpPr>
         <p:spPr>
           <a:xfrm>
-            <a:off x="375148" y="7829509"/>
-            <a:ext cx="2828541" cy="1174811"/>
+            <a:off x="217520" y="5712191"/>
+            <a:ext cx="6516140" cy="1956153"/>
           </a:xfrm>
           <a:prstGeom prst="roundRect">
             <a:avLst/>
@@ -3442,38 +3442,21 @@
           <a:bodyPr rtlCol="0" anchor="ctr"/>
           <a:lstStyle/>
           <a:p>
-            <a:r>
-              <a:rPr lang="ja-JP" altLang="en-US" sz="1200" dirty="0" smtClean="0">
-                <a:solidFill>
-                  <a:schemeClr val="tx1">
-                    <a:lumMod val="95000"/>
-                    <a:lumOff val="5000"/>
-                  </a:schemeClr>
-                </a:solidFill>
-              </a:rPr>
-              <a:t>今後の計画は専門用語を検索したときに適切な用語に転換できるよう検索システムの開発を予定している</a:t>
-            </a:r>
-            <a:endParaRPr lang="ja-JP" altLang="en-US" sz="1200" dirty="0">
-              <a:solidFill>
-                <a:schemeClr val="tx1">
-                  <a:lumMod val="95000"/>
-                  <a:lumOff val="5000"/>
-                </a:schemeClr>
-              </a:solidFill>
-            </a:endParaRPr>
-          </a:p>
-        </p:txBody>
-      </p:sp>
-      <p:sp>
-        <p:nvSpPr>
-          <p:cNvPr id="61" name="角丸四角形 60"/>
+            <a:pPr algn="ctr"/>
+            <a:endParaRPr kumimoji="1" lang="ja-JP" altLang="en-US"/>
+          </a:p>
+        </p:txBody>
+      </p:sp>
+      <p:sp>
+        <p:nvSpPr>
+          <p:cNvPr id="2" name="角丸四角形 1"/>
           <p:cNvSpPr/>
           <p:nvPr/>
         </p:nvSpPr>
         <p:spPr>
           <a:xfrm>
-            <a:off x="396114" y="6135345"/>
-            <a:ext cx="2828541" cy="1395555"/>
+            <a:off x="193001" y="833980"/>
+            <a:ext cx="6540659" cy="2800717"/>
           </a:xfrm>
           <a:prstGeom prst="roundRect">
             <a:avLst/>
@@ -3502,8 +3485,51 @@
           <a:bodyPr rtlCol="0" anchor="ctr"/>
           <a:lstStyle/>
           <a:p>
-            <a:r>
-              <a:rPr lang="en-US" altLang="ja-JP" sz="1200" dirty="0" err="1" smtClean="0">
+            <a:pPr algn="ctr"/>
+            <a:endParaRPr kumimoji="1" lang="ja-JP" altLang="en-US"/>
+          </a:p>
+        </p:txBody>
+      </p:sp>
+      <p:sp>
+        <p:nvSpPr>
+          <p:cNvPr id="63" name="角丸四角形 62"/>
+          <p:cNvSpPr/>
+          <p:nvPr/>
+        </p:nvSpPr>
+        <p:spPr>
+          <a:xfrm>
+            <a:off x="217520" y="8040653"/>
+            <a:ext cx="6516140" cy="1012201"/>
+          </a:xfrm>
+          <a:prstGeom prst="roundRect">
+            <a:avLst/>
+          </a:prstGeom>
+          <a:solidFill>
+            <a:schemeClr val="bg1"/>
+          </a:solidFill>
+        </p:spPr>
+        <p:style>
+          <a:lnRef idx="2">
+            <a:schemeClr val="accent1">
+              <a:shade val="50000"/>
+            </a:schemeClr>
+          </a:lnRef>
+          <a:fillRef idx="1">
+            <a:schemeClr val="accent1"/>
+          </a:fillRef>
+          <a:effectRef idx="0">
+            <a:schemeClr val="accent1"/>
+          </a:effectRef>
+          <a:fontRef idx="minor">
+            <a:schemeClr val="lt1"/>
+          </a:fontRef>
+        </p:style>
+        <p:txBody>
+          <a:bodyPr rtlCol="0" anchor="ctr"/>
+          <a:lstStyle/>
+          <a:p>
+            <a:r>
+              <a:rPr lang="ja-JP" altLang="en-US" sz="1200" dirty="0" smtClean="0">
                 <a:solidFill>
                   <a:schemeClr val="tx1">
                     <a:lumMod val="95000"/>
@@ -3511,7 +3537,7 @@
                   </a:schemeClr>
                 </a:solidFill>
               </a:rPr>
-              <a:t>MediaWiki</a:t>
+              <a:t>今後の計画は専門用語を検索したときに適切な用語に転換できるよう検索システムの開発を予定して</a:t>
             </a:r>
             <a:r>
               <a:rPr lang="ja-JP" altLang="en-US" sz="1200" dirty="0" smtClean="0">
@@ -3522,7 +3548,7 @@
                   </a:schemeClr>
                 </a:solidFill>
               </a:rPr>
-              <a:t>のサーバーを立ち上げ，各視点から専門用語のページを作り，作ったページから用語間の関連情報を抽出し，抽出した情報から用語の翻訳する</a:t>
+              <a:t>いる．</a:t>
             </a:r>
             <a:endParaRPr lang="ja-JP" altLang="en-US" sz="1200" dirty="0">
               <a:solidFill>
@@ -3537,13 +3563,95 @@
       </p:sp>
       <p:sp>
         <p:nvSpPr>
+          <p:cNvPr id="61" name="角丸四角形 60"/>
+          <p:cNvSpPr/>
+          <p:nvPr/>
+        </p:nvSpPr>
+        <p:spPr>
+          <a:xfrm>
+            <a:off x="3724775" y="3987196"/>
+            <a:ext cx="3008885" cy="1448900"/>
+          </a:xfrm>
+          <a:prstGeom prst="roundRect">
+            <a:avLst/>
+          </a:prstGeom>
+          <a:solidFill>
+            <a:schemeClr val="bg1"/>
+          </a:solidFill>
+        </p:spPr>
+        <p:style>
+          <a:lnRef idx="2">
+            <a:schemeClr val="accent1">
+              <a:shade val="50000"/>
+            </a:schemeClr>
+          </a:lnRef>
+          <a:fillRef idx="1">
+            <a:schemeClr val="accent1"/>
+          </a:fillRef>
+          <a:effectRef idx="0">
+            <a:schemeClr val="accent1"/>
+          </a:effectRef>
+          <a:fontRef idx="minor">
+            <a:schemeClr val="lt1"/>
+          </a:fontRef>
+        </p:style>
+        <p:txBody>
+          <a:bodyPr rtlCol="0" anchor="ctr"/>
+          <a:lstStyle/>
+          <a:p>
+            <a:r>
+              <a:rPr lang="en-US" altLang="ja-JP" sz="1200" dirty="0" err="1" smtClean="0">
+                <a:solidFill>
+                  <a:schemeClr val="tx1">
+                    <a:lumMod val="95000"/>
+                    <a:lumOff val="5000"/>
+                  </a:schemeClr>
+                </a:solidFill>
+              </a:rPr>
+              <a:t>MediaWiki</a:t>
+            </a:r>
+            <a:r>
+              <a:rPr lang="ja-JP" altLang="en-US" sz="1200" dirty="0" smtClean="0">
+                <a:solidFill>
+                  <a:schemeClr val="tx1">
+                    <a:lumMod val="95000"/>
+                    <a:lumOff val="5000"/>
+                  </a:schemeClr>
+                </a:solidFill>
+              </a:rPr>
+              <a:t>のサーバーを立ち上げ，各視点から専門用語のページを作り，作ったページから用語間の関連情報を抽出し，抽出した情報から用語の翻訳</a:t>
+            </a:r>
+            <a:r>
+              <a:rPr lang="ja-JP" altLang="en-US" sz="1200" dirty="0" smtClean="0">
+                <a:solidFill>
+                  <a:schemeClr val="tx1">
+                    <a:lumMod val="95000"/>
+                    <a:lumOff val="5000"/>
+                  </a:schemeClr>
+                </a:solidFill>
+              </a:rPr>
+              <a:t>する．</a:t>
+            </a:r>
+            <a:endParaRPr lang="ja-JP" altLang="en-US" sz="1200" dirty="0">
+              <a:solidFill>
+                <a:schemeClr val="tx1">
+                  <a:lumMod val="95000"/>
+                  <a:lumOff val="5000"/>
+                </a:schemeClr>
+              </a:solidFill>
+            </a:endParaRPr>
+          </a:p>
+        </p:txBody>
+      </p:sp>
+      <p:sp>
+        <p:nvSpPr>
           <p:cNvPr id="59" name="角丸四角形 58"/>
           <p:cNvSpPr/>
           <p:nvPr/>
         </p:nvSpPr>
         <p:spPr>
           <a:xfrm>
-            <a:off x="335920" y="4195929"/>
+            <a:off x="193001" y="3907897"/>
             <a:ext cx="2883599" cy="1528199"/>
           </a:xfrm>
           <a:prstGeom prst="roundRect">
@@ -3615,55 +3723,20 @@
                   </a:schemeClr>
                 </a:solidFill>
               </a:rPr>
-              <a:t>用語が異なる語彙を目的に応じた最適な語彙への変換ができるようなシステムの作る</a:t>
-            </a:r>
-          </a:p>
-        </p:txBody>
-      </p:sp>
-      <p:sp>
-        <p:nvSpPr>
-          <p:cNvPr id="3" name="正方形/長方形 2"/>
-          <p:cNvSpPr/>
-          <p:nvPr/>
-        </p:nvSpPr>
-        <p:spPr>
-          <a:xfrm>
-            <a:off x="332392" y="802189"/>
-            <a:ext cx="6386220" cy="2908611"/>
-          </a:xfrm>
-          <a:prstGeom prst="rect">
-            <a:avLst/>
-          </a:prstGeom>
-          <a:solidFill>
-            <a:schemeClr val="bg1"/>
-          </a:solidFill>
-          <a:ln>
-            <a:solidFill>
-              <a:schemeClr val="tx1"/>
-            </a:solidFill>
-          </a:ln>
-        </p:spPr>
-        <p:style>
-          <a:lnRef idx="2">
-            <a:schemeClr val="accent5">
-              <a:shade val="50000"/>
-            </a:schemeClr>
-          </a:lnRef>
-          <a:fillRef idx="1">
-            <a:schemeClr val="accent5"/>
-          </a:fillRef>
-          <a:effectRef idx="0">
-            <a:schemeClr val="accent5"/>
-          </a:effectRef>
-          <a:fontRef idx="minor">
-            <a:schemeClr val="lt1"/>
-          </a:fontRef>
-        </p:style>
-        <p:txBody>
-          <a:bodyPr rtlCol="0" anchor="ctr"/>
-          <a:lstStyle/>
-          <a:p>
-            <a:endParaRPr kumimoji="1" lang="en-US" altLang="ja-JP" sz="1400" dirty="0" smtClean="0">
+              <a:t>用語が異なる語彙を目的に応じた最適な語彙への変換ができるような</a:t>
+            </a:r>
+            <a:r>
+              <a:rPr lang="ja-JP" altLang="en-US" sz="1200" dirty="0" smtClean="0">
+                <a:solidFill>
+                  <a:schemeClr val="tx1">
+                    <a:lumMod val="95000"/>
+                    <a:lumOff val="5000"/>
+                  </a:schemeClr>
+                </a:solidFill>
+              </a:rPr>
+              <a:t>システムを作る．</a:t>
+            </a:r>
+            <a:endParaRPr lang="ja-JP" altLang="en-US" sz="1200" dirty="0">
               <a:solidFill>
                 <a:schemeClr val="tx1">
                   <a:lumMod val="95000"/>
@@ -3884,8 +3957,27 @@
                   </a:schemeClr>
                 </a:solidFill>
               </a:rPr>
-              <a:t>である</a:t>
-            </a:r>
+              <a:t>で</a:t>
+            </a:r>
+            <a:r>
+              <a:rPr lang="ja-JP" altLang="en-US" sz="1200" dirty="0" smtClean="0">
+                <a:solidFill>
+                  <a:schemeClr val="tx1">
+                    <a:lumMod val="95000"/>
+                    <a:lumOff val="5000"/>
+                  </a:schemeClr>
+                </a:solidFill>
+              </a:rPr>
+              <a:t>ある．</a:t>
+            </a:r>
+            <a:endParaRPr lang="ja-JP" altLang="en-US" sz="1200" dirty="0">
+              <a:solidFill>
+                <a:schemeClr val="tx1">
+                  <a:lumMod val="95000"/>
+                  <a:lumOff val="5000"/>
+                </a:schemeClr>
+              </a:solidFill>
+            </a:endParaRPr>
           </a:p>
         </p:txBody>
       </p:sp>
@@ -3991,7 +4083,18 @@
                   </a:schemeClr>
                 </a:solidFill>
               </a:rPr>
-              <a:t>を使った説明では発注者は十分な理解を得られないかもしれない</a:t>
+              <a:t>を使った説明では発注者は十分な理解を得られないかも</a:t>
+            </a:r>
+            <a:r>
+              <a:rPr lang="ja-JP" altLang="en-US" sz="1200" dirty="0" smtClean="0">
+                <a:solidFill>
+                  <a:schemeClr val="tx1">
+                    <a:lumMod val="95000"/>
+                    <a:lumOff val="5000"/>
+                  </a:schemeClr>
+                </a:solidFill>
+              </a:rPr>
+              <a:t>しれない．</a:t>
             </a:r>
             <a:endParaRPr lang="ja-JP" altLang="en-US" sz="1200" dirty="0">
               <a:solidFill>
@@ -4156,7 +4259,7 @@
         </p:nvSpPr>
         <p:spPr>
           <a:xfrm>
-            <a:off x="116632" y="7592665"/>
+            <a:off x="108997" y="7786789"/>
             <a:ext cx="1281169" cy="507727"/>
           </a:xfrm>
           <a:prstGeom prst="ellipse">
@@ -4202,57 +4305,14 @@
       </p:sp>
       <p:sp>
         <p:nvSpPr>
-          <p:cNvPr id="68" name="正方形/長方形 67"/>
-          <p:cNvSpPr/>
-          <p:nvPr/>
-        </p:nvSpPr>
-        <p:spPr>
-          <a:xfrm>
-            <a:off x="3493300" y="4195929"/>
-            <a:ext cx="3240360" cy="4817442"/>
-          </a:xfrm>
-          <a:prstGeom prst="rect">
-            <a:avLst/>
-          </a:prstGeom>
-          <a:solidFill>
-            <a:schemeClr val="bg1"/>
-          </a:solidFill>
-        </p:spPr>
-        <p:style>
-          <a:lnRef idx="2">
-            <a:schemeClr val="accent1">
-              <a:shade val="50000"/>
-            </a:schemeClr>
-          </a:lnRef>
-          <a:fillRef idx="1">
-            <a:schemeClr val="accent1"/>
-          </a:fillRef>
-          <a:effectRef idx="0">
-            <a:schemeClr val="accent1"/>
-          </a:effectRef>
-          <a:fontRef idx="minor">
-            <a:schemeClr val="lt1"/>
-          </a:fontRef>
-        </p:style>
-        <p:txBody>
-          <a:bodyPr rtlCol="0" anchor="ctr"/>
-          <a:lstStyle/>
-          <a:p>
-            <a:pPr algn="ctr"/>
-            <a:endParaRPr kumimoji="1" lang="ja-JP" altLang="en-US"/>
-          </a:p>
-        </p:txBody>
-      </p:sp>
-      <p:sp>
-        <p:nvSpPr>
           <p:cNvPr id="69" name="角丸四角形 68"/>
           <p:cNvSpPr/>
           <p:nvPr/>
         </p:nvSpPr>
         <p:spPr>
           <a:xfrm>
-            <a:off x="3729870" y="4499741"/>
-            <a:ext cx="2867482" cy="725423"/>
+            <a:off x="335339" y="5926364"/>
+            <a:ext cx="1725509" cy="1587226"/>
           </a:xfrm>
           <a:prstGeom prst="roundRect">
             <a:avLst/>
@@ -4301,10 +4361,10 @@
                   </a:schemeClr>
                 </a:solidFill>
               </a:rPr>
-              <a:t>を</a:t>
-            </a:r>
-            <a:r>
-              <a:rPr lang="ja-JP" altLang="en-US" sz="1200" smtClean="0">
+              <a:t>をインストールし，ページを作り，見出しを書いて，</a:t>
+            </a:r>
+            <a:r>
+              <a:rPr lang="en-US" altLang="ja-JP" sz="1200" dirty="0" err="1" smtClean="0">
                 <a:solidFill>
                   <a:schemeClr val="tx1">
                     <a:lumMod val="95000"/>
@@ -4312,7 +4372,7 @@
                   </a:schemeClr>
                 </a:solidFill>
               </a:rPr>
-              <a:t>インストールし，ページ</a:t>
+              <a:t>MediaWiki</a:t>
             </a:r>
             <a:r>
               <a:rPr lang="ja-JP" altLang="en-US" sz="1200" dirty="0" smtClean="0">
@@ -4323,10 +4383,10 @@
                   </a:schemeClr>
                 </a:solidFill>
               </a:rPr>
-              <a:t>を</a:t>
-            </a:r>
-            <a:r>
-              <a:rPr lang="ja-JP" altLang="en-US" sz="1200" smtClean="0">
+              <a:t>のデータを</a:t>
+            </a:r>
+            <a:r>
+              <a:rPr lang="en-US" altLang="ja-JP" sz="1200" dirty="0" smtClean="0">
                 <a:solidFill>
                   <a:schemeClr val="tx1">
                     <a:lumMod val="95000"/>
@@ -4334,10 +4394,10 @@
                   </a:schemeClr>
                 </a:solidFill>
               </a:rPr>
-              <a:t>作り，見出しを書いて，</a:t>
-            </a:r>
-            <a:r>
-              <a:rPr lang="en-US" altLang="ja-JP" sz="1200" dirty="0" err="1" smtClean="0">
+              <a:t>XML</a:t>
+            </a:r>
+            <a:r>
+              <a:rPr lang="ja-JP" altLang="en-US" sz="1200" dirty="0" smtClean="0">
                 <a:solidFill>
                   <a:schemeClr val="tx1">
                     <a:lumMod val="95000"/>
@@ -4345,7 +4405,7 @@
                   </a:schemeClr>
                 </a:solidFill>
               </a:rPr>
-              <a:t>MediaWiki</a:t>
+              <a:t>にダンプし上位下位関係抽出ツールで解析し抽出</a:t>
             </a:r>
             <a:r>
               <a:rPr lang="ja-JP" altLang="en-US" sz="1200" dirty="0" smtClean="0">
@@ -4356,29 +4416,7 @@
                   </a:schemeClr>
                 </a:solidFill>
               </a:rPr>
-              <a:t>のデータを</a:t>
-            </a:r>
-            <a:r>
-              <a:rPr lang="en-US" altLang="ja-JP" sz="1200" dirty="0" smtClean="0">
-                <a:solidFill>
-                  <a:schemeClr val="tx1">
-                    <a:lumMod val="95000"/>
-                    <a:lumOff val="5000"/>
-                  </a:schemeClr>
-                </a:solidFill>
-              </a:rPr>
-              <a:t>XML</a:t>
-            </a:r>
-            <a:r>
-              <a:rPr lang="ja-JP" altLang="en-US" sz="1200" dirty="0" smtClean="0">
-                <a:solidFill>
-                  <a:schemeClr val="tx1">
-                    <a:lumMod val="95000"/>
-                    <a:lumOff val="5000"/>
-                  </a:schemeClr>
-                </a:solidFill>
-              </a:rPr>
-              <a:t>にダンプし上位下位関係抽出ツールで解析し抽出した</a:t>
+              <a:t>した．</a:t>
             </a:r>
             <a:endParaRPr lang="ja-JP" altLang="en-US" sz="1200" dirty="0">
               <a:solidFill>
@@ -4399,8 +4437,8 @@
         </p:nvSpPr>
         <p:spPr>
           <a:xfrm>
-            <a:off x="3674646" y="8513979"/>
-            <a:ext cx="2877667" cy="461665"/>
+            <a:off x="4400128" y="6950005"/>
+            <a:ext cx="1871995" cy="646331"/>
           </a:xfrm>
           <a:prstGeom prst="rect">
             <a:avLst/>
@@ -4416,7 +4454,15 @@
             <a:pPr algn="ctr"/>
             <a:r>
               <a:rPr kumimoji="1" lang="ja-JP" altLang="en-US" sz="1200" dirty="0" smtClean="0"/>
-              <a:t>↑「グランブルーファンタジー」のページ　　　　　の「登場キャラクター」の解析結果</a:t>
+              <a:t>↑「グランブルーファンタジー」の</a:t>
+            </a:r>
+            <a:r>
+              <a:rPr kumimoji="1" lang="ja-JP" altLang="en-US" sz="1200" dirty="0" smtClean="0"/>
+              <a:t>ページの</a:t>
+            </a:r>
+            <a:r>
+              <a:rPr kumimoji="1" lang="ja-JP" altLang="en-US" sz="1200" dirty="0" smtClean="0"/>
+              <a:t>「登場キャラクター」の解析結果</a:t>
             </a:r>
             <a:endParaRPr kumimoji="1" lang="ja-JP" altLang="en-US" sz="1200" dirty="0"/>
           </a:p>
@@ -4430,8 +4476,8 @@
         </p:nvSpPr>
         <p:spPr>
           <a:xfrm>
-            <a:off x="3719685" y="6558607"/>
-            <a:ext cx="2877667" cy="461665"/>
+            <a:off x="2276872" y="6950005"/>
+            <a:ext cx="1935899" cy="646331"/>
           </a:xfrm>
           <a:prstGeom prst="rect">
             <a:avLst/>
@@ -4447,7 +4493,15 @@
             <a:pPr algn="ctr"/>
             <a:r>
               <a:rPr kumimoji="1" lang="ja-JP" altLang="en-US" sz="1200" dirty="0" smtClean="0"/>
-              <a:t>↑「グランブルーファンタジー」のページ　　　　　の「メインキャラクター」の解析結果</a:t>
+              <a:t>↑「グランブルーファンタジー」の</a:t>
+            </a:r>
+            <a:r>
+              <a:rPr kumimoji="1" lang="ja-JP" altLang="en-US" sz="1200" dirty="0" smtClean="0"/>
+              <a:t>ページの</a:t>
+            </a:r>
+            <a:r>
+              <a:rPr kumimoji="1" lang="ja-JP" altLang="en-US" sz="1200" dirty="0" smtClean="0"/>
+              <a:t>「メインキャラクター」の解析結果</a:t>
             </a:r>
             <a:endParaRPr kumimoji="1" lang="ja-JP" altLang="en-US" sz="1200" dirty="0"/>
           </a:p>
@@ -4462,20 +4516,20 @@
           <p:nvPr>
             <p:extLst>
               <p:ext uri="{D42A27DB-BD31-4B8C-83A1-F6EECF244321}">
-                <p14:modId xmlns:p14="http://schemas.microsoft.com/office/powerpoint/2010/main" val="1707752777"/>
+                <p14:modId xmlns:p14="http://schemas.microsoft.com/office/powerpoint/2010/main" val="4261480003"/>
               </p:ext>
             </p:extLst>
           </p:nvPr>
         </p:nvGraphicFramePr>
         <p:xfrm>
-          <a:off x="3792989" y="7072224"/>
-          <a:ext cx="2732355" cy="1442718"/>
+          <a:off x="4509120" y="5812039"/>
+          <a:ext cx="2015514" cy="1064217"/>
         </p:xfrm>
         <a:graphic>
           <a:graphicData uri="http://schemas.openxmlformats.org/presentationml/2006/ole">
             <mc:AlternateContent xmlns:mc="http://schemas.openxmlformats.org/markup-compatibility/2006">
               <mc:Choice xmlns:v="urn:schemas-microsoft-com:vml" Requires="v">
-                <p:oleObj spid="_x0000_s1044" name="ワークシート" r:id="rId3" imgW="3133549" imgH="1552646" progId="Excel.Sheet.12">
+                <p:oleObj spid="_x0000_s1060" name="ワークシート" r:id="rId3" imgW="3133549" imgH="1552646" progId="Excel.Sheet.12">
                   <p:embed/>
                 </p:oleObj>
               </mc:Choice>
@@ -4496,8 +4550,8 @@
                     </p:blipFill>
                     <p:spPr>
                       <a:xfrm>
-                        <a:off x="3792989" y="7072224"/>
-                        <a:ext cx="2732355" cy="1442718"/>
+                        <a:off x="4509120" y="5812039"/>
+                        <a:ext cx="2015514" cy="1064217"/>
                       </a:xfrm>
                       <a:prstGeom prst="rect">
                         <a:avLst/>
@@ -4519,20 +4573,20 @@
           <p:nvPr>
             <p:extLst>
               <p:ext uri="{D42A27DB-BD31-4B8C-83A1-F6EECF244321}">
-                <p14:modId xmlns:p14="http://schemas.microsoft.com/office/powerpoint/2010/main" val="4172743058"/>
+                <p14:modId xmlns:p14="http://schemas.microsoft.com/office/powerpoint/2010/main" val="1892464272"/>
               </p:ext>
             </p:extLst>
           </p:nvPr>
         </p:nvGraphicFramePr>
         <p:xfrm>
-          <a:off x="3802031" y="5308855"/>
-          <a:ext cx="2723313" cy="1265557"/>
+          <a:off x="2276872" y="5829221"/>
+          <a:ext cx="1934527" cy="1047035"/>
         </p:xfrm>
         <a:graphic>
           <a:graphicData uri="http://schemas.openxmlformats.org/presentationml/2006/ole">
             <mc:AlternateContent xmlns:mc="http://schemas.openxmlformats.org/markup-compatibility/2006">
               <mc:Choice xmlns:v="urn:schemas-microsoft-com:vml" Requires="v">
-                <p:oleObj spid="_x0000_s1045" name="ワークシート" r:id="rId5" imgW="3305287" imgH="1381068" progId="Excel.Sheet.12">
+                <p:oleObj spid="_x0000_s1061" name="ワークシート" r:id="rId5" imgW="3305287" imgH="1381068" progId="Excel.Sheet.12">
                   <p:embed/>
                 </p:oleObj>
               </mc:Choice>
@@ -4553,8 +4607,8 @@
                     </p:blipFill>
                     <p:spPr>
                       <a:xfrm>
-                        <a:off x="3802031" y="5308855"/>
-                        <a:ext cx="2723313" cy="1265557"/>
+                        <a:off x="2276872" y="5829221"/>
+                        <a:ext cx="1934527" cy="1047035"/>
                       </a:xfrm>
                       <a:prstGeom prst="rect">
                         <a:avLst/>
@@ -4575,7 +4629,7 @@
         </p:nvSpPr>
         <p:spPr>
           <a:xfrm>
-            <a:off x="596806" y="3059832"/>
+            <a:off x="596806" y="2987824"/>
             <a:ext cx="5774832" cy="504056"/>
           </a:xfrm>
           <a:prstGeom prst="roundRect">
@@ -4611,23 +4665,23 @@
                   <a:srgbClr val="FF0000"/>
                 </a:solidFill>
               </a:rPr>
-              <a:t>関係者間での視点や用語が異なる語彙を目的に応じた最適な語彙への変換ができるよう</a:t>
-            </a:r>
-            <a:r>
-              <a:rPr lang="ja-JP" altLang="en-US">
+              <a:t>関係者間での視点や用語が異なる語彙を目的に応じた最適な語彙への変換ができるような</a:t>
+            </a:r>
+            <a:r>
+              <a:rPr lang="ja-JP" altLang="en-US" dirty="0" smtClean="0">
                 <a:solidFill>
                   <a:srgbClr val="FF0000"/>
                 </a:solidFill>
               </a:rPr>
-              <a:t>な</a:t>
-            </a:r>
-            <a:r>
-              <a:rPr lang="ja-JP" altLang="en-US" smtClean="0">
+              <a:t>システムを</a:t>
+            </a:r>
+            <a:r>
+              <a:rPr lang="ja-JP" altLang="en-US" dirty="0" smtClean="0">
                 <a:solidFill>
                   <a:srgbClr val="FF0000"/>
                 </a:solidFill>
               </a:rPr>
-              <a:t>システムを作る</a:t>
+              <a:t>作る．</a:t>
             </a:r>
             <a:endParaRPr lang="ja-JP" altLang="en-US" dirty="0">
               <a:solidFill>
@@ -4645,7 +4699,7 @@
         </p:nvSpPr>
         <p:spPr>
           <a:xfrm>
-            <a:off x="113389" y="5850599"/>
+            <a:off x="3442050" y="3702450"/>
             <a:ext cx="1281169" cy="507727"/>
           </a:xfrm>
           <a:prstGeom prst="ellipse">
@@ -4697,7 +4751,7 @@
         </p:nvSpPr>
         <p:spPr>
           <a:xfrm>
-            <a:off x="3227951" y="3961888"/>
+            <a:off x="113388" y="5455432"/>
             <a:ext cx="1281169" cy="507727"/>
           </a:xfrm>
           <a:prstGeom prst="ellipse">
@@ -4749,7 +4803,7 @@
         </p:nvSpPr>
         <p:spPr>
           <a:xfrm>
-            <a:off x="113389" y="3953524"/>
+            <a:off x="113389" y="3665492"/>
             <a:ext cx="1281169" cy="507727"/>
           </a:xfrm>
           <a:prstGeom prst="ellipse">
@@ -4793,7 +4847,7 @@
         </p:nvSpPr>
         <p:spPr>
           <a:xfrm>
-            <a:off x="113388" y="539552"/>
+            <a:off x="113388" y="596929"/>
             <a:ext cx="1281169" cy="507727"/>
           </a:xfrm>
           <a:prstGeom prst="ellipse">
@@ -4822,8 +4876,8 @@
           <a:p>
             <a:pPr algn="ctr"/>
             <a:r>
-              <a:rPr kumimoji="1" lang="ja-JP" altLang="en-US" dirty="0" smtClean="0"/>
-              <a:t>目的</a:t>
+              <a:rPr lang="ja-JP" altLang="en-US" dirty="0"/>
+              <a:t>背景</a:t>
             </a:r>
             <a:endParaRPr kumimoji="1" lang="ja-JP" altLang="en-US" dirty="0"/>
           </a:p>

--- a/課題研究/2015/下村渉/1342069下村渉　ポスター.pptx
+++ b/課題研究/2015/下村渉/1342069下村渉　ポスター.pptx
@@ -304,7 +304,7 @@
           <a:p>
             <a:fld id="{A157BA37-E345-4782-84BA-8FCF7DC02401}" type="datetimeFigureOut">
               <a:rPr kumimoji="1" lang="ja-JP" altLang="en-US" smtClean="0"/>
-              <a:t>2015/12/18</a:t>
+              <a:t>2016/1/8</a:t>
             </a:fld>
             <a:endParaRPr kumimoji="1" lang="ja-JP" altLang="en-US"/>
           </a:p>
@@ -506,7 +506,7 @@
           <a:p>
             <a:fld id="{A157BA37-E345-4782-84BA-8FCF7DC02401}" type="datetimeFigureOut">
               <a:rPr kumimoji="1" lang="ja-JP" altLang="en-US" smtClean="0"/>
-              <a:t>2015/12/18</a:t>
+              <a:t>2016/1/8</a:t>
             </a:fld>
             <a:endParaRPr kumimoji="1" lang="ja-JP" altLang="en-US"/>
           </a:p>
@@ -718,7 +718,7 @@
           <a:p>
             <a:fld id="{A157BA37-E345-4782-84BA-8FCF7DC02401}" type="datetimeFigureOut">
               <a:rPr kumimoji="1" lang="ja-JP" altLang="en-US" smtClean="0"/>
-              <a:t>2015/12/18</a:t>
+              <a:t>2016/1/8</a:t>
             </a:fld>
             <a:endParaRPr kumimoji="1" lang="ja-JP" altLang="en-US"/>
           </a:p>
@@ -920,7 +920,7 @@
           <a:p>
             <a:fld id="{A157BA37-E345-4782-84BA-8FCF7DC02401}" type="datetimeFigureOut">
               <a:rPr kumimoji="1" lang="ja-JP" altLang="en-US" smtClean="0"/>
-              <a:t>2015/12/18</a:t>
+              <a:t>2016/1/8</a:t>
             </a:fld>
             <a:endParaRPr kumimoji="1" lang="ja-JP" altLang="en-US"/>
           </a:p>
@@ -1166,7 +1166,7 @@
           <a:p>
             <a:fld id="{A157BA37-E345-4782-84BA-8FCF7DC02401}" type="datetimeFigureOut">
               <a:rPr kumimoji="1" lang="ja-JP" altLang="en-US" smtClean="0"/>
-              <a:t>2015/12/18</a:t>
+              <a:t>2016/1/8</a:t>
             </a:fld>
             <a:endParaRPr kumimoji="1" lang="ja-JP" altLang="en-US"/>
           </a:p>
@@ -1518,7 +1518,7 @@
           <a:p>
             <a:fld id="{A157BA37-E345-4782-84BA-8FCF7DC02401}" type="datetimeFigureOut">
               <a:rPr kumimoji="1" lang="ja-JP" altLang="en-US" smtClean="0"/>
-              <a:t>2015/12/18</a:t>
+              <a:t>2016/1/8</a:t>
             </a:fld>
             <a:endParaRPr kumimoji="1" lang="ja-JP" altLang="en-US"/>
           </a:p>
@@ -2009,7 +2009,7 @@
           <a:p>
             <a:fld id="{A157BA37-E345-4782-84BA-8FCF7DC02401}" type="datetimeFigureOut">
               <a:rPr kumimoji="1" lang="ja-JP" altLang="en-US" smtClean="0"/>
-              <a:t>2015/12/18</a:t>
+              <a:t>2016/1/8</a:t>
             </a:fld>
             <a:endParaRPr kumimoji="1" lang="ja-JP" altLang="en-US"/>
           </a:p>
@@ -2127,7 +2127,7 @@
           <a:p>
             <a:fld id="{A157BA37-E345-4782-84BA-8FCF7DC02401}" type="datetimeFigureOut">
               <a:rPr kumimoji="1" lang="ja-JP" altLang="en-US" smtClean="0"/>
-              <a:t>2015/12/18</a:t>
+              <a:t>2016/1/8</a:t>
             </a:fld>
             <a:endParaRPr kumimoji="1" lang="ja-JP" altLang="en-US"/>
           </a:p>
@@ -2222,7 +2222,7 @@
           <a:p>
             <a:fld id="{A157BA37-E345-4782-84BA-8FCF7DC02401}" type="datetimeFigureOut">
               <a:rPr kumimoji="1" lang="ja-JP" altLang="en-US" smtClean="0"/>
-              <a:t>2015/12/18</a:t>
+              <a:t>2016/1/8</a:t>
             </a:fld>
             <a:endParaRPr kumimoji="1" lang="ja-JP" altLang="en-US"/>
           </a:p>
@@ -2531,7 +2531,7 @@
           <a:p>
             <a:fld id="{A157BA37-E345-4782-84BA-8FCF7DC02401}" type="datetimeFigureOut">
               <a:rPr kumimoji="1" lang="ja-JP" altLang="en-US" smtClean="0"/>
-              <a:t>2015/12/18</a:t>
+              <a:t>2016/1/8</a:t>
             </a:fld>
             <a:endParaRPr kumimoji="1" lang="ja-JP" altLang="en-US"/>
           </a:p>
@@ -2784,7 +2784,7 @@
           <a:p>
             <a:fld id="{A157BA37-E345-4782-84BA-8FCF7DC02401}" type="datetimeFigureOut">
               <a:rPr kumimoji="1" lang="ja-JP" altLang="en-US" smtClean="0"/>
-              <a:t>2015/12/18</a:t>
+              <a:t>2016/1/8</a:t>
             </a:fld>
             <a:endParaRPr kumimoji="1" lang="ja-JP" altLang="en-US"/>
           </a:p>
@@ -3029,7 +3029,7 @@
           <a:p>
             <a:fld id="{A157BA37-E345-4782-84BA-8FCF7DC02401}" type="datetimeFigureOut">
               <a:rPr kumimoji="1" lang="ja-JP" altLang="en-US" smtClean="0"/>
-              <a:t>2015/12/18</a:t>
+              <a:t>2016/1/8</a:t>
             </a:fld>
             <a:endParaRPr kumimoji="1" lang="ja-JP" altLang="en-US"/>
           </a:p>
@@ -3413,7 +3413,7 @@
         <p:spPr>
           <a:xfrm>
             <a:off x="217520" y="5712191"/>
-            <a:ext cx="6516140" cy="1956153"/>
+            <a:ext cx="6516140" cy="2028161"/>
           </a:xfrm>
           <a:prstGeom prst="roundRect">
             <a:avLst/>
@@ -3537,18 +3537,7 @@
                   </a:schemeClr>
                 </a:solidFill>
               </a:rPr>
-              <a:t>今後の計画は専門用語を検索したときに適切な用語に転換できるよう検索システムの開発を予定して</a:t>
-            </a:r>
-            <a:r>
-              <a:rPr lang="ja-JP" altLang="en-US" sz="1200" dirty="0" smtClean="0">
-                <a:solidFill>
-                  <a:schemeClr val="tx1">
-                    <a:lumMod val="95000"/>
-                    <a:lumOff val="5000"/>
-                  </a:schemeClr>
-                </a:solidFill>
-              </a:rPr>
-              <a:t>いる．</a:t>
+              <a:t>今後の計画は専門用語を検索したときに適切な用語に転換できるよう検索システムの開発を予定している．</a:t>
             </a:r>
             <a:endParaRPr lang="ja-JP" altLang="en-US" sz="1200" dirty="0">
               <a:solidFill>
@@ -3599,6 +3588,10 @@
           <a:bodyPr rtlCol="0" anchor="ctr"/>
           <a:lstStyle/>
           <a:p>
+            <a:pPr marL="171450" indent="-171450">
+              <a:buFont typeface="Arial" panose="020B0604020202020204" pitchFamily="34" charset="0"/>
+              <a:buChar char="•"/>
+            </a:pPr>
             <a:r>
               <a:rPr lang="en-US" altLang="ja-JP" sz="1200" dirty="0" err="1" smtClean="0">
                 <a:solidFill>
@@ -3619,7 +3612,7 @@
                   </a:schemeClr>
                 </a:solidFill>
               </a:rPr>
-              <a:t>のサーバーを立ち上げ，各視点から専門用語のページを作り，作ったページから用語間の関連情報を抽出し，抽出した情報から用語の翻訳</a:t>
+              <a:t>のサーバーを</a:t>
             </a:r>
             <a:r>
               <a:rPr lang="ja-JP" altLang="en-US" sz="1200" dirty="0" smtClean="0">
@@ -3630,7 +3623,137 @@
                   </a:schemeClr>
                 </a:solidFill>
               </a:rPr>
-              <a:t>する．</a:t>
+              <a:t>立ち上げる</a:t>
+            </a:r>
+            <a:endParaRPr lang="en-US" altLang="ja-JP" sz="1200" dirty="0" smtClean="0">
+              <a:solidFill>
+                <a:schemeClr val="tx1">
+                  <a:lumMod val="95000"/>
+                  <a:lumOff val="5000"/>
+                </a:schemeClr>
+              </a:solidFill>
+            </a:endParaRPr>
+          </a:p>
+          <a:p>
+            <a:pPr marL="171450" indent="-171450">
+              <a:buFont typeface="Arial" panose="020B0604020202020204" pitchFamily="34" charset="0"/>
+              <a:buChar char="•"/>
+            </a:pPr>
+            <a:r>
+              <a:rPr lang="ja-JP" altLang="en-US" sz="1200" dirty="0" smtClean="0">
+                <a:solidFill>
+                  <a:schemeClr val="tx1">
+                    <a:lumMod val="95000"/>
+                    <a:lumOff val="5000"/>
+                  </a:schemeClr>
+                </a:solidFill>
+              </a:rPr>
+              <a:t>各視点</a:t>
+            </a:r>
+            <a:r>
+              <a:rPr lang="ja-JP" altLang="en-US" sz="1200" dirty="0" smtClean="0">
+                <a:solidFill>
+                  <a:schemeClr val="tx1">
+                    <a:lumMod val="95000"/>
+                    <a:lumOff val="5000"/>
+                  </a:schemeClr>
+                </a:solidFill>
+              </a:rPr>
+              <a:t>から専門用語のページを</a:t>
+            </a:r>
+            <a:r>
+              <a:rPr lang="ja-JP" altLang="en-US" sz="1200" dirty="0" smtClean="0">
+                <a:solidFill>
+                  <a:schemeClr val="tx1">
+                    <a:lumMod val="95000"/>
+                    <a:lumOff val="5000"/>
+                  </a:schemeClr>
+                </a:solidFill>
+              </a:rPr>
+              <a:t>作る</a:t>
+            </a:r>
+            <a:endParaRPr lang="en-US" altLang="ja-JP" sz="1200" dirty="0" smtClean="0">
+              <a:solidFill>
+                <a:schemeClr val="tx1">
+                  <a:lumMod val="95000"/>
+                  <a:lumOff val="5000"/>
+                </a:schemeClr>
+              </a:solidFill>
+            </a:endParaRPr>
+          </a:p>
+          <a:p>
+            <a:pPr marL="171450" indent="-171450">
+              <a:buFont typeface="Arial" panose="020B0604020202020204" pitchFamily="34" charset="0"/>
+              <a:buChar char="•"/>
+            </a:pPr>
+            <a:r>
+              <a:rPr lang="ja-JP" altLang="en-US" sz="1200" dirty="0" smtClean="0">
+                <a:solidFill>
+                  <a:schemeClr val="tx1">
+                    <a:lumMod val="95000"/>
+                    <a:lumOff val="5000"/>
+                  </a:schemeClr>
+                </a:solidFill>
+              </a:rPr>
+              <a:t>作った</a:t>
+            </a:r>
+            <a:r>
+              <a:rPr lang="ja-JP" altLang="en-US" sz="1200" dirty="0" smtClean="0">
+                <a:solidFill>
+                  <a:schemeClr val="tx1">
+                    <a:lumMod val="95000"/>
+                    <a:lumOff val="5000"/>
+                  </a:schemeClr>
+                </a:solidFill>
+              </a:rPr>
+              <a:t>ページから用語間の関連情報を</a:t>
+            </a:r>
+            <a:r>
+              <a:rPr lang="ja-JP" altLang="en-US" sz="1200" dirty="0" smtClean="0">
+                <a:solidFill>
+                  <a:schemeClr val="tx1">
+                    <a:lumMod val="95000"/>
+                    <a:lumOff val="5000"/>
+                  </a:schemeClr>
+                </a:solidFill>
+              </a:rPr>
+              <a:t>抽出</a:t>
+            </a:r>
+            <a:endParaRPr lang="en-US" altLang="ja-JP" sz="1200" dirty="0" smtClean="0">
+              <a:solidFill>
+                <a:schemeClr val="tx1">
+                  <a:lumMod val="95000"/>
+                  <a:lumOff val="5000"/>
+                </a:schemeClr>
+              </a:solidFill>
+            </a:endParaRPr>
+          </a:p>
+          <a:p>
+            <a:pPr marL="171450" indent="-171450">
+              <a:buFont typeface="Arial" panose="020B0604020202020204" pitchFamily="34" charset="0"/>
+              <a:buChar char="•"/>
+            </a:pPr>
+            <a:r>
+              <a:rPr lang="ja-JP" altLang="en-US" sz="1200" dirty="0" smtClean="0">
+                <a:solidFill>
+                  <a:schemeClr val="tx1">
+                    <a:lumMod val="95000"/>
+                    <a:lumOff val="5000"/>
+                  </a:schemeClr>
+                </a:solidFill>
+              </a:rPr>
+              <a:t>抽出</a:t>
+            </a:r>
+            <a:r>
+              <a:rPr lang="ja-JP" altLang="en-US" sz="1200" dirty="0" smtClean="0">
+                <a:solidFill>
+                  <a:schemeClr val="tx1">
+                    <a:lumMod val="95000"/>
+                    <a:lumOff val="5000"/>
+                  </a:schemeClr>
+                </a:solidFill>
+              </a:rPr>
+              <a:t>した情報から用語の翻訳する．</a:t>
             </a:r>
             <a:endParaRPr lang="ja-JP" altLang="en-US" sz="1200" dirty="0">
               <a:solidFill>
@@ -4083,18 +4206,7 @@
                   </a:schemeClr>
                 </a:solidFill>
               </a:rPr>
-              <a:t>を使った説明では発注者は十分な理解を得られないかも</a:t>
-            </a:r>
-            <a:r>
-              <a:rPr lang="ja-JP" altLang="en-US" sz="1200" dirty="0" smtClean="0">
-                <a:solidFill>
-                  <a:schemeClr val="tx1">
-                    <a:lumMod val="95000"/>
-                    <a:lumOff val="5000"/>
-                  </a:schemeClr>
-                </a:solidFill>
-              </a:rPr>
-              <a:t>しれない．</a:t>
+              <a:t>を使った説明では発注者は十分な理解を得られないかもしれない．</a:t>
             </a:r>
             <a:endParaRPr lang="ja-JP" altLang="en-US" sz="1200" dirty="0">
               <a:solidFill>
@@ -4312,7 +4424,7 @@
         <p:spPr>
           <a:xfrm>
             <a:off x="335339" y="5926364"/>
-            <a:ext cx="1725509" cy="1587226"/>
+            <a:ext cx="1725509" cy="1669972"/>
           </a:xfrm>
           <a:prstGeom prst="roundRect">
             <a:avLst/>
@@ -4341,6 +4453,10 @@
           <a:bodyPr rtlCol="0" anchor="ctr"/>
           <a:lstStyle/>
           <a:p>
+            <a:pPr marL="171450" indent="-171450">
+              <a:buFont typeface="Arial" panose="020B0604020202020204" pitchFamily="34" charset="0"/>
+              <a:buChar char="•"/>
+            </a:pPr>
             <a:r>
               <a:rPr lang="en-US" altLang="ja-JP" sz="1200" dirty="0" err="1" smtClean="0">
                 <a:solidFill>
@@ -4361,10 +4477,10 @@
                   </a:schemeClr>
                 </a:solidFill>
               </a:rPr>
-              <a:t>をインストールし，ページを作り，見出しを書いて，</a:t>
-            </a:r>
-            <a:r>
-              <a:rPr lang="en-US" altLang="ja-JP" sz="1200" dirty="0" err="1" smtClean="0">
+              <a:t>を</a:t>
+            </a:r>
+            <a:r>
+              <a:rPr lang="ja-JP" altLang="en-US" sz="1200" dirty="0" smtClean="0">
                 <a:solidFill>
                   <a:schemeClr val="tx1">
                     <a:lumMod val="95000"/>
@@ -4372,8 +4488,22 @@
                   </a:schemeClr>
                 </a:solidFill>
               </a:rPr>
-              <a:t>MediaWiki</a:t>
-            </a:r>
+              <a:t>インストール</a:t>
+            </a:r>
+            <a:endParaRPr lang="en-US" altLang="ja-JP" sz="1200" dirty="0" smtClean="0">
+              <a:solidFill>
+                <a:schemeClr val="tx1">
+                  <a:lumMod val="95000"/>
+                  <a:lumOff val="5000"/>
+                </a:schemeClr>
+              </a:solidFill>
+            </a:endParaRPr>
+          </a:p>
+          <a:p>
+            <a:pPr marL="171450" indent="-171450">
+              <a:buFont typeface="Arial" panose="020B0604020202020204" pitchFamily="34" charset="0"/>
+              <a:buChar char="•"/>
+            </a:pPr>
             <a:r>
               <a:rPr lang="ja-JP" altLang="en-US" sz="1200" dirty="0" smtClean="0">
                 <a:solidFill>
@@ -4383,10 +4513,10 @@
                   </a:schemeClr>
                 </a:solidFill>
               </a:rPr>
-              <a:t>のデータを</a:t>
-            </a:r>
-            <a:r>
-              <a:rPr lang="en-US" altLang="ja-JP" sz="1200" dirty="0" smtClean="0">
+              <a:t>ページ</a:t>
+            </a:r>
+            <a:r>
+              <a:rPr lang="ja-JP" altLang="en-US" sz="1200" dirty="0" smtClean="0">
                 <a:solidFill>
                   <a:schemeClr val="tx1">
                     <a:lumMod val="95000"/>
@@ -4394,7 +4524,7 @@
                   </a:schemeClr>
                 </a:solidFill>
               </a:rPr>
-              <a:t>XML</a:t>
+              <a:t>を作り，</a:t>
             </a:r>
             <a:r>
               <a:rPr lang="ja-JP" altLang="en-US" sz="1200" dirty="0" smtClean="0">
@@ -4405,7 +4535,7 @@
                   </a:schemeClr>
                 </a:solidFill>
               </a:rPr>
-              <a:t>にダンプし上位下位関係抽出ツールで解析し抽出</a:t>
+              <a:t>見出し</a:t>
             </a:r>
             <a:r>
               <a:rPr lang="ja-JP" altLang="en-US" sz="1200" dirty="0" smtClean="0">
@@ -4416,7 +4546,112 @@
                   </a:schemeClr>
                 </a:solidFill>
               </a:rPr>
-              <a:t>した．</a:t>
+              <a:t>の記入</a:t>
+            </a:r>
+            <a:endParaRPr lang="en-US" altLang="ja-JP" sz="1200" dirty="0" smtClean="0">
+              <a:solidFill>
+                <a:schemeClr val="tx1">
+                  <a:lumMod val="95000"/>
+                  <a:lumOff val="5000"/>
+                </a:schemeClr>
+              </a:solidFill>
+            </a:endParaRPr>
+          </a:p>
+          <a:p>
+            <a:pPr marL="171450" indent="-171450">
+              <a:buFont typeface="Arial" panose="020B0604020202020204" pitchFamily="34" charset="0"/>
+              <a:buChar char="•"/>
+            </a:pPr>
+            <a:r>
+              <a:rPr lang="en-US" altLang="ja-JP" sz="1200" dirty="0" err="1" smtClean="0">
+                <a:solidFill>
+                  <a:schemeClr val="tx1">
+                    <a:lumMod val="95000"/>
+                    <a:lumOff val="5000"/>
+                  </a:schemeClr>
+                </a:solidFill>
+              </a:rPr>
+              <a:t>MediaWiki</a:t>
+            </a:r>
+            <a:r>
+              <a:rPr lang="ja-JP" altLang="en-US" sz="1200" dirty="0" smtClean="0">
+                <a:solidFill>
+                  <a:schemeClr val="tx1">
+                    <a:lumMod val="95000"/>
+                    <a:lumOff val="5000"/>
+                  </a:schemeClr>
+                </a:solidFill>
+              </a:rPr>
+              <a:t>のデータを</a:t>
+            </a:r>
+            <a:r>
+              <a:rPr lang="en-US" altLang="ja-JP" sz="1200" dirty="0" smtClean="0">
+                <a:solidFill>
+                  <a:schemeClr val="tx1">
+                    <a:lumMod val="95000"/>
+                    <a:lumOff val="5000"/>
+                  </a:schemeClr>
+                </a:solidFill>
+              </a:rPr>
+              <a:t>XML</a:t>
+            </a:r>
+            <a:r>
+              <a:rPr lang="ja-JP" altLang="en-US" sz="1200" dirty="0" smtClean="0">
+                <a:solidFill>
+                  <a:schemeClr val="tx1">
+                    <a:lumMod val="95000"/>
+                    <a:lumOff val="5000"/>
+                  </a:schemeClr>
+                </a:solidFill>
+              </a:rPr>
+              <a:t>にダンプ</a:t>
+            </a:r>
+            <a:endParaRPr lang="en-US" altLang="ja-JP" sz="1200" dirty="0" smtClean="0">
+              <a:solidFill>
+                <a:schemeClr val="tx1">
+                  <a:lumMod val="95000"/>
+                  <a:lumOff val="5000"/>
+                </a:schemeClr>
+              </a:solidFill>
+            </a:endParaRPr>
+          </a:p>
+          <a:p>
+            <a:pPr marL="171450" indent="-171450">
+              <a:buFont typeface="Arial" panose="020B0604020202020204" pitchFamily="34" charset="0"/>
+              <a:buChar char="•"/>
+            </a:pPr>
+            <a:r>
+              <a:rPr lang="ja-JP" altLang="en-US" sz="1200" dirty="0" smtClean="0">
+                <a:solidFill>
+                  <a:schemeClr val="tx1">
+                    <a:lumMod val="95000"/>
+                    <a:lumOff val="5000"/>
+                  </a:schemeClr>
+                </a:solidFill>
+              </a:rPr>
+              <a:t>上位</a:t>
+            </a:r>
+            <a:r>
+              <a:rPr lang="ja-JP" altLang="en-US" sz="1200" dirty="0" smtClean="0">
+                <a:solidFill>
+                  <a:schemeClr val="tx1">
+                    <a:lumMod val="95000"/>
+                    <a:lumOff val="5000"/>
+                  </a:schemeClr>
+                </a:solidFill>
+              </a:rPr>
+              <a:t>下位関係抽出ツールで解析し</a:t>
+            </a:r>
+            <a:r>
+              <a:rPr lang="ja-JP" altLang="en-US" sz="1200" dirty="0" smtClean="0">
+                <a:solidFill>
+                  <a:schemeClr val="tx1">
+                    <a:lumMod val="95000"/>
+                    <a:lumOff val="5000"/>
+                  </a:schemeClr>
+                </a:solidFill>
+              </a:rPr>
+              <a:t>抽出</a:t>
             </a:r>
             <a:endParaRPr lang="ja-JP" altLang="en-US" sz="1200" dirty="0">
               <a:solidFill>
@@ -4454,15 +4689,7 @@
             <a:pPr algn="ctr"/>
             <a:r>
               <a:rPr kumimoji="1" lang="ja-JP" altLang="en-US" sz="1200" dirty="0" smtClean="0"/>
-              <a:t>↑「グランブルーファンタジー」の</a:t>
-            </a:r>
-            <a:r>
-              <a:rPr kumimoji="1" lang="ja-JP" altLang="en-US" sz="1200" dirty="0" smtClean="0"/>
-              <a:t>ページの</a:t>
-            </a:r>
-            <a:r>
-              <a:rPr kumimoji="1" lang="ja-JP" altLang="en-US" sz="1200" dirty="0" smtClean="0"/>
-              <a:t>「登場キャラクター」の解析結果</a:t>
+              <a:t>↑「グランブルーファンタジー」のページの「登場キャラクター」の解析結果</a:t>
             </a:r>
             <a:endParaRPr kumimoji="1" lang="ja-JP" altLang="en-US" sz="1200" dirty="0"/>
           </a:p>
@@ -4493,15 +4720,7 @@
             <a:pPr algn="ctr"/>
             <a:r>
               <a:rPr kumimoji="1" lang="ja-JP" altLang="en-US" sz="1200" dirty="0" smtClean="0"/>
-              <a:t>↑「グランブルーファンタジー」の</a:t>
-            </a:r>
-            <a:r>
-              <a:rPr kumimoji="1" lang="ja-JP" altLang="en-US" sz="1200" dirty="0" smtClean="0"/>
-              <a:t>ページの</a:t>
-            </a:r>
-            <a:r>
-              <a:rPr kumimoji="1" lang="ja-JP" altLang="en-US" sz="1200" dirty="0" smtClean="0"/>
-              <a:t>「メインキャラクター」の解析結果</a:t>
+              <a:t>↑「グランブルーファンタジー」のページの「メインキャラクター」の解析結果</a:t>
             </a:r>
             <a:endParaRPr kumimoji="1" lang="ja-JP" altLang="en-US" sz="1200" dirty="0"/>
           </a:p>
@@ -4529,7 +4748,7 @@
           <a:graphicData uri="http://schemas.openxmlformats.org/presentationml/2006/ole">
             <mc:AlternateContent xmlns:mc="http://schemas.openxmlformats.org/markup-compatibility/2006">
               <mc:Choice xmlns:v="urn:schemas-microsoft-com:vml" Requires="v">
-                <p:oleObj spid="_x0000_s1060" name="ワークシート" r:id="rId3" imgW="3133549" imgH="1552646" progId="Excel.Sheet.12">
+                <p:oleObj spid="_x0000_s1064" name="ワークシート" r:id="rId3" imgW="3133549" imgH="1552646" progId="Excel.Sheet.12">
                   <p:embed/>
                 </p:oleObj>
               </mc:Choice>
@@ -4586,7 +4805,7 @@
           <a:graphicData uri="http://schemas.openxmlformats.org/presentationml/2006/ole">
             <mc:AlternateContent xmlns:mc="http://schemas.openxmlformats.org/markup-compatibility/2006">
               <mc:Choice xmlns:v="urn:schemas-microsoft-com:vml" Requires="v">
-                <p:oleObj spid="_x0000_s1061" name="ワークシート" r:id="rId5" imgW="3305287" imgH="1381068" progId="Excel.Sheet.12">
+                <p:oleObj spid="_x0000_s1065" name="ワークシート" r:id="rId5" imgW="3305287" imgH="1381068" progId="Excel.Sheet.12">
                   <p:embed/>
                 </p:oleObj>
               </mc:Choice>
@@ -4673,15 +4892,7 @@
                   <a:srgbClr val="FF0000"/>
                 </a:solidFill>
               </a:rPr>
-              <a:t>システムを</a:t>
-            </a:r>
-            <a:r>
-              <a:rPr lang="ja-JP" altLang="en-US" dirty="0" smtClean="0">
-                <a:solidFill>
-                  <a:srgbClr val="FF0000"/>
-                </a:solidFill>
-              </a:rPr>
-              <a:t>作る．</a:t>
+              <a:t>システムを作る．</a:t>
             </a:r>
             <a:endParaRPr lang="ja-JP" altLang="en-US" dirty="0">
               <a:solidFill>

--- a/課題研究/2015/下村渉/1342069下村渉　ポスター.pptx
+++ b/課題研究/2015/下村渉/1342069下村渉　ポスター.pptx
@@ -304,7 +304,7 @@
           <a:p>
             <a:fld id="{A157BA37-E345-4782-84BA-8FCF7DC02401}" type="datetimeFigureOut">
               <a:rPr kumimoji="1" lang="ja-JP" altLang="en-US" smtClean="0"/>
-              <a:t>2016/1/8</a:t>
+              <a:t>2015/12/18</a:t>
             </a:fld>
             <a:endParaRPr kumimoji="1" lang="ja-JP" altLang="en-US"/>
           </a:p>
@@ -506,7 +506,7 @@
           <a:p>
             <a:fld id="{A157BA37-E345-4782-84BA-8FCF7DC02401}" type="datetimeFigureOut">
               <a:rPr kumimoji="1" lang="ja-JP" altLang="en-US" smtClean="0"/>
-              <a:t>2016/1/8</a:t>
+              <a:t>2015/12/18</a:t>
             </a:fld>
             <a:endParaRPr kumimoji="1" lang="ja-JP" altLang="en-US"/>
           </a:p>
@@ -718,7 +718,7 @@
           <a:p>
             <a:fld id="{A157BA37-E345-4782-84BA-8FCF7DC02401}" type="datetimeFigureOut">
               <a:rPr kumimoji="1" lang="ja-JP" altLang="en-US" smtClean="0"/>
-              <a:t>2016/1/8</a:t>
+              <a:t>2015/12/18</a:t>
             </a:fld>
             <a:endParaRPr kumimoji="1" lang="ja-JP" altLang="en-US"/>
           </a:p>
@@ -920,7 +920,7 @@
           <a:p>
             <a:fld id="{A157BA37-E345-4782-84BA-8FCF7DC02401}" type="datetimeFigureOut">
               <a:rPr kumimoji="1" lang="ja-JP" altLang="en-US" smtClean="0"/>
-              <a:t>2016/1/8</a:t>
+              <a:t>2015/12/18</a:t>
             </a:fld>
             <a:endParaRPr kumimoji="1" lang="ja-JP" altLang="en-US"/>
           </a:p>
@@ -1166,7 +1166,7 @@
           <a:p>
             <a:fld id="{A157BA37-E345-4782-84BA-8FCF7DC02401}" type="datetimeFigureOut">
               <a:rPr kumimoji="1" lang="ja-JP" altLang="en-US" smtClean="0"/>
-              <a:t>2016/1/8</a:t>
+              <a:t>2015/12/18</a:t>
             </a:fld>
             <a:endParaRPr kumimoji="1" lang="ja-JP" altLang="en-US"/>
           </a:p>
@@ -1518,7 +1518,7 @@
           <a:p>
             <a:fld id="{A157BA37-E345-4782-84BA-8FCF7DC02401}" type="datetimeFigureOut">
               <a:rPr kumimoji="1" lang="ja-JP" altLang="en-US" smtClean="0"/>
-              <a:t>2016/1/8</a:t>
+              <a:t>2015/12/18</a:t>
             </a:fld>
             <a:endParaRPr kumimoji="1" lang="ja-JP" altLang="en-US"/>
           </a:p>
@@ -2009,7 +2009,7 @@
           <a:p>
             <a:fld id="{A157BA37-E345-4782-84BA-8FCF7DC02401}" type="datetimeFigureOut">
               <a:rPr kumimoji="1" lang="ja-JP" altLang="en-US" smtClean="0"/>
-              <a:t>2016/1/8</a:t>
+              <a:t>2015/12/18</a:t>
             </a:fld>
             <a:endParaRPr kumimoji="1" lang="ja-JP" altLang="en-US"/>
           </a:p>
@@ -2127,7 +2127,7 @@
           <a:p>
             <a:fld id="{A157BA37-E345-4782-84BA-8FCF7DC02401}" type="datetimeFigureOut">
               <a:rPr kumimoji="1" lang="ja-JP" altLang="en-US" smtClean="0"/>
-              <a:t>2016/1/8</a:t>
+              <a:t>2015/12/18</a:t>
             </a:fld>
             <a:endParaRPr kumimoji="1" lang="ja-JP" altLang="en-US"/>
           </a:p>
@@ -2222,7 +2222,7 @@
           <a:p>
             <a:fld id="{A157BA37-E345-4782-84BA-8FCF7DC02401}" type="datetimeFigureOut">
               <a:rPr kumimoji="1" lang="ja-JP" altLang="en-US" smtClean="0"/>
-              <a:t>2016/1/8</a:t>
+              <a:t>2015/12/18</a:t>
             </a:fld>
             <a:endParaRPr kumimoji="1" lang="ja-JP" altLang="en-US"/>
           </a:p>
@@ -2531,7 +2531,7 @@
           <a:p>
             <a:fld id="{A157BA37-E345-4782-84BA-8FCF7DC02401}" type="datetimeFigureOut">
               <a:rPr kumimoji="1" lang="ja-JP" altLang="en-US" smtClean="0"/>
-              <a:t>2016/1/8</a:t>
+              <a:t>2015/12/18</a:t>
             </a:fld>
             <a:endParaRPr kumimoji="1" lang="ja-JP" altLang="en-US"/>
           </a:p>
@@ -2784,7 +2784,7 @@
           <a:p>
             <a:fld id="{A157BA37-E345-4782-84BA-8FCF7DC02401}" type="datetimeFigureOut">
               <a:rPr kumimoji="1" lang="ja-JP" altLang="en-US" smtClean="0"/>
-              <a:t>2016/1/8</a:t>
+              <a:t>2015/12/18</a:t>
             </a:fld>
             <a:endParaRPr kumimoji="1" lang="ja-JP" altLang="en-US"/>
           </a:p>
@@ -3029,7 +3029,7 @@
           <a:p>
             <a:fld id="{A157BA37-E345-4782-84BA-8FCF7DC02401}" type="datetimeFigureOut">
               <a:rPr kumimoji="1" lang="ja-JP" altLang="en-US" smtClean="0"/>
-              <a:t>2016/1/8</a:t>
+              <a:t>2015/12/18</a:t>
             </a:fld>
             <a:endParaRPr kumimoji="1" lang="ja-JP" altLang="en-US"/>
           </a:p>
@@ -3413,7 +3413,7 @@
         <p:spPr>
           <a:xfrm>
             <a:off x="217520" y="5712191"/>
-            <a:ext cx="6516140" cy="2028161"/>
+            <a:ext cx="6516140" cy="1956153"/>
           </a:xfrm>
           <a:prstGeom prst="roundRect">
             <a:avLst/>
@@ -3537,7 +3537,18 @@
                   </a:schemeClr>
                 </a:solidFill>
               </a:rPr>
-              <a:t>今後の計画は専門用語を検索したときに適切な用語に転換できるよう検索システムの開発を予定している．</a:t>
+              <a:t>今後の計画は専門用語を検索したときに適切な用語に転換できるよう検索システムの開発を予定して</a:t>
+            </a:r>
+            <a:r>
+              <a:rPr lang="ja-JP" altLang="en-US" sz="1200" dirty="0" smtClean="0">
+                <a:solidFill>
+                  <a:schemeClr val="tx1">
+                    <a:lumMod val="95000"/>
+                    <a:lumOff val="5000"/>
+                  </a:schemeClr>
+                </a:solidFill>
+              </a:rPr>
+              <a:t>いる．</a:t>
             </a:r>
             <a:endParaRPr lang="ja-JP" altLang="en-US" sz="1200" dirty="0">
               <a:solidFill>
@@ -3588,10 +3599,6 @@
           <a:bodyPr rtlCol="0" anchor="ctr"/>
           <a:lstStyle/>
           <a:p>
-            <a:pPr marL="171450" indent="-171450">
-              <a:buFont typeface="Arial" panose="020B0604020202020204" pitchFamily="34" charset="0"/>
-              <a:buChar char="•"/>
-            </a:pPr>
             <a:r>
               <a:rPr lang="en-US" altLang="ja-JP" sz="1200" dirty="0" err="1" smtClean="0">
                 <a:solidFill>
@@ -3612,7 +3619,7 @@
                   </a:schemeClr>
                 </a:solidFill>
               </a:rPr>
-              <a:t>のサーバーを</a:t>
+              <a:t>のサーバーを立ち上げ，各視点から専門用語のページを作り，作ったページから用語間の関連情報を抽出し，抽出した情報から用語の翻訳</a:t>
             </a:r>
             <a:r>
               <a:rPr lang="ja-JP" altLang="en-US" sz="1200" dirty="0" smtClean="0">
@@ -3623,137 +3630,7 @@
                   </a:schemeClr>
                 </a:solidFill>
               </a:rPr>
-              <a:t>立ち上げる</a:t>
-            </a:r>
-            <a:endParaRPr lang="en-US" altLang="ja-JP" sz="1200" dirty="0" smtClean="0">
-              <a:solidFill>
-                <a:schemeClr val="tx1">
-                  <a:lumMod val="95000"/>
-                  <a:lumOff val="5000"/>
-                </a:schemeClr>
-              </a:solidFill>
-            </a:endParaRPr>
-          </a:p>
-          <a:p>
-            <a:pPr marL="171450" indent="-171450">
-              <a:buFont typeface="Arial" panose="020B0604020202020204" pitchFamily="34" charset="0"/>
-              <a:buChar char="•"/>
-            </a:pPr>
-            <a:r>
-              <a:rPr lang="ja-JP" altLang="en-US" sz="1200" dirty="0" smtClean="0">
-                <a:solidFill>
-                  <a:schemeClr val="tx1">
-                    <a:lumMod val="95000"/>
-                    <a:lumOff val="5000"/>
-                  </a:schemeClr>
-                </a:solidFill>
-              </a:rPr>
-              <a:t>各視点</a:t>
-            </a:r>
-            <a:r>
-              <a:rPr lang="ja-JP" altLang="en-US" sz="1200" dirty="0" smtClean="0">
-                <a:solidFill>
-                  <a:schemeClr val="tx1">
-                    <a:lumMod val="95000"/>
-                    <a:lumOff val="5000"/>
-                  </a:schemeClr>
-                </a:solidFill>
-              </a:rPr>
-              <a:t>から専門用語のページを</a:t>
-            </a:r>
-            <a:r>
-              <a:rPr lang="ja-JP" altLang="en-US" sz="1200" dirty="0" smtClean="0">
-                <a:solidFill>
-                  <a:schemeClr val="tx1">
-                    <a:lumMod val="95000"/>
-                    <a:lumOff val="5000"/>
-                  </a:schemeClr>
-                </a:solidFill>
-              </a:rPr>
-              <a:t>作る</a:t>
-            </a:r>
-            <a:endParaRPr lang="en-US" altLang="ja-JP" sz="1200" dirty="0" smtClean="0">
-              <a:solidFill>
-                <a:schemeClr val="tx1">
-                  <a:lumMod val="95000"/>
-                  <a:lumOff val="5000"/>
-                </a:schemeClr>
-              </a:solidFill>
-            </a:endParaRPr>
-          </a:p>
-          <a:p>
-            <a:pPr marL="171450" indent="-171450">
-              <a:buFont typeface="Arial" panose="020B0604020202020204" pitchFamily="34" charset="0"/>
-              <a:buChar char="•"/>
-            </a:pPr>
-            <a:r>
-              <a:rPr lang="ja-JP" altLang="en-US" sz="1200" dirty="0" smtClean="0">
-                <a:solidFill>
-                  <a:schemeClr val="tx1">
-                    <a:lumMod val="95000"/>
-                    <a:lumOff val="5000"/>
-                  </a:schemeClr>
-                </a:solidFill>
-              </a:rPr>
-              <a:t>作った</a:t>
-            </a:r>
-            <a:r>
-              <a:rPr lang="ja-JP" altLang="en-US" sz="1200" dirty="0" smtClean="0">
-                <a:solidFill>
-                  <a:schemeClr val="tx1">
-                    <a:lumMod val="95000"/>
-                    <a:lumOff val="5000"/>
-                  </a:schemeClr>
-                </a:solidFill>
-              </a:rPr>
-              <a:t>ページから用語間の関連情報を</a:t>
-            </a:r>
-            <a:r>
-              <a:rPr lang="ja-JP" altLang="en-US" sz="1200" dirty="0" smtClean="0">
-                <a:solidFill>
-                  <a:schemeClr val="tx1">
-                    <a:lumMod val="95000"/>
-                    <a:lumOff val="5000"/>
-                  </a:schemeClr>
-                </a:solidFill>
-              </a:rPr>
-              <a:t>抽出</a:t>
-            </a:r>
-            <a:endParaRPr lang="en-US" altLang="ja-JP" sz="1200" dirty="0" smtClean="0">
-              <a:solidFill>
-                <a:schemeClr val="tx1">
-                  <a:lumMod val="95000"/>
-                  <a:lumOff val="5000"/>
-                </a:schemeClr>
-              </a:solidFill>
-            </a:endParaRPr>
-          </a:p>
-          <a:p>
-            <a:pPr marL="171450" indent="-171450">
-              <a:buFont typeface="Arial" panose="020B0604020202020204" pitchFamily="34" charset="0"/>
-              <a:buChar char="•"/>
-            </a:pPr>
-            <a:r>
-              <a:rPr lang="ja-JP" altLang="en-US" sz="1200" dirty="0" smtClean="0">
-                <a:solidFill>
-                  <a:schemeClr val="tx1">
-                    <a:lumMod val="95000"/>
-                    <a:lumOff val="5000"/>
-                  </a:schemeClr>
-                </a:solidFill>
-              </a:rPr>
-              <a:t>抽出</a:t>
-            </a:r>
-            <a:r>
-              <a:rPr lang="ja-JP" altLang="en-US" sz="1200" dirty="0" smtClean="0">
-                <a:solidFill>
-                  <a:schemeClr val="tx1">
-                    <a:lumMod val="95000"/>
-                    <a:lumOff val="5000"/>
-                  </a:schemeClr>
-                </a:solidFill>
-              </a:rPr>
-              <a:t>した情報から用語の翻訳する．</a:t>
+              <a:t>する．</a:t>
             </a:r>
             <a:endParaRPr lang="ja-JP" altLang="en-US" sz="1200" dirty="0">
               <a:solidFill>
@@ -4206,7 +4083,18 @@
                   </a:schemeClr>
                 </a:solidFill>
               </a:rPr>
-              <a:t>を使った説明では発注者は十分な理解を得られないかもしれない．</a:t>
+              <a:t>を使った説明では発注者は十分な理解を得られないかも</a:t>
+            </a:r>
+            <a:r>
+              <a:rPr lang="ja-JP" altLang="en-US" sz="1200" dirty="0" smtClean="0">
+                <a:solidFill>
+                  <a:schemeClr val="tx1">
+                    <a:lumMod val="95000"/>
+                    <a:lumOff val="5000"/>
+                  </a:schemeClr>
+                </a:solidFill>
+              </a:rPr>
+              <a:t>しれない．</a:t>
             </a:r>
             <a:endParaRPr lang="ja-JP" altLang="en-US" sz="1200" dirty="0">
               <a:solidFill>
@@ -4424,7 +4312,7 @@
         <p:spPr>
           <a:xfrm>
             <a:off x="335339" y="5926364"/>
-            <a:ext cx="1725509" cy="1669972"/>
+            <a:ext cx="1725509" cy="1587226"/>
           </a:xfrm>
           <a:prstGeom prst="roundRect">
             <a:avLst/>
@@ -4453,10 +4341,6 @@
           <a:bodyPr rtlCol="0" anchor="ctr"/>
           <a:lstStyle/>
           <a:p>
-            <a:pPr marL="171450" indent="-171450">
-              <a:buFont typeface="Arial" panose="020B0604020202020204" pitchFamily="34" charset="0"/>
-              <a:buChar char="•"/>
-            </a:pPr>
             <a:r>
               <a:rPr lang="en-US" altLang="ja-JP" sz="1200" dirty="0" err="1" smtClean="0">
                 <a:solidFill>
@@ -4477,10 +4361,10 @@
                   </a:schemeClr>
                 </a:solidFill>
               </a:rPr>
-              <a:t>を</a:t>
-            </a:r>
-            <a:r>
-              <a:rPr lang="ja-JP" altLang="en-US" sz="1200" dirty="0" smtClean="0">
+              <a:t>をインストールし，ページを作り，見出しを書いて，</a:t>
+            </a:r>
+            <a:r>
+              <a:rPr lang="en-US" altLang="ja-JP" sz="1200" dirty="0" err="1" smtClean="0">
                 <a:solidFill>
                   <a:schemeClr val="tx1">
                     <a:lumMod val="95000"/>
@@ -4488,22 +4372,8 @@
                   </a:schemeClr>
                 </a:solidFill>
               </a:rPr>
-              <a:t>インストール</a:t>
-            </a:r>
-            <a:endParaRPr lang="en-US" altLang="ja-JP" sz="1200" dirty="0" smtClean="0">
-              <a:solidFill>
-                <a:schemeClr val="tx1">
-                  <a:lumMod val="95000"/>
-                  <a:lumOff val="5000"/>
-                </a:schemeClr>
-              </a:solidFill>
-            </a:endParaRPr>
-          </a:p>
-          <a:p>
-            <a:pPr marL="171450" indent="-171450">
-              <a:buFont typeface="Arial" panose="020B0604020202020204" pitchFamily="34" charset="0"/>
-              <a:buChar char="•"/>
-            </a:pPr>
+              <a:t>MediaWiki</a:t>
+            </a:r>
             <a:r>
               <a:rPr lang="ja-JP" altLang="en-US" sz="1200" dirty="0" smtClean="0">
                 <a:solidFill>
@@ -4513,10 +4383,10 @@
                   </a:schemeClr>
                 </a:solidFill>
               </a:rPr>
-              <a:t>ページ</a:t>
-            </a:r>
-            <a:r>
-              <a:rPr lang="ja-JP" altLang="en-US" sz="1200" dirty="0" smtClean="0">
+              <a:t>のデータを</a:t>
+            </a:r>
+            <a:r>
+              <a:rPr lang="en-US" altLang="ja-JP" sz="1200" dirty="0" smtClean="0">
                 <a:solidFill>
                   <a:schemeClr val="tx1">
                     <a:lumMod val="95000"/>
@@ -4524,7 +4394,7 @@
                   </a:schemeClr>
                 </a:solidFill>
               </a:rPr>
-              <a:t>を作り，</a:t>
+              <a:t>XML</a:t>
             </a:r>
             <a:r>
               <a:rPr lang="ja-JP" altLang="en-US" sz="1200" dirty="0" smtClean="0">
@@ -4535,7 +4405,7 @@
                   </a:schemeClr>
                 </a:solidFill>
               </a:rPr>
-              <a:t>見出し</a:t>
+              <a:t>にダンプし上位下位関係抽出ツールで解析し抽出</a:t>
             </a:r>
             <a:r>
               <a:rPr lang="ja-JP" altLang="en-US" sz="1200" dirty="0" smtClean="0">
@@ -4546,112 +4416,7 @@
                   </a:schemeClr>
                 </a:solidFill>
               </a:rPr>
-              <a:t>の記入</a:t>
-            </a:r>
-            <a:endParaRPr lang="en-US" altLang="ja-JP" sz="1200" dirty="0" smtClean="0">
-              <a:solidFill>
-                <a:schemeClr val="tx1">
-                  <a:lumMod val="95000"/>
-                  <a:lumOff val="5000"/>
-                </a:schemeClr>
-              </a:solidFill>
-            </a:endParaRPr>
-          </a:p>
-          <a:p>
-            <a:pPr marL="171450" indent="-171450">
-              <a:buFont typeface="Arial" panose="020B0604020202020204" pitchFamily="34" charset="0"/>
-              <a:buChar char="•"/>
-            </a:pPr>
-            <a:r>
-              <a:rPr lang="en-US" altLang="ja-JP" sz="1200" dirty="0" err="1" smtClean="0">
-                <a:solidFill>
-                  <a:schemeClr val="tx1">
-                    <a:lumMod val="95000"/>
-                    <a:lumOff val="5000"/>
-                  </a:schemeClr>
-                </a:solidFill>
-              </a:rPr>
-              <a:t>MediaWiki</a:t>
-            </a:r>
-            <a:r>
-              <a:rPr lang="ja-JP" altLang="en-US" sz="1200" dirty="0" smtClean="0">
-                <a:solidFill>
-                  <a:schemeClr val="tx1">
-                    <a:lumMod val="95000"/>
-                    <a:lumOff val="5000"/>
-                  </a:schemeClr>
-                </a:solidFill>
-              </a:rPr>
-              <a:t>のデータを</a:t>
-            </a:r>
-            <a:r>
-              <a:rPr lang="en-US" altLang="ja-JP" sz="1200" dirty="0" smtClean="0">
-                <a:solidFill>
-                  <a:schemeClr val="tx1">
-                    <a:lumMod val="95000"/>
-                    <a:lumOff val="5000"/>
-                  </a:schemeClr>
-                </a:solidFill>
-              </a:rPr>
-              <a:t>XML</a:t>
-            </a:r>
-            <a:r>
-              <a:rPr lang="ja-JP" altLang="en-US" sz="1200" dirty="0" smtClean="0">
-                <a:solidFill>
-                  <a:schemeClr val="tx1">
-                    <a:lumMod val="95000"/>
-                    <a:lumOff val="5000"/>
-                  </a:schemeClr>
-                </a:solidFill>
-              </a:rPr>
-              <a:t>にダンプ</a:t>
-            </a:r>
-            <a:endParaRPr lang="en-US" altLang="ja-JP" sz="1200" dirty="0" smtClean="0">
-              <a:solidFill>
-                <a:schemeClr val="tx1">
-                  <a:lumMod val="95000"/>
-                  <a:lumOff val="5000"/>
-                </a:schemeClr>
-              </a:solidFill>
-            </a:endParaRPr>
-          </a:p>
-          <a:p>
-            <a:pPr marL="171450" indent="-171450">
-              <a:buFont typeface="Arial" panose="020B0604020202020204" pitchFamily="34" charset="0"/>
-              <a:buChar char="•"/>
-            </a:pPr>
-            <a:r>
-              <a:rPr lang="ja-JP" altLang="en-US" sz="1200" dirty="0" smtClean="0">
-                <a:solidFill>
-                  <a:schemeClr val="tx1">
-                    <a:lumMod val="95000"/>
-                    <a:lumOff val="5000"/>
-                  </a:schemeClr>
-                </a:solidFill>
-              </a:rPr>
-              <a:t>上位</a:t>
-            </a:r>
-            <a:r>
-              <a:rPr lang="ja-JP" altLang="en-US" sz="1200" dirty="0" smtClean="0">
-                <a:solidFill>
-                  <a:schemeClr val="tx1">
-                    <a:lumMod val="95000"/>
-                    <a:lumOff val="5000"/>
-                  </a:schemeClr>
-                </a:solidFill>
-              </a:rPr>
-              <a:t>下位関係抽出ツールで解析し</a:t>
-            </a:r>
-            <a:r>
-              <a:rPr lang="ja-JP" altLang="en-US" sz="1200" dirty="0" smtClean="0">
-                <a:solidFill>
-                  <a:schemeClr val="tx1">
-                    <a:lumMod val="95000"/>
-                    <a:lumOff val="5000"/>
-                  </a:schemeClr>
-                </a:solidFill>
-              </a:rPr>
-              <a:t>抽出</a:t>
+              <a:t>した．</a:t>
             </a:r>
             <a:endParaRPr lang="ja-JP" altLang="en-US" sz="1200" dirty="0">
               <a:solidFill>
@@ -4689,7 +4454,15 @@
             <a:pPr algn="ctr"/>
             <a:r>
               <a:rPr kumimoji="1" lang="ja-JP" altLang="en-US" sz="1200" dirty="0" smtClean="0"/>
-              <a:t>↑「グランブルーファンタジー」のページの「登場キャラクター」の解析結果</a:t>
+              <a:t>↑「グランブルーファンタジー」の</a:t>
+            </a:r>
+            <a:r>
+              <a:rPr kumimoji="1" lang="ja-JP" altLang="en-US" sz="1200" dirty="0" smtClean="0"/>
+              <a:t>ページの</a:t>
+            </a:r>
+            <a:r>
+              <a:rPr kumimoji="1" lang="ja-JP" altLang="en-US" sz="1200" dirty="0" smtClean="0"/>
+              <a:t>「登場キャラクター」の解析結果</a:t>
             </a:r>
             <a:endParaRPr kumimoji="1" lang="ja-JP" altLang="en-US" sz="1200" dirty="0"/>
           </a:p>
@@ -4720,7 +4493,15 @@
             <a:pPr algn="ctr"/>
             <a:r>
               <a:rPr kumimoji="1" lang="ja-JP" altLang="en-US" sz="1200" dirty="0" smtClean="0"/>
-              <a:t>↑「グランブルーファンタジー」のページの「メインキャラクター」の解析結果</a:t>
+              <a:t>↑「グランブルーファンタジー」の</a:t>
+            </a:r>
+            <a:r>
+              <a:rPr kumimoji="1" lang="ja-JP" altLang="en-US" sz="1200" dirty="0" smtClean="0"/>
+              <a:t>ページの</a:t>
+            </a:r>
+            <a:r>
+              <a:rPr kumimoji="1" lang="ja-JP" altLang="en-US" sz="1200" dirty="0" smtClean="0"/>
+              <a:t>「メインキャラクター」の解析結果</a:t>
             </a:r>
             <a:endParaRPr kumimoji="1" lang="ja-JP" altLang="en-US" sz="1200" dirty="0"/>
           </a:p>
@@ -4748,7 +4529,7 @@
           <a:graphicData uri="http://schemas.openxmlformats.org/presentationml/2006/ole">
             <mc:AlternateContent xmlns:mc="http://schemas.openxmlformats.org/markup-compatibility/2006">
               <mc:Choice xmlns:v="urn:schemas-microsoft-com:vml" Requires="v">
-                <p:oleObj spid="_x0000_s1064" name="ワークシート" r:id="rId3" imgW="3133549" imgH="1552646" progId="Excel.Sheet.12">
+                <p:oleObj spid="_x0000_s1060" name="ワークシート" r:id="rId3" imgW="3133549" imgH="1552646" progId="Excel.Sheet.12">
                   <p:embed/>
                 </p:oleObj>
               </mc:Choice>
@@ -4805,7 +4586,7 @@
           <a:graphicData uri="http://schemas.openxmlformats.org/presentationml/2006/ole">
             <mc:AlternateContent xmlns:mc="http://schemas.openxmlformats.org/markup-compatibility/2006">
               <mc:Choice xmlns:v="urn:schemas-microsoft-com:vml" Requires="v">
-                <p:oleObj spid="_x0000_s1065" name="ワークシート" r:id="rId5" imgW="3305287" imgH="1381068" progId="Excel.Sheet.12">
+                <p:oleObj spid="_x0000_s1061" name="ワークシート" r:id="rId5" imgW="3305287" imgH="1381068" progId="Excel.Sheet.12">
                   <p:embed/>
                 </p:oleObj>
               </mc:Choice>
@@ -4892,7 +4673,15 @@
                   <a:srgbClr val="FF0000"/>
                 </a:solidFill>
               </a:rPr>
-              <a:t>システムを作る．</a:t>
+              <a:t>システムを</a:t>
+            </a:r>
+            <a:r>
+              <a:rPr lang="ja-JP" altLang="en-US" dirty="0" smtClean="0">
+                <a:solidFill>
+                  <a:srgbClr val="FF0000"/>
+                </a:solidFill>
+              </a:rPr>
+              <a:t>作る．</a:t>
             </a:r>
             <a:endParaRPr lang="ja-JP" altLang="en-US" dirty="0">
               <a:solidFill>

--- a/課題研究/2015/下村渉/1342069下村渉　ポスター.pptx
+++ b/課題研究/2015/下村渉/1342069下村渉　ポスター.pptx
@@ -304,7 +304,7 @@
           <a:p>
             <a:fld id="{A157BA37-E345-4782-84BA-8FCF7DC02401}" type="datetimeFigureOut">
               <a:rPr kumimoji="1" lang="ja-JP" altLang="en-US" smtClean="0"/>
-              <a:t>2015/12/18</a:t>
+              <a:t>2015/12/17</a:t>
             </a:fld>
             <a:endParaRPr kumimoji="1" lang="ja-JP" altLang="en-US"/>
           </a:p>
@@ -506,7 +506,7 @@
           <a:p>
             <a:fld id="{A157BA37-E345-4782-84BA-8FCF7DC02401}" type="datetimeFigureOut">
               <a:rPr kumimoji="1" lang="ja-JP" altLang="en-US" smtClean="0"/>
-              <a:t>2015/12/18</a:t>
+              <a:t>2015/12/17</a:t>
             </a:fld>
             <a:endParaRPr kumimoji="1" lang="ja-JP" altLang="en-US"/>
           </a:p>
@@ -718,7 +718,7 @@
           <a:p>
             <a:fld id="{A157BA37-E345-4782-84BA-8FCF7DC02401}" type="datetimeFigureOut">
               <a:rPr kumimoji="1" lang="ja-JP" altLang="en-US" smtClean="0"/>
-              <a:t>2015/12/18</a:t>
+              <a:t>2015/12/17</a:t>
             </a:fld>
             <a:endParaRPr kumimoji="1" lang="ja-JP" altLang="en-US"/>
           </a:p>
@@ -920,7 +920,7 @@
           <a:p>
             <a:fld id="{A157BA37-E345-4782-84BA-8FCF7DC02401}" type="datetimeFigureOut">
               <a:rPr kumimoji="1" lang="ja-JP" altLang="en-US" smtClean="0"/>
-              <a:t>2015/12/18</a:t>
+              <a:t>2015/12/17</a:t>
             </a:fld>
             <a:endParaRPr kumimoji="1" lang="ja-JP" altLang="en-US"/>
           </a:p>
@@ -1166,7 +1166,7 @@
           <a:p>
             <a:fld id="{A157BA37-E345-4782-84BA-8FCF7DC02401}" type="datetimeFigureOut">
               <a:rPr kumimoji="1" lang="ja-JP" altLang="en-US" smtClean="0"/>
-              <a:t>2015/12/18</a:t>
+              <a:t>2015/12/17</a:t>
             </a:fld>
             <a:endParaRPr kumimoji="1" lang="ja-JP" altLang="en-US"/>
           </a:p>
@@ -1518,7 +1518,7 @@
           <a:p>
             <a:fld id="{A157BA37-E345-4782-84BA-8FCF7DC02401}" type="datetimeFigureOut">
               <a:rPr kumimoji="1" lang="ja-JP" altLang="en-US" smtClean="0"/>
-              <a:t>2015/12/18</a:t>
+              <a:t>2015/12/17</a:t>
             </a:fld>
             <a:endParaRPr kumimoji="1" lang="ja-JP" altLang="en-US"/>
           </a:p>
@@ -2009,7 +2009,7 @@
           <a:p>
             <a:fld id="{A157BA37-E345-4782-84BA-8FCF7DC02401}" type="datetimeFigureOut">
               <a:rPr kumimoji="1" lang="ja-JP" altLang="en-US" smtClean="0"/>
-              <a:t>2015/12/18</a:t>
+              <a:t>2015/12/17</a:t>
             </a:fld>
             <a:endParaRPr kumimoji="1" lang="ja-JP" altLang="en-US"/>
           </a:p>
@@ -2127,7 +2127,7 @@
           <a:p>
             <a:fld id="{A157BA37-E345-4782-84BA-8FCF7DC02401}" type="datetimeFigureOut">
               <a:rPr kumimoji="1" lang="ja-JP" altLang="en-US" smtClean="0"/>
-              <a:t>2015/12/18</a:t>
+              <a:t>2015/12/17</a:t>
             </a:fld>
             <a:endParaRPr kumimoji="1" lang="ja-JP" altLang="en-US"/>
           </a:p>
@@ -2222,7 +2222,7 @@
           <a:p>
             <a:fld id="{A157BA37-E345-4782-84BA-8FCF7DC02401}" type="datetimeFigureOut">
               <a:rPr kumimoji="1" lang="ja-JP" altLang="en-US" smtClean="0"/>
-              <a:t>2015/12/18</a:t>
+              <a:t>2015/12/17</a:t>
             </a:fld>
             <a:endParaRPr kumimoji="1" lang="ja-JP" altLang="en-US"/>
           </a:p>
@@ -2531,7 +2531,7 @@
           <a:p>
             <a:fld id="{A157BA37-E345-4782-84BA-8FCF7DC02401}" type="datetimeFigureOut">
               <a:rPr kumimoji="1" lang="ja-JP" altLang="en-US" smtClean="0"/>
-              <a:t>2015/12/18</a:t>
+              <a:t>2015/12/17</a:t>
             </a:fld>
             <a:endParaRPr kumimoji="1" lang="ja-JP" altLang="en-US"/>
           </a:p>
@@ -2784,7 +2784,7 @@
           <a:p>
             <a:fld id="{A157BA37-E345-4782-84BA-8FCF7DC02401}" type="datetimeFigureOut">
               <a:rPr kumimoji="1" lang="ja-JP" altLang="en-US" smtClean="0"/>
-              <a:t>2015/12/18</a:t>
+              <a:t>2015/12/17</a:t>
             </a:fld>
             <a:endParaRPr kumimoji="1" lang="ja-JP" altLang="en-US"/>
           </a:p>
@@ -3029,7 +3029,7 @@
           <a:p>
             <a:fld id="{A157BA37-E345-4782-84BA-8FCF7DC02401}" type="datetimeFigureOut">
               <a:rPr kumimoji="1" lang="ja-JP" altLang="en-US" smtClean="0"/>
-              <a:t>2015/12/18</a:t>
+              <a:t>2015/12/17</a:t>
             </a:fld>
             <a:endParaRPr kumimoji="1" lang="ja-JP" altLang="en-US"/>
           </a:p>
@@ -3406,14 +3406,14 @@
       </p:grpSpPr>
       <p:sp>
         <p:nvSpPr>
-          <p:cNvPr id="35" name="角丸四角形 34"/>
+          <p:cNvPr id="63" name="角丸四角形 62"/>
           <p:cNvSpPr/>
           <p:nvPr/>
         </p:nvSpPr>
         <p:spPr>
           <a:xfrm>
-            <a:off x="217520" y="5712191"/>
-            <a:ext cx="6516140" cy="1956153"/>
+            <a:off x="375148" y="7829509"/>
+            <a:ext cx="2828541" cy="1174811"/>
           </a:xfrm>
           <a:prstGeom prst="roundRect">
             <a:avLst/>
@@ -3442,21 +3442,38 @@
           <a:bodyPr rtlCol="0" anchor="ctr"/>
           <a:lstStyle/>
           <a:p>
-            <a:pPr algn="ctr"/>
-            <a:endParaRPr kumimoji="1" lang="ja-JP" altLang="en-US"/>
-          </a:p>
-        </p:txBody>
-      </p:sp>
-      <p:sp>
-        <p:nvSpPr>
-          <p:cNvPr id="2" name="角丸四角形 1"/>
+            <a:r>
+              <a:rPr lang="ja-JP" altLang="en-US" sz="1200" dirty="0" smtClean="0">
+                <a:solidFill>
+                  <a:schemeClr val="tx1">
+                    <a:lumMod val="95000"/>
+                    <a:lumOff val="5000"/>
+                  </a:schemeClr>
+                </a:solidFill>
+              </a:rPr>
+              <a:t>今後の計画は専門用語を検索したときに適切な用語に転換できるよう検索システムの開発を予定している</a:t>
+            </a:r>
+            <a:endParaRPr lang="ja-JP" altLang="en-US" sz="1200" dirty="0">
+              <a:solidFill>
+                <a:schemeClr val="tx1">
+                  <a:lumMod val="95000"/>
+                  <a:lumOff val="5000"/>
+                </a:schemeClr>
+              </a:solidFill>
+            </a:endParaRPr>
+          </a:p>
+        </p:txBody>
+      </p:sp>
+      <p:sp>
+        <p:nvSpPr>
+          <p:cNvPr id="61" name="角丸四角形 60"/>
           <p:cNvSpPr/>
           <p:nvPr/>
         </p:nvSpPr>
         <p:spPr>
           <a:xfrm>
-            <a:off x="193001" y="833980"/>
-            <a:ext cx="6540659" cy="2800717"/>
+            <a:off x="396114" y="6135345"/>
+            <a:ext cx="2828541" cy="1395555"/>
           </a:xfrm>
           <a:prstGeom prst="roundRect">
             <a:avLst/>
@@ -3485,51 +3502,8 @@
           <a:bodyPr rtlCol="0" anchor="ctr"/>
           <a:lstStyle/>
           <a:p>
-            <a:pPr algn="ctr"/>
-            <a:endParaRPr kumimoji="1" lang="ja-JP" altLang="en-US"/>
-          </a:p>
-        </p:txBody>
-      </p:sp>
-      <p:sp>
-        <p:nvSpPr>
-          <p:cNvPr id="63" name="角丸四角形 62"/>
-          <p:cNvSpPr/>
-          <p:nvPr/>
-        </p:nvSpPr>
-        <p:spPr>
-          <a:xfrm>
-            <a:off x="217520" y="8040653"/>
-            <a:ext cx="6516140" cy="1012201"/>
-          </a:xfrm>
-          <a:prstGeom prst="roundRect">
-            <a:avLst/>
-          </a:prstGeom>
-          <a:solidFill>
-            <a:schemeClr val="bg1"/>
-          </a:solidFill>
-        </p:spPr>
-        <p:style>
-          <a:lnRef idx="2">
-            <a:schemeClr val="accent1">
-              <a:shade val="50000"/>
-            </a:schemeClr>
-          </a:lnRef>
-          <a:fillRef idx="1">
-            <a:schemeClr val="accent1"/>
-          </a:fillRef>
-          <a:effectRef idx="0">
-            <a:schemeClr val="accent1"/>
-          </a:effectRef>
-          <a:fontRef idx="minor">
-            <a:schemeClr val="lt1"/>
-          </a:fontRef>
-        </p:style>
-        <p:txBody>
-          <a:bodyPr rtlCol="0" anchor="ctr"/>
-          <a:lstStyle/>
-          <a:p>
-            <a:r>
-              <a:rPr lang="ja-JP" altLang="en-US" sz="1200" dirty="0" smtClean="0">
+            <a:r>
+              <a:rPr lang="en-US" altLang="ja-JP" sz="1200" dirty="0" err="1" smtClean="0">
                 <a:solidFill>
                   <a:schemeClr val="tx1">
                     <a:lumMod val="95000"/>
@@ -3537,7 +3511,7 @@
                   </a:schemeClr>
                 </a:solidFill>
               </a:rPr>
-              <a:t>今後の計画は専門用語を検索したときに適切な用語に転換できるよう検索システムの開発を予定して</a:t>
+              <a:t>MediaWiki</a:t>
             </a:r>
             <a:r>
               <a:rPr lang="ja-JP" altLang="en-US" sz="1200" dirty="0" smtClean="0">
@@ -3548,7 +3522,7 @@
                   </a:schemeClr>
                 </a:solidFill>
               </a:rPr>
-              <a:t>いる．</a:t>
+              <a:t>のサーバーを立ち上げ，各視点から専門用語のページを作り，作ったページから用語間の関連情報を抽出し，抽出した情報から用語の翻訳する</a:t>
             </a:r>
             <a:endParaRPr lang="ja-JP" altLang="en-US" sz="1200" dirty="0">
               <a:solidFill>
@@ -3563,95 +3537,13 @@
       </p:sp>
       <p:sp>
         <p:nvSpPr>
-          <p:cNvPr id="61" name="角丸四角形 60"/>
-          <p:cNvSpPr/>
-          <p:nvPr/>
-        </p:nvSpPr>
-        <p:spPr>
-          <a:xfrm>
-            <a:off x="3724775" y="3987196"/>
-            <a:ext cx="3008885" cy="1448900"/>
-          </a:xfrm>
-          <a:prstGeom prst="roundRect">
-            <a:avLst/>
-          </a:prstGeom>
-          <a:solidFill>
-            <a:schemeClr val="bg1"/>
-          </a:solidFill>
-        </p:spPr>
-        <p:style>
-          <a:lnRef idx="2">
-            <a:schemeClr val="accent1">
-              <a:shade val="50000"/>
-            </a:schemeClr>
-          </a:lnRef>
-          <a:fillRef idx="1">
-            <a:schemeClr val="accent1"/>
-          </a:fillRef>
-          <a:effectRef idx="0">
-            <a:schemeClr val="accent1"/>
-          </a:effectRef>
-          <a:fontRef idx="minor">
-            <a:schemeClr val="lt1"/>
-          </a:fontRef>
-        </p:style>
-        <p:txBody>
-          <a:bodyPr rtlCol="0" anchor="ctr"/>
-          <a:lstStyle/>
-          <a:p>
-            <a:r>
-              <a:rPr lang="en-US" altLang="ja-JP" sz="1200" dirty="0" err="1" smtClean="0">
-                <a:solidFill>
-                  <a:schemeClr val="tx1">
-                    <a:lumMod val="95000"/>
-                    <a:lumOff val="5000"/>
-                  </a:schemeClr>
-                </a:solidFill>
-              </a:rPr>
-              <a:t>MediaWiki</a:t>
-            </a:r>
-            <a:r>
-              <a:rPr lang="ja-JP" altLang="en-US" sz="1200" dirty="0" smtClean="0">
-                <a:solidFill>
-                  <a:schemeClr val="tx1">
-                    <a:lumMod val="95000"/>
-                    <a:lumOff val="5000"/>
-                  </a:schemeClr>
-                </a:solidFill>
-              </a:rPr>
-              <a:t>のサーバーを立ち上げ，各視点から専門用語のページを作り，作ったページから用語間の関連情報を抽出し，抽出した情報から用語の翻訳</a:t>
-            </a:r>
-            <a:r>
-              <a:rPr lang="ja-JP" altLang="en-US" sz="1200" dirty="0" smtClean="0">
-                <a:solidFill>
-                  <a:schemeClr val="tx1">
-                    <a:lumMod val="95000"/>
-                    <a:lumOff val="5000"/>
-                  </a:schemeClr>
-                </a:solidFill>
-              </a:rPr>
-              <a:t>する．</a:t>
-            </a:r>
-            <a:endParaRPr lang="ja-JP" altLang="en-US" sz="1200" dirty="0">
-              <a:solidFill>
-                <a:schemeClr val="tx1">
-                  <a:lumMod val="95000"/>
-                  <a:lumOff val="5000"/>
-                </a:schemeClr>
-              </a:solidFill>
-            </a:endParaRPr>
-          </a:p>
-        </p:txBody>
-      </p:sp>
-      <p:sp>
-        <p:nvSpPr>
           <p:cNvPr id="59" name="角丸四角形 58"/>
           <p:cNvSpPr/>
           <p:nvPr/>
         </p:nvSpPr>
         <p:spPr>
           <a:xfrm>
-            <a:off x="193001" y="3907897"/>
+            <a:off x="335920" y="4195929"/>
             <a:ext cx="2883599" cy="1528199"/>
           </a:xfrm>
           <a:prstGeom prst="roundRect">
@@ -3723,20 +3615,55 @@
                   </a:schemeClr>
                 </a:solidFill>
               </a:rPr>
-              <a:t>用語が異なる語彙を目的に応じた最適な語彙への変換ができるような</a:t>
-            </a:r>
-            <a:r>
-              <a:rPr lang="ja-JP" altLang="en-US" sz="1200" dirty="0" smtClean="0">
-                <a:solidFill>
-                  <a:schemeClr val="tx1">
-                    <a:lumMod val="95000"/>
-                    <a:lumOff val="5000"/>
-                  </a:schemeClr>
-                </a:solidFill>
-              </a:rPr>
-              <a:t>システムを作る．</a:t>
-            </a:r>
-            <a:endParaRPr lang="ja-JP" altLang="en-US" sz="1200" dirty="0">
+              <a:t>用語が異なる語彙を目的に応じた最適な語彙への変換ができるようなシステムの作る</a:t>
+            </a:r>
+          </a:p>
+        </p:txBody>
+      </p:sp>
+      <p:sp>
+        <p:nvSpPr>
+          <p:cNvPr id="3" name="正方形/長方形 2"/>
+          <p:cNvSpPr/>
+          <p:nvPr/>
+        </p:nvSpPr>
+        <p:spPr>
+          <a:xfrm>
+            <a:off x="332392" y="802189"/>
+            <a:ext cx="6386220" cy="2908611"/>
+          </a:xfrm>
+          <a:prstGeom prst="rect">
+            <a:avLst/>
+          </a:prstGeom>
+          <a:solidFill>
+            <a:schemeClr val="bg1"/>
+          </a:solidFill>
+          <a:ln>
+            <a:solidFill>
+              <a:schemeClr val="tx1"/>
+            </a:solidFill>
+          </a:ln>
+        </p:spPr>
+        <p:style>
+          <a:lnRef idx="2">
+            <a:schemeClr val="accent5">
+              <a:shade val="50000"/>
+            </a:schemeClr>
+          </a:lnRef>
+          <a:fillRef idx="1">
+            <a:schemeClr val="accent5"/>
+          </a:fillRef>
+          <a:effectRef idx="0">
+            <a:schemeClr val="accent5"/>
+          </a:effectRef>
+          <a:fontRef idx="minor">
+            <a:schemeClr val="lt1"/>
+          </a:fontRef>
+        </p:style>
+        <p:txBody>
+          <a:bodyPr rtlCol="0" anchor="ctr"/>
+          <a:lstStyle/>
+          <a:p>
+            <a:endParaRPr kumimoji="1" lang="en-US" altLang="ja-JP" sz="1400" dirty="0" smtClean="0">
               <a:solidFill>
                 <a:schemeClr val="tx1">
                   <a:lumMod val="95000"/>
@@ -3957,27 +3884,8 @@
                   </a:schemeClr>
                 </a:solidFill>
               </a:rPr>
-              <a:t>で</a:t>
-            </a:r>
-            <a:r>
-              <a:rPr lang="ja-JP" altLang="en-US" sz="1200" dirty="0" smtClean="0">
-                <a:solidFill>
-                  <a:schemeClr val="tx1">
-                    <a:lumMod val="95000"/>
-                    <a:lumOff val="5000"/>
-                  </a:schemeClr>
-                </a:solidFill>
-              </a:rPr>
-              <a:t>ある．</a:t>
-            </a:r>
-            <a:endParaRPr lang="ja-JP" altLang="en-US" sz="1200" dirty="0">
-              <a:solidFill>
-                <a:schemeClr val="tx1">
-                  <a:lumMod val="95000"/>
-                  <a:lumOff val="5000"/>
-                </a:schemeClr>
-              </a:solidFill>
-            </a:endParaRPr>
+              <a:t>である</a:t>
+            </a:r>
           </a:p>
         </p:txBody>
       </p:sp>
@@ -4083,18 +3991,7 @@
                   </a:schemeClr>
                 </a:solidFill>
               </a:rPr>
-              <a:t>を使った説明では発注者は十分な理解を得られないかも</a:t>
-            </a:r>
-            <a:r>
-              <a:rPr lang="ja-JP" altLang="en-US" sz="1200" dirty="0" smtClean="0">
-                <a:solidFill>
-                  <a:schemeClr val="tx1">
-                    <a:lumMod val="95000"/>
-                    <a:lumOff val="5000"/>
-                  </a:schemeClr>
-                </a:solidFill>
-              </a:rPr>
-              <a:t>しれない．</a:t>
+              <a:t>を使った説明では発注者は十分な理解を得られないかもしれない</a:t>
             </a:r>
             <a:endParaRPr lang="ja-JP" altLang="en-US" sz="1200" dirty="0">
               <a:solidFill>
@@ -4259,7 +4156,7 @@
         </p:nvSpPr>
         <p:spPr>
           <a:xfrm>
-            <a:off x="108997" y="7786789"/>
+            <a:off x="116632" y="7592665"/>
             <a:ext cx="1281169" cy="507727"/>
           </a:xfrm>
           <a:prstGeom prst="ellipse">
@@ -4305,14 +4202,57 @@
       </p:sp>
       <p:sp>
         <p:nvSpPr>
+          <p:cNvPr id="68" name="正方形/長方形 67"/>
+          <p:cNvSpPr/>
+          <p:nvPr/>
+        </p:nvSpPr>
+        <p:spPr>
+          <a:xfrm>
+            <a:off x="3493300" y="4195929"/>
+            <a:ext cx="3240360" cy="4817442"/>
+          </a:xfrm>
+          <a:prstGeom prst="rect">
+            <a:avLst/>
+          </a:prstGeom>
+          <a:solidFill>
+            <a:schemeClr val="bg1"/>
+          </a:solidFill>
+        </p:spPr>
+        <p:style>
+          <a:lnRef idx="2">
+            <a:schemeClr val="accent1">
+              <a:shade val="50000"/>
+            </a:schemeClr>
+          </a:lnRef>
+          <a:fillRef idx="1">
+            <a:schemeClr val="accent1"/>
+          </a:fillRef>
+          <a:effectRef idx="0">
+            <a:schemeClr val="accent1"/>
+          </a:effectRef>
+          <a:fontRef idx="minor">
+            <a:schemeClr val="lt1"/>
+          </a:fontRef>
+        </p:style>
+        <p:txBody>
+          <a:bodyPr rtlCol="0" anchor="ctr"/>
+          <a:lstStyle/>
+          <a:p>
+            <a:pPr algn="ctr"/>
+            <a:endParaRPr kumimoji="1" lang="ja-JP" altLang="en-US"/>
+          </a:p>
+        </p:txBody>
+      </p:sp>
+      <p:sp>
+        <p:nvSpPr>
           <p:cNvPr id="69" name="角丸四角形 68"/>
           <p:cNvSpPr/>
           <p:nvPr/>
         </p:nvSpPr>
         <p:spPr>
           <a:xfrm>
-            <a:off x="335339" y="5926364"/>
-            <a:ext cx="1725509" cy="1587226"/>
+            <a:off x="3729870" y="4499741"/>
+            <a:ext cx="2867482" cy="725423"/>
           </a:xfrm>
           <a:prstGeom prst="roundRect">
             <a:avLst/>
@@ -4361,10 +4301,10 @@
                   </a:schemeClr>
                 </a:solidFill>
               </a:rPr>
-              <a:t>をインストールし，ページを作り，見出しを書いて，</a:t>
-            </a:r>
-            <a:r>
-              <a:rPr lang="en-US" altLang="ja-JP" sz="1200" dirty="0" err="1" smtClean="0">
+              <a:t>を</a:t>
+            </a:r>
+            <a:r>
+              <a:rPr lang="ja-JP" altLang="en-US" sz="1200" smtClean="0">
                 <a:solidFill>
                   <a:schemeClr val="tx1">
                     <a:lumMod val="95000"/>
@@ -4372,7 +4312,7 @@
                   </a:schemeClr>
                 </a:solidFill>
               </a:rPr>
-              <a:t>MediaWiki</a:t>
+              <a:t>インストールし，ページ</a:t>
             </a:r>
             <a:r>
               <a:rPr lang="ja-JP" altLang="en-US" sz="1200" dirty="0" smtClean="0">
@@ -4383,10 +4323,10 @@
                   </a:schemeClr>
                 </a:solidFill>
               </a:rPr>
-              <a:t>のデータを</a:t>
-            </a:r>
-            <a:r>
-              <a:rPr lang="en-US" altLang="ja-JP" sz="1200" dirty="0" smtClean="0">
+              <a:t>を</a:t>
+            </a:r>
+            <a:r>
+              <a:rPr lang="ja-JP" altLang="en-US" sz="1200" smtClean="0">
                 <a:solidFill>
                   <a:schemeClr val="tx1">
                     <a:lumMod val="95000"/>
@@ -4394,10 +4334,10 @@
                   </a:schemeClr>
                 </a:solidFill>
               </a:rPr>
-              <a:t>XML</a:t>
-            </a:r>
-            <a:r>
-              <a:rPr lang="ja-JP" altLang="en-US" sz="1200" dirty="0" smtClean="0">
+              <a:t>作り，見出しを書いて，</a:t>
+            </a:r>
+            <a:r>
+              <a:rPr lang="en-US" altLang="ja-JP" sz="1200" dirty="0" err="1" smtClean="0">
                 <a:solidFill>
                   <a:schemeClr val="tx1">
                     <a:lumMod val="95000"/>
@@ -4405,7 +4345,7 @@
                   </a:schemeClr>
                 </a:solidFill>
               </a:rPr>
-              <a:t>にダンプし上位下位関係抽出ツールで解析し抽出</a:t>
+              <a:t>MediaWiki</a:t>
             </a:r>
             <a:r>
               <a:rPr lang="ja-JP" altLang="en-US" sz="1200" dirty="0" smtClean="0">
@@ -4416,7 +4356,29 @@
                   </a:schemeClr>
                 </a:solidFill>
               </a:rPr>
-              <a:t>した．</a:t>
+              <a:t>のデータを</a:t>
+            </a:r>
+            <a:r>
+              <a:rPr lang="en-US" altLang="ja-JP" sz="1200" dirty="0" smtClean="0">
+                <a:solidFill>
+                  <a:schemeClr val="tx1">
+                    <a:lumMod val="95000"/>
+                    <a:lumOff val="5000"/>
+                  </a:schemeClr>
+                </a:solidFill>
+              </a:rPr>
+              <a:t>XML</a:t>
+            </a:r>
+            <a:r>
+              <a:rPr lang="ja-JP" altLang="en-US" sz="1200" dirty="0" smtClean="0">
+                <a:solidFill>
+                  <a:schemeClr val="tx1">
+                    <a:lumMod val="95000"/>
+                    <a:lumOff val="5000"/>
+                  </a:schemeClr>
+                </a:solidFill>
+              </a:rPr>
+              <a:t>にダンプし上位下位関係抽出ツールで解析し抽出した</a:t>
             </a:r>
             <a:endParaRPr lang="ja-JP" altLang="en-US" sz="1200" dirty="0">
               <a:solidFill>
@@ -4437,8 +4399,8 @@
         </p:nvSpPr>
         <p:spPr>
           <a:xfrm>
-            <a:off x="4400128" y="6950005"/>
-            <a:ext cx="1871995" cy="646331"/>
+            <a:off x="3674646" y="8513979"/>
+            <a:ext cx="2877667" cy="461665"/>
           </a:xfrm>
           <a:prstGeom prst="rect">
             <a:avLst/>
@@ -4454,15 +4416,7 @@
             <a:pPr algn="ctr"/>
             <a:r>
               <a:rPr kumimoji="1" lang="ja-JP" altLang="en-US" sz="1200" dirty="0" smtClean="0"/>
-              <a:t>↑「グランブルーファンタジー」の</a:t>
-            </a:r>
-            <a:r>
-              <a:rPr kumimoji="1" lang="ja-JP" altLang="en-US" sz="1200" dirty="0" smtClean="0"/>
-              <a:t>ページの</a:t>
-            </a:r>
-            <a:r>
-              <a:rPr kumimoji="1" lang="ja-JP" altLang="en-US" sz="1200" dirty="0" smtClean="0"/>
-              <a:t>「登場キャラクター」の解析結果</a:t>
+              <a:t>↑「グランブルーファンタジー」のページ　　　　　の「登場キャラクター」の解析結果</a:t>
             </a:r>
             <a:endParaRPr kumimoji="1" lang="ja-JP" altLang="en-US" sz="1200" dirty="0"/>
           </a:p>
@@ -4476,8 +4430,8 @@
         </p:nvSpPr>
         <p:spPr>
           <a:xfrm>
-            <a:off x="2276872" y="6950005"/>
-            <a:ext cx="1935899" cy="646331"/>
+            <a:off x="3719685" y="6558607"/>
+            <a:ext cx="2877667" cy="461665"/>
           </a:xfrm>
           <a:prstGeom prst="rect">
             <a:avLst/>
@@ -4493,15 +4447,7 @@
             <a:pPr algn="ctr"/>
             <a:r>
               <a:rPr kumimoji="1" lang="ja-JP" altLang="en-US" sz="1200" dirty="0" smtClean="0"/>
-              <a:t>↑「グランブルーファンタジー」の</a:t>
-            </a:r>
-            <a:r>
-              <a:rPr kumimoji="1" lang="ja-JP" altLang="en-US" sz="1200" dirty="0" smtClean="0"/>
-              <a:t>ページの</a:t>
-            </a:r>
-            <a:r>
-              <a:rPr kumimoji="1" lang="ja-JP" altLang="en-US" sz="1200" dirty="0" smtClean="0"/>
-              <a:t>「メインキャラクター」の解析結果</a:t>
+              <a:t>↑「グランブルーファンタジー」のページ　　　　　の「メインキャラクター」の解析結果</a:t>
             </a:r>
             <a:endParaRPr kumimoji="1" lang="ja-JP" altLang="en-US" sz="1200" dirty="0"/>
           </a:p>
@@ -4516,20 +4462,20 @@
           <p:nvPr>
             <p:extLst>
               <p:ext uri="{D42A27DB-BD31-4B8C-83A1-F6EECF244321}">
-                <p14:modId xmlns:p14="http://schemas.microsoft.com/office/powerpoint/2010/main" val="4261480003"/>
+                <p14:modId xmlns:p14="http://schemas.microsoft.com/office/powerpoint/2010/main" val="1707752777"/>
               </p:ext>
             </p:extLst>
           </p:nvPr>
         </p:nvGraphicFramePr>
         <p:xfrm>
-          <a:off x="4509120" y="5812039"/>
-          <a:ext cx="2015514" cy="1064217"/>
+          <a:off x="3792989" y="7072224"/>
+          <a:ext cx="2732355" cy="1442718"/>
         </p:xfrm>
         <a:graphic>
           <a:graphicData uri="http://schemas.openxmlformats.org/presentationml/2006/ole">
             <mc:AlternateContent xmlns:mc="http://schemas.openxmlformats.org/markup-compatibility/2006">
               <mc:Choice xmlns:v="urn:schemas-microsoft-com:vml" Requires="v">
-                <p:oleObj spid="_x0000_s1060" name="ワークシート" r:id="rId3" imgW="3133549" imgH="1552646" progId="Excel.Sheet.12">
+                <p:oleObj spid="_x0000_s1044" name="ワークシート" r:id="rId3" imgW="3133549" imgH="1552646" progId="Excel.Sheet.12">
                   <p:embed/>
                 </p:oleObj>
               </mc:Choice>
@@ -4550,8 +4496,8 @@
                     </p:blipFill>
                     <p:spPr>
                       <a:xfrm>
-                        <a:off x="4509120" y="5812039"/>
-                        <a:ext cx="2015514" cy="1064217"/>
+                        <a:off x="3792989" y="7072224"/>
+                        <a:ext cx="2732355" cy="1442718"/>
                       </a:xfrm>
                       <a:prstGeom prst="rect">
                         <a:avLst/>
@@ -4573,20 +4519,20 @@
           <p:nvPr>
             <p:extLst>
               <p:ext uri="{D42A27DB-BD31-4B8C-83A1-F6EECF244321}">
-                <p14:modId xmlns:p14="http://schemas.microsoft.com/office/powerpoint/2010/main" val="1892464272"/>
+                <p14:modId xmlns:p14="http://schemas.microsoft.com/office/powerpoint/2010/main" val="4172743058"/>
               </p:ext>
             </p:extLst>
           </p:nvPr>
         </p:nvGraphicFramePr>
         <p:xfrm>
-          <a:off x="2276872" y="5829221"/>
-          <a:ext cx="1934527" cy="1047035"/>
+          <a:off x="3802031" y="5308855"/>
+          <a:ext cx="2723313" cy="1265557"/>
         </p:xfrm>
         <a:graphic>
           <a:graphicData uri="http://schemas.openxmlformats.org/presentationml/2006/ole">
             <mc:AlternateContent xmlns:mc="http://schemas.openxmlformats.org/markup-compatibility/2006">
               <mc:Choice xmlns:v="urn:schemas-microsoft-com:vml" Requires="v">
-                <p:oleObj spid="_x0000_s1061" name="ワークシート" r:id="rId5" imgW="3305287" imgH="1381068" progId="Excel.Sheet.12">
+                <p:oleObj spid="_x0000_s1045" name="ワークシート" r:id="rId5" imgW="3305287" imgH="1381068" progId="Excel.Sheet.12">
                   <p:embed/>
                 </p:oleObj>
               </mc:Choice>
@@ -4607,8 +4553,8 @@
                     </p:blipFill>
                     <p:spPr>
                       <a:xfrm>
-                        <a:off x="2276872" y="5829221"/>
-                        <a:ext cx="1934527" cy="1047035"/>
+                        <a:off x="3802031" y="5308855"/>
+                        <a:ext cx="2723313" cy="1265557"/>
                       </a:xfrm>
                       <a:prstGeom prst="rect">
                         <a:avLst/>
@@ -4629,7 +4575,7 @@
         </p:nvSpPr>
         <p:spPr>
           <a:xfrm>
-            <a:off x="596806" y="2987824"/>
+            <a:off x="596806" y="3059832"/>
             <a:ext cx="5774832" cy="504056"/>
           </a:xfrm>
           <a:prstGeom prst="roundRect">
@@ -4665,23 +4611,23 @@
                   <a:srgbClr val="FF0000"/>
                 </a:solidFill>
               </a:rPr>
-              <a:t>関係者間での視点や用語が異なる語彙を目的に応じた最適な語彙への変換ができるような</a:t>
-            </a:r>
-            <a:r>
-              <a:rPr lang="ja-JP" altLang="en-US" dirty="0" smtClean="0">
+              <a:t>関係者間での視点や用語が異なる語彙を目的に応じた最適な語彙への変換ができるよう</a:t>
+            </a:r>
+            <a:r>
+              <a:rPr lang="ja-JP" altLang="en-US">
                 <a:solidFill>
                   <a:srgbClr val="FF0000"/>
                 </a:solidFill>
               </a:rPr>
-              <a:t>システムを</a:t>
-            </a:r>
-            <a:r>
-              <a:rPr lang="ja-JP" altLang="en-US" dirty="0" smtClean="0">
+              <a:t>な</a:t>
+            </a:r>
+            <a:r>
+              <a:rPr lang="ja-JP" altLang="en-US" smtClean="0">
                 <a:solidFill>
                   <a:srgbClr val="FF0000"/>
                 </a:solidFill>
               </a:rPr>
-              <a:t>作る．</a:t>
+              <a:t>システムを作る</a:t>
             </a:r>
             <a:endParaRPr lang="ja-JP" altLang="en-US" dirty="0">
               <a:solidFill>
@@ -4699,7 +4645,7 @@
         </p:nvSpPr>
         <p:spPr>
           <a:xfrm>
-            <a:off x="3442050" y="3702450"/>
+            <a:off x="113389" y="5850599"/>
             <a:ext cx="1281169" cy="507727"/>
           </a:xfrm>
           <a:prstGeom prst="ellipse">
@@ -4751,7 +4697,7 @@
         </p:nvSpPr>
         <p:spPr>
           <a:xfrm>
-            <a:off x="113388" y="5455432"/>
+            <a:off x="3227951" y="3961888"/>
             <a:ext cx="1281169" cy="507727"/>
           </a:xfrm>
           <a:prstGeom prst="ellipse">
@@ -4803,7 +4749,7 @@
         </p:nvSpPr>
         <p:spPr>
           <a:xfrm>
-            <a:off x="113389" y="3665492"/>
+            <a:off x="113389" y="3953524"/>
             <a:ext cx="1281169" cy="507727"/>
           </a:xfrm>
           <a:prstGeom prst="ellipse">
@@ -4847,7 +4793,7 @@
         </p:nvSpPr>
         <p:spPr>
           <a:xfrm>
-            <a:off x="113388" y="596929"/>
+            <a:off x="113388" y="539552"/>
             <a:ext cx="1281169" cy="507727"/>
           </a:xfrm>
           <a:prstGeom prst="ellipse">
@@ -4876,8 +4822,8 @@
           <a:p>
             <a:pPr algn="ctr"/>
             <a:r>
-              <a:rPr lang="ja-JP" altLang="en-US" dirty="0"/>
-              <a:t>背景</a:t>
+              <a:rPr kumimoji="1" lang="ja-JP" altLang="en-US" dirty="0" smtClean="0"/>
+              <a:t>目的</a:t>
             </a:r>
             <a:endParaRPr kumimoji="1" lang="ja-JP" altLang="en-US" dirty="0"/>
           </a:p>

--- a/課題研究/2015/下村渉/1342069下村渉　ポスター.pptx
+++ b/課題研究/2015/下村渉/1342069下村渉　ポスター.pptx
@@ -304,7 +304,7 @@
           <a:p>
             <a:fld id="{A157BA37-E345-4782-84BA-8FCF7DC02401}" type="datetimeFigureOut">
               <a:rPr kumimoji="1" lang="ja-JP" altLang="en-US" smtClean="0"/>
-              <a:t>2015/12/17</a:t>
+              <a:t>2016/1/8</a:t>
             </a:fld>
             <a:endParaRPr kumimoji="1" lang="ja-JP" altLang="en-US"/>
           </a:p>
@@ -506,7 +506,7 @@
           <a:p>
             <a:fld id="{A157BA37-E345-4782-84BA-8FCF7DC02401}" type="datetimeFigureOut">
               <a:rPr kumimoji="1" lang="ja-JP" altLang="en-US" smtClean="0"/>
-              <a:t>2015/12/17</a:t>
+              <a:t>2016/1/8</a:t>
             </a:fld>
             <a:endParaRPr kumimoji="1" lang="ja-JP" altLang="en-US"/>
           </a:p>
@@ -718,7 +718,7 @@
           <a:p>
             <a:fld id="{A157BA37-E345-4782-84BA-8FCF7DC02401}" type="datetimeFigureOut">
               <a:rPr kumimoji="1" lang="ja-JP" altLang="en-US" smtClean="0"/>
-              <a:t>2015/12/17</a:t>
+              <a:t>2016/1/8</a:t>
             </a:fld>
             <a:endParaRPr kumimoji="1" lang="ja-JP" altLang="en-US"/>
           </a:p>
@@ -920,7 +920,7 @@
           <a:p>
             <a:fld id="{A157BA37-E345-4782-84BA-8FCF7DC02401}" type="datetimeFigureOut">
               <a:rPr kumimoji="1" lang="ja-JP" altLang="en-US" smtClean="0"/>
-              <a:t>2015/12/17</a:t>
+              <a:t>2016/1/8</a:t>
             </a:fld>
             <a:endParaRPr kumimoji="1" lang="ja-JP" altLang="en-US"/>
           </a:p>
@@ -1166,7 +1166,7 @@
           <a:p>
             <a:fld id="{A157BA37-E345-4782-84BA-8FCF7DC02401}" type="datetimeFigureOut">
               <a:rPr kumimoji="1" lang="ja-JP" altLang="en-US" smtClean="0"/>
-              <a:t>2015/12/17</a:t>
+              <a:t>2016/1/8</a:t>
             </a:fld>
             <a:endParaRPr kumimoji="1" lang="ja-JP" altLang="en-US"/>
           </a:p>
@@ -1518,7 +1518,7 @@
           <a:p>
             <a:fld id="{A157BA37-E345-4782-84BA-8FCF7DC02401}" type="datetimeFigureOut">
               <a:rPr kumimoji="1" lang="ja-JP" altLang="en-US" smtClean="0"/>
-              <a:t>2015/12/17</a:t>
+              <a:t>2016/1/8</a:t>
             </a:fld>
             <a:endParaRPr kumimoji="1" lang="ja-JP" altLang="en-US"/>
           </a:p>
@@ -2009,7 +2009,7 @@
           <a:p>
             <a:fld id="{A157BA37-E345-4782-84BA-8FCF7DC02401}" type="datetimeFigureOut">
               <a:rPr kumimoji="1" lang="ja-JP" altLang="en-US" smtClean="0"/>
-              <a:t>2015/12/17</a:t>
+              <a:t>2016/1/8</a:t>
             </a:fld>
             <a:endParaRPr kumimoji="1" lang="ja-JP" altLang="en-US"/>
           </a:p>
@@ -2127,7 +2127,7 @@
           <a:p>
             <a:fld id="{A157BA37-E345-4782-84BA-8FCF7DC02401}" type="datetimeFigureOut">
               <a:rPr kumimoji="1" lang="ja-JP" altLang="en-US" smtClean="0"/>
-              <a:t>2015/12/17</a:t>
+              <a:t>2016/1/8</a:t>
             </a:fld>
             <a:endParaRPr kumimoji="1" lang="ja-JP" altLang="en-US"/>
           </a:p>
@@ -2222,7 +2222,7 @@
           <a:p>
             <a:fld id="{A157BA37-E345-4782-84BA-8FCF7DC02401}" type="datetimeFigureOut">
               <a:rPr kumimoji="1" lang="ja-JP" altLang="en-US" smtClean="0"/>
-              <a:t>2015/12/17</a:t>
+              <a:t>2016/1/8</a:t>
             </a:fld>
             <a:endParaRPr kumimoji="1" lang="ja-JP" altLang="en-US"/>
           </a:p>
@@ -2531,7 +2531,7 @@
           <a:p>
             <a:fld id="{A157BA37-E345-4782-84BA-8FCF7DC02401}" type="datetimeFigureOut">
               <a:rPr kumimoji="1" lang="ja-JP" altLang="en-US" smtClean="0"/>
-              <a:t>2015/12/17</a:t>
+              <a:t>2016/1/8</a:t>
             </a:fld>
             <a:endParaRPr kumimoji="1" lang="ja-JP" altLang="en-US"/>
           </a:p>
@@ -2784,7 +2784,7 @@
           <a:p>
             <a:fld id="{A157BA37-E345-4782-84BA-8FCF7DC02401}" type="datetimeFigureOut">
               <a:rPr kumimoji="1" lang="ja-JP" altLang="en-US" smtClean="0"/>
-              <a:t>2015/12/17</a:t>
+              <a:t>2016/1/8</a:t>
             </a:fld>
             <a:endParaRPr kumimoji="1" lang="ja-JP" altLang="en-US"/>
           </a:p>
@@ -3029,7 +3029,7 @@
           <a:p>
             <a:fld id="{A157BA37-E345-4782-84BA-8FCF7DC02401}" type="datetimeFigureOut">
               <a:rPr kumimoji="1" lang="ja-JP" altLang="en-US" smtClean="0"/>
-              <a:t>2015/12/17</a:t>
+              <a:t>2016/1/8</a:t>
             </a:fld>
             <a:endParaRPr kumimoji="1" lang="ja-JP" altLang="en-US"/>
           </a:p>
@@ -3406,14 +3406,14 @@
       </p:grpSpPr>
       <p:sp>
         <p:nvSpPr>
-          <p:cNvPr id="63" name="角丸四角形 62"/>
+          <p:cNvPr id="35" name="角丸四角形 34"/>
           <p:cNvSpPr/>
           <p:nvPr/>
         </p:nvSpPr>
         <p:spPr>
           <a:xfrm>
-            <a:off x="375148" y="7829509"/>
-            <a:ext cx="2828541" cy="1174811"/>
+            <a:off x="217520" y="5712191"/>
+            <a:ext cx="6516140" cy="2028161"/>
           </a:xfrm>
           <a:prstGeom prst="roundRect">
             <a:avLst/>
@@ -3442,38 +3442,21 @@
           <a:bodyPr rtlCol="0" anchor="ctr"/>
           <a:lstStyle/>
           <a:p>
-            <a:r>
-              <a:rPr lang="ja-JP" altLang="en-US" sz="1200" dirty="0" smtClean="0">
-                <a:solidFill>
-                  <a:schemeClr val="tx1">
-                    <a:lumMod val="95000"/>
-                    <a:lumOff val="5000"/>
-                  </a:schemeClr>
-                </a:solidFill>
-              </a:rPr>
-              <a:t>今後の計画は専門用語を検索したときに適切な用語に転換できるよう検索システムの開発を予定している</a:t>
-            </a:r>
-            <a:endParaRPr lang="ja-JP" altLang="en-US" sz="1200" dirty="0">
-              <a:solidFill>
-                <a:schemeClr val="tx1">
-                  <a:lumMod val="95000"/>
-                  <a:lumOff val="5000"/>
-                </a:schemeClr>
-              </a:solidFill>
-            </a:endParaRPr>
-          </a:p>
-        </p:txBody>
-      </p:sp>
-      <p:sp>
-        <p:nvSpPr>
-          <p:cNvPr id="61" name="角丸四角形 60"/>
+            <a:pPr algn="ctr"/>
+            <a:endParaRPr kumimoji="1" lang="ja-JP" altLang="en-US"/>
+          </a:p>
+        </p:txBody>
+      </p:sp>
+      <p:sp>
+        <p:nvSpPr>
+          <p:cNvPr id="2" name="角丸四角形 1"/>
           <p:cNvSpPr/>
           <p:nvPr/>
         </p:nvSpPr>
         <p:spPr>
           <a:xfrm>
-            <a:off x="396114" y="6135345"/>
-            <a:ext cx="2828541" cy="1395555"/>
+            <a:off x="193001" y="833980"/>
+            <a:ext cx="6540659" cy="2800717"/>
           </a:xfrm>
           <a:prstGeom prst="roundRect">
             <a:avLst/>
@@ -3502,8 +3485,51 @@
           <a:bodyPr rtlCol="0" anchor="ctr"/>
           <a:lstStyle/>
           <a:p>
-            <a:r>
-              <a:rPr lang="en-US" altLang="ja-JP" sz="1200" dirty="0" err="1" smtClean="0">
+            <a:pPr algn="ctr"/>
+            <a:endParaRPr kumimoji="1" lang="ja-JP" altLang="en-US"/>
+          </a:p>
+        </p:txBody>
+      </p:sp>
+      <p:sp>
+        <p:nvSpPr>
+          <p:cNvPr id="63" name="角丸四角形 62"/>
+          <p:cNvSpPr/>
+          <p:nvPr/>
+        </p:nvSpPr>
+        <p:spPr>
+          <a:xfrm>
+            <a:off x="217520" y="8040653"/>
+            <a:ext cx="6516140" cy="1012201"/>
+          </a:xfrm>
+          <a:prstGeom prst="roundRect">
+            <a:avLst/>
+          </a:prstGeom>
+          <a:solidFill>
+            <a:schemeClr val="bg1"/>
+          </a:solidFill>
+        </p:spPr>
+        <p:style>
+          <a:lnRef idx="2">
+            <a:schemeClr val="accent1">
+              <a:shade val="50000"/>
+            </a:schemeClr>
+          </a:lnRef>
+          <a:fillRef idx="1">
+            <a:schemeClr val="accent1"/>
+          </a:fillRef>
+          <a:effectRef idx="0">
+            <a:schemeClr val="accent1"/>
+          </a:effectRef>
+          <a:fontRef idx="minor">
+            <a:schemeClr val="lt1"/>
+          </a:fontRef>
+        </p:style>
+        <p:txBody>
+          <a:bodyPr rtlCol="0" anchor="ctr"/>
+          <a:lstStyle/>
+          <a:p>
+            <a:r>
+              <a:rPr lang="ja-JP" altLang="en-US" sz="1200" dirty="0" smtClean="0">
                 <a:solidFill>
                   <a:schemeClr val="tx1">
                     <a:lumMod val="95000"/>
@@ -3511,18 +3537,7 @@
                   </a:schemeClr>
                 </a:solidFill>
               </a:rPr>
-              <a:t>MediaWiki</a:t>
-            </a:r>
-            <a:r>
-              <a:rPr lang="ja-JP" altLang="en-US" sz="1200" dirty="0" smtClean="0">
-                <a:solidFill>
-                  <a:schemeClr val="tx1">
-                    <a:lumMod val="95000"/>
-                    <a:lumOff val="5000"/>
-                  </a:schemeClr>
-                </a:solidFill>
-              </a:rPr>
-              <a:t>のサーバーを立ち上げ，各視点から専門用語のページを作り，作ったページから用語間の関連情報を抽出し，抽出した情報から用語の翻訳する</a:t>
+              <a:t>今後の計画は専門用語を検索したときに適切な用語に転換できるよう検索システムの開発を予定している．</a:t>
             </a:r>
             <a:endParaRPr lang="ja-JP" altLang="en-US" sz="1200" dirty="0">
               <a:solidFill>
@@ -3537,13 +3552,229 @@
       </p:sp>
       <p:sp>
         <p:nvSpPr>
+          <p:cNvPr id="61" name="角丸四角形 60"/>
+          <p:cNvSpPr/>
+          <p:nvPr/>
+        </p:nvSpPr>
+        <p:spPr>
+          <a:xfrm>
+            <a:off x="3724775" y="3987196"/>
+            <a:ext cx="3008885" cy="1448900"/>
+          </a:xfrm>
+          <a:prstGeom prst="roundRect">
+            <a:avLst/>
+          </a:prstGeom>
+          <a:solidFill>
+            <a:schemeClr val="bg1"/>
+          </a:solidFill>
+        </p:spPr>
+        <p:style>
+          <a:lnRef idx="2">
+            <a:schemeClr val="accent1">
+              <a:shade val="50000"/>
+            </a:schemeClr>
+          </a:lnRef>
+          <a:fillRef idx="1">
+            <a:schemeClr val="accent1"/>
+          </a:fillRef>
+          <a:effectRef idx="0">
+            <a:schemeClr val="accent1"/>
+          </a:effectRef>
+          <a:fontRef idx="minor">
+            <a:schemeClr val="lt1"/>
+          </a:fontRef>
+        </p:style>
+        <p:txBody>
+          <a:bodyPr rtlCol="0" anchor="ctr"/>
+          <a:lstStyle/>
+          <a:p>
+            <a:pPr marL="171450" indent="-171450">
+              <a:buFont typeface="Arial" panose="020B0604020202020204" pitchFamily="34" charset="0"/>
+              <a:buChar char="•"/>
+            </a:pPr>
+            <a:r>
+              <a:rPr lang="en-US" altLang="ja-JP" sz="1200" dirty="0" err="1" smtClean="0">
+                <a:solidFill>
+                  <a:schemeClr val="tx1">
+                    <a:lumMod val="95000"/>
+                    <a:lumOff val="5000"/>
+                  </a:schemeClr>
+                </a:solidFill>
+              </a:rPr>
+              <a:t>MediaWiki</a:t>
+            </a:r>
+            <a:r>
+              <a:rPr lang="ja-JP" altLang="en-US" sz="1200" dirty="0" smtClean="0">
+                <a:solidFill>
+                  <a:schemeClr val="tx1">
+                    <a:lumMod val="95000"/>
+                    <a:lumOff val="5000"/>
+                  </a:schemeClr>
+                </a:solidFill>
+              </a:rPr>
+              <a:t>のサーバーを</a:t>
+            </a:r>
+            <a:r>
+              <a:rPr lang="ja-JP" altLang="en-US" sz="1200" dirty="0" smtClean="0">
+                <a:solidFill>
+                  <a:schemeClr val="tx1">
+                    <a:lumMod val="95000"/>
+                    <a:lumOff val="5000"/>
+                  </a:schemeClr>
+                </a:solidFill>
+              </a:rPr>
+              <a:t>立ち上げる</a:t>
+            </a:r>
+            <a:endParaRPr lang="en-US" altLang="ja-JP" sz="1200" dirty="0" smtClean="0">
+              <a:solidFill>
+                <a:schemeClr val="tx1">
+                  <a:lumMod val="95000"/>
+                  <a:lumOff val="5000"/>
+                </a:schemeClr>
+              </a:solidFill>
+            </a:endParaRPr>
+          </a:p>
+          <a:p>
+            <a:pPr marL="171450" indent="-171450">
+              <a:buFont typeface="Arial" panose="020B0604020202020204" pitchFamily="34" charset="0"/>
+              <a:buChar char="•"/>
+            </a:pPr>
+            <a:r>
+              <a:rPr lang="ja-JP" altLang="en-US" sz="1200" dirty="0" smtClean="0">
+                <a:solidFill>
+                  <a:schemeClr val="tx1">
+                    <a:lumMod val="95000"/>
+                    <a:lumOff val="5000"/>
+                  </a:schemeClr>
+                </a:solidFill>
+              </a:rPr>
+              <a:t>各視点</a:t>
+            </a:r>
+            <a:r>
+              <a:rPr lang="ja-JP" altLang="en-US" sz="1200" dirty="0" smtClean="0">
+                <a:solidFill>
+                  <a:schemeClr val="tx1">
+                    <a:lumMod val="95000"/>
+                    <a:lumOff val="5000"/>
+                  </a:schemeClr>
+                </a:solidFill>
+              </a:rPr>
+              <a:t>から専門用語のページを</a:t>
+            </a:r>
+            <a:r>
+              <a:rPr lang="ja-JP" altLang="en-US" sz="1200" dirty="0" smtClean="0">
+                <a:solidFill>
+                  <a:schemeClr val="tx1">
+                    <a:lumMod val="95000"/>
+                    <a:lumOff val="5000"/>
+                  </a:schemeClr>
+                </a:solidFill>
+              </a:rPr>
+              <a:t>作る</a:t>
+            </a:r>
+            <a:endParaRPr lang="en-US" altLang="ja-JP" sz="1200" dirty="0" smtClean="0">
+              <a:solidFill>
+                <a:schemeClr val="tx1">
+                  <a:lumMod val="95000"/>
+                  <a:lumOff val="5000"/>
+                </a:schemeClr>
+              </a:solidFill>
+            </a:endParaRPr>
+          </a:p>
+          <a:p>
+            <a:pPr marL="171450" indent="-171450">
+              <a:buFont typeface="Arial" panose="020B0604020202020204" pitchFamily="34" charset="0"/>
+              <a:buChar char="•"/>
+            </a:pPr>
+            <a:r>
+              <a:rPr lang="ja-JP" altLang="en-US" sz="1200" dirty="0" smtClean="0">
+                <a:solidFill>
+                  <a:schemeClr val="tx1">
+                    <a:lumMod val="95000"/>
+                    <a:lumOff val="5000"/>
+                  </a:schemeClr>
+                </a:solidFill>
+              </a:rPr>
+              <a:t>作った</a:t>
+            </a:r>
+            <a:r>
+              <a:rPr lang="ja-JP" altLang="en-US" sz="1200" dirty="0" smtClean="0">
+                <a:solidFill>
+                  <a:schemeClr val="tx1">
+                    <a:lumMod val="95000"/>
+                    <a:lumOff val="5000"/>
+                  </a:schemeClr>
+                </a:solidFill>
+              </a:rPr>
+              <a:t>ページから用語間の関連情報を</a:t>
+            </a:r>
+            <a:r>
+              <a:rPr lang="ja-JP" altLang="en-US" sz="1200" dirty="0" smtClean="0">
+                <a:solidFill>
+                  <a:schemeClr val="tx1">
+                    <a:lumMod val="95000"/>
+                    <a:lumOff val="5000"/>
+                  </a:schemeClr>
+                </a:solidFill>
+              </a:rPr>
+              <a:t>抽出</a:t>
+            </a:r>
+            <a:endParaRPr lang="en-US" altLang="ja-JP" sz="1200" dirty="0" smtClean="0">
+              <a:solidFill>
+                <a:schemeClr val="tx1">
+                  <a:lumMod val="95000"/>
+                  <a:lumOff val="5000"/>
+                </a:schemeClr>
+              </a:solidFill>
+            </a:endParaRPr>
+          </a:p>
+          <a:p>
+            <a:pPr marL="171450" indent="-171450">
+              <a:buFont typeface="Arial" panose="020B0604020202020204" pitchFamily="34" charset="0"/>
+              <a:buChar char="•"/>
+            </a:pPr>
+            <a:r>
+              <a:rPr lang="ja-JP" altLang="en-US" sz="1200" dirty="0" smtClean="0">
+                <a:solidFill>
+                  <a:schemeClr val="tx1">
+                    <a:lumMod val="95000"/>
+                    <a:lumOff val="5000"/>
+                  </a:schemeClr>
+                </a:solidFill>
+              </a:rPr>
+              <a:t>抽出</a:t>
+            </a:r>
+            <a:r>
+              <a:rPr lang="ja-JP" altLang="en-US" sz="1200" dirty="0" smtClean="0">
+                <a:solidFill>
+                  <a:schemeClr val="tx1">
+                    <a:lumMod val="95000"/>
+                    <a:lumOff val="5000"/>
+                  </a:schemeClr>
+                </a:solidFill>
+              </a:rPr>
+              <a:t>した情報から用語の翻訳する．</a:t>
+            </a:r>
+            <a:endParaRPr lang="ja-JP" altLang="en-US" sz="1200" dirty="0">
+              <a:solidFill>
+                <a:schemeClr val="tx1">
+                  <a:lumMod val="95000"/>
+                  <a:lumOff val="5000"/>
+                </a:schemeClr>
+              </a:solidFill>
+            </a:endParaRPr>
+          </a:p>
+        </p:txBody>
+      </p:sp>
+      <p:sp>
+        <p:nvSpPr>
           <p:cNvPr id="59" name="角丸四角形 58"/>
           <p:cNvSpPr/>
           <p:nvPr/>
         </p:nvSpPr>
         <p:spPr>
           <a:xfrm>
-            <a:off x="335920" y="4195929"/>
+            <a:off x="193001" y="3907897"/>
             <a:ext cx="2883599" cy="1528199"/>
           </a:xfrm>
           <a:prstGeom prst="roundRect">
@@ -3615,55 +3846,20 @@
                   </a:schemeClr>
                 </a:solidFill>
               </a:rPr>
-              <a:t>用語が異なる語彙を目的に応じた最適な語彙への変換ができるようなシステムの作る</a:t>
-            </a:r>
-          </a:p>
-        </p:txBody>
-      </p:sp>
-      <p:sp>
-        <p:nvSpPr>
-          <p:cNvPr id="3" name="正方形/長方形 2"/>
-          <p:cNvSpPr/>
-          <p:nvPr/>
-        </p:nvSpPr>
-        <p:spPr>
-          <a:xfrm>
-            <a:off x="332392" y="802189"/>
-            <a:ext cx="6386220" cy="2908611"/>
-          </a:xfrm>
-          <a:prstGeom prst="rect">
-            <a:avLst/>
-          </a:prstGeom>
-          <a:solidFill>
-            <a:schemeClr val="bg1"/>
-          </a:solidFill>
-          <a:ln>
-            <a:solidFill>
-              <a:schemeClr val="tx1"/>
-            </a:solidFill>
-          </a:ln>
-        </p:spPr>
-        <p:style>
-          <a:lnRef idx="2">
-            <a:schemeClr val="accent5">
-              <a:shade val="50000"/>
-            </a:schemeClr>
-          </a:lnRef>
-          <a:fillRef idx="1">
-            <a:schemeClr val="accent5"/>
-          </a:fillRef>
-          <a:effectRef idx="0">
-            <a:schemeClr val="accent5"/>
-          </a:effectRef>
-          <a:fontRef idx="minor">
-            <a:schemeClr val="lt1"/>
-          </a:fontRef>
-        </p:style>
-        <p:txBody>
-          <a:bodyPr rtlCol="0" anchor="ctr"/>
-          <a:lstStyle/>
-          <a:p>
-            <a:endParaRPr kumimoji="1" lang="en-US" altLang="ja-JP" sz="1400" dirty="0" smtClean="0">
+              <a:t>用語が異なる語彙を目的に応じた最適な語彙への変換ができるような</a:t>
+            </a:r>
+            <a:r>
+              <a:rPr lang="ja-JP" altLang="en-US" sz="1200" dirty="0" smtClean="0">
+                <a:solidFill>
+                  <a:schemeClr val="tx1">
+                    <a:lumMod val="95000"/>
+                    <a:lumOff val="5000"/>
+                  </a:schemeClr>
+                </a:solidFill>
+              </a:rPr>
+              <a:t>システムを作る．</a:t>
+            </a:r>
+            <a:endParaRPr lang="ja-JP" altLang="en-US" sz="1200" dirty="0">
               <a:solidFill>
                 <a:schemeClr val="tx1">
                   <a:lumMod val="95000"/>
@@ -3884,8 +4080,27 @@
                   </a:schemeClr>
                 </a:solidFill>
               </a:rPr>
-              <a:t>である</a:t>
-            </a:r>
+              <a:t>で</a:t>
+            </a:r>
+            <a:r>
+              <a:rPr lang="ja-JP" altLang="en-US" sz="1200" dirty="0" smtClean="0">
+                <a:solidFill>
+                  <a:schemeClr val="tx1">
+                    <a:lumMod val="95000"/>
+                    <a:lumOff val="5000"/>
+                  </a:schemeClr>
+                </a:solidFill>
+              </a:rPr>
+              <a:t>ある．</a:t>
+            </a:r>
+            <a:endParaRPr lang="ja-JP" altLang="en-US" sz="1200" dirty="0">
+              <a:solidFill>
+                <a:schemeClr val="tx1">
+                  <a:lumMod val="95000"/>
+                  <a:lumOff val="5000"/>
+                </a:schemeClr>
+              </a:solidFill>
+            </a:endParaRPr>
           </a:p>
         </p:txBody>
       </p:sp>
@@ -3991,7 +4206,7 @@
                   </a:schemeClr>
                 </a:solidFill>
               </a:rPr>
-              <a:t>を使った説明では発注者は十分な理解を得られないかもしれない</a:t>
+              <a:t>を使った説明では発注者は十分な理解を得られないかもしれない．</a:t>
             </a:r>
             <a:endParaRPr lang="ja-JP" altLang="en-US" sz="1200" dirty="0">
               <a:solidFill>
@@ -4156,7 +4371,7 @@
         </p:nvSpPr>
         <p:spPr>
           <a:xfrm>
-            <a:off x="116632" y="7592665"/>
+            <a:off x="108997" y="7786789"/>
             <a:ext cx="1281169" cy="507727"/>
           </a:xfrm>
           <a:prstGeom prst="ellipse">
@@ -4202,57 +4417,14 @@
       </p:sp>
       <p:sp>
         <p:nvSpPr>
-          <p:cNvPr id="68" name="正方形/長方形 67"/>
-          <p:cNvSpPr/>
-          <p:nvPr/>
-        </p:nvSpPr>
-        <p:spPr>
-          <a:xfrm>
-            <a:off x="3493300" y="4195929"/>
-            <a:ext cx="3240360" cy="4817442"/>
-          </a:xfrm>
-          <a:prstGeom prst="rect">
-            <a:avLst/>
-          </a:prstGeom>
-          <a:solidFill>
-            <a:schemeClr val="bg1"/>
-          </a:solidFill>
-        </p:spPr>
-        <p:style>
-          <a:lnRef idx="2">
-            <a:schemeClr val="accent1">
-              <a:shade val="50000"/>
-            </a:schemeClr>
-          </a:lnRef>
-          <a:fillRef idx="1">
-            <a:schemeClr val="accent1"/>
-          </a:fillRef>
-          <a:effectRef idx="0">
-            <a:schemeClr val="accent1"/>
-          </a:effectRef>
-          <a:fontRef idx="minor">
-            <a:schemeClr val="lt1"/>
-          </a:fontRef>
-        </p:style>
-        <p:txBody>
-          <a:bodyPr rtlCol="0" anchor="ctr"/>
-          <a:lstStyle/>
-          <a:p>
-            <a:pPr algn="ctr"/>
-            <a:endParaRPr kumimoji="1" lang="ja-JP" altLang="en-US"/>
-          </a:p>
-        </p:txBody>
-      </p:sp>
-      <p:sp>
-        <p:nvSpPr>
           <p:cNvPr id="69" name="角丸四角形 68"/>
           <p:cNvSpPr/>
           <p:nvPr/>
         </p:nvSpPr>
         <p:spPr>
           <a:xfrm>
-            <a:off x="3729870" y="4499741"/>
-            <a:ext cx="2867482" cy="725423"/>
+            <a:off x="335339" y="5926364"/>
+            <a:ext cx="1725509" cy="1669972"/>
           </a:xfrm>
           <a:prstGeom prst="roundRect">
             <a:avLst/>
@@ -4281,6 +4453,10 @@
           <a:bodyPr rtlCol="0" anchor="ctr"/>
           <a:lstStyle/>
           <a:p>
+            <a:pPr marL="171450" indent="-171450">
+              <a:buFont typeface="Arial" panose="020B0604020202020204" pitchFamily="34" charset="0"/>
+              <a:buChar char="•"/>
+            </a:pPr>
             <a:r>
               <a:rPr lang="en-US" altLang="ja-JP" sz="1200" dirty="0" err="1" smtClean="0">
                 <a:solidFill>
@@ -4304,7 +4480,7 @@
               <a:t>を</a:t>
             </a:r>
             <a:r>
-              <a:rPr lang="ja-JP" altLang="en-US" sz="1200" smtClean="0">
+              <a:rPr lang="ja-JP" altLang="en-US" sz="1200" dirty="0" smtClean="0">
                 <a:solidFill>
                   <a:schemeClr val="tx1">
                     <a:lumMod val="95000"/>
@@ -4312,8 +4488,22 @@
                   </a:schemeClr>
                 </a:solidFill>
               </a:rPr>
-              <a:t>インストールし，ページ</a:t>
-            </a:r>
+              <a:t>インストール</a:t>
+            </a:r>
+            <a:endParaRPr lang="en-US" altLang="ja-JP" sz="1200" dirty="0" smtClean="0">
+              <a:solidFill>
+                <a:schemeClr val="tx1">
+                  <a:lumMod val="95000"/>
+                  <a:lumOff val="5000"/>
+                </a:schemeClr>
+              </a:solidFill>
+            </a:endParaRPr>
+          </a:p>
+          <a:p>
+            <a:pPr marL="171450" indent="-171450">
+              <a:buFont typeface="Arial" panose="020B0604020202020204" pitchFamily="34" charset="0"/>
+              <a:buChar char="•"/>
+            </a:pPr>
             <a:r>
               <a:rPr lang="ja-JP" altLang="en-US" sz="1200" dirty="0" smtClean="0">
                 <a:solidFill>
@@ -4323,10 +4513,10 @@
                   </a:schemeClr>
                 </a:solidFill>
               </a:rPr>
-              <a:t>を</a:t>
-            </a:r>
-            <a:r>
-              <a:rPr lang="ja-JP" altLang="en-US" sz="1200" smtClean="0">
+              <a:t>ページ</a:t>
+            </a:r>
+            <a:r>
+              <a:rPr lang="ja-JP" altLang="en-US" sz="1200" dirty="0" smtClean="0">
                 <a:solidFill>
                   <a:schemeClr val="tx1">
                     <a:lumMod val="95000"/>
@@ -4334,10 +4524,10 @@
                   </a:schemeClr>
                 </a:solidFill>
               </a:rPr>
-              <a:t>作り，見出しを書いて，</a:t>
-            </a:r>
-            <a:r>
-              <a:rPr lang="en-US" altLang="ja-JP" sz="1200" dirty="0" err="1" smtClean="0">
+              <a:t>を作り，</a:t>
+            </a:r>
+            <a:r>
+              <a:rPr lang="ja-JP" altLang="en-US" sz="1200" dirty="0" smtClean="0">
                 <a:solidFill>
                   <a:schemeClr val="tx1">
                     <a:lumMod val="95000"/>
@@ -4345,7 +4535,7 @@
                   </a:schemeClr>
                 </a:solidFill>
               </a:rPr>
-              <a:t>MediaWiki</a:t>
+              <a:t>見出し</a:t>
             </a:r>
             <a:r>
               <a:rPr lang="ja-JP" altLang="en-US" sz="1200" dirty="0" smtClean="0">
@@ -4356,10 +4546,24 @@
                   </a:schemeClr>
                 </a:solidFill>
               </a:rPr>
-              <a:t>のデータを</a:t>
-            </a:r>
-            <a:r>
-              <a:rPr lang="en-US" altLang="ja-JP" sz="1200" dirty="0" smtClean="0">
+              <a:t>の記入</a:t>
+            </a:r>
+            <a:endParaRPr lang="en-US" altLang="ja-JP" sz="1200" dirty="0" smtClean="0">
+              <a:solidFill>
+                <a:schemeClr val="tx1">
+                  <a:lumMod val="95000"/>
+                  <a:lumOff val="5000"/>
+                </a:schemeClr>
+              </a:solidFill>
+            </a:endParaRPr>
+          </a:p>
+          <a:p>
+            <a:pPr marL="171450" indent="-171450">
+              <a:buFont typeface="Arial" panose="020B0604020202020204" pitchFamily="34" charset="0"/>
+              <a:buChar char="•"/>
+            </a:pPr>
+            <a:r>
+              <a:rPr lang="en-US" altLang="ja-JP" sz="1200" dirty="0" err="1" smtClean="0">
                 <a:solidFill>
                   <a:schemeClr val="tx1">
                     <a:lumMod val="95000"/>
@@ -4367,7 +4571,7 @@
                   </a:schemeClr>
                 </a:solidFill>
               </a:rPr>
-              <a:t>XML</a:t>
+              <a:t>MediaWiki</a:t>
             </a:r>
             <a:r>
               <a:rPr lang="ja-JP" altLang="en-US" sz="1200" dirty="0" smtClean="0">
@@ -4378,7 +4582,76 @@
                   </a:schemeClr>
                 </a:solidFill>
               </a:rPr>
-              <a:t>にダンプし上位下位関係抽出ツールで解析し抽出した</a:t>
+              <a:t>のデータを</a:t>
+            </a:r>
+            <a:r>
+              <a:rPr lang="en-US" altLang="ja-JP" sz="1200" dirty="0" smtClean="0">
+                <a:solidFill>
+                  <a:schemeClr val="tx1">
+                    <a:lumMod val="95000"/>
+                    <a:lumOff val="5000"/>
+                  </a:schemeClr>
+                </a:solidFill>
+              </a:rPr>
+              <a:t>XML</a:t>
+            </a:r>
+            <a:r>
+              <a:rPr lang="ja-JP" altLang="en-US" sz="1200" dirty="0" smtClean="0">
+                <a:solidFill>
+                  <a:schemeClr val="tx1">
+                    <a:lumMod val="95000"/>
+                    <a:lumOff val="5000"/>
+                  </a:schemeClr>
+                </a:solidFill>
+              </a:rPr>
+              <a:t>にダンプ</a:t>
+            </a:r>
+            <a:endParaRPr lang="en-US" altLang="ja-JP" sz="1200" dirty="0" smtClean="0">
+              <a:solidFill>
+                <a:schemeClr val="tx1">
+                  <a:lumMod val="95000"/>
+                  <a:lumOff val="5000"/>
+                </a:schemeClr>
+              </a:solidFill>
+            </a:endParaRPr>
+          </a:p>
+          <a:p>
+            <a:pPr marL="171450" indent="-171450">
+              <a:buFont typeface="Arial" panose="020B0604020202020204" pitchFamily="34" charset="0"/>
+              <a:buChar char="•"/>
+            </a:pPr>
+            <a:r>
+              <a:rPr lang="ja-JP" altLang="en-US" sz="1200" dirty="0" smtClean="0">
+                <a:solidFill>
+                  <a:schemeClr val="tx1">
+                    <a:lumMod val="95000"/>
+                    <a:lumOff val="5000"/>
+                  </a:schemeClr>
+                </a:solidFill>
+              </a:rPr>
+              <a:t>上位</a:t>
+            </a:r>
+            <a:r>
+              <a:rPr lang="ja-JP" altLang="en-US" sz="1200" dirty="0" smtClean="0">
+                <a:solidFill>
+                  <a:schemeClr val="tx1">
+                    <a:lumMod val="95000"/>
+                    <a:lumOff val="5000"/>
+                  </a:schemeClr>
+                </a:solidFill>
+              </a:rPr>
+              <a:t>下位関係抽出ツールで解析し</a:t>
+            </a:r>
+            <a:r>
+              <a:rPr lang="ja-JP" altLang="en-US" sz="1200" dirty="0" smtClean="0">
+                <a:solidFill>
+                  <a:schemeClr val="tx1">
+                    <a:lumMod val="95000"/>
+                    <a:lumOff val="5000"/>
+                  </a:schemeClr>
+                </a:solidFill>
+              </a:rPr>
+              <a:t>抽出</a:t>
             </a:r>
             <a:endParaRPr lang="ja-JP" altLang="en-US" sz="1200" dirty="0">
               <a:solidFill>
@@ -4399,8 +4672,8 @@
         </p:nvSpPr>
         <p:spPr>
           <a:xfrm>
-            <a:off x="3674646" y="8513979"/>
-            <a:ext cx="2877667" cy="461665"/>
+            <a:off x="4400128" y="6950005"/>
+            <a:ext cx="1871995" cy="646331"/>
           </a:xfrm>
           <a:prstGeom prst="rect">
             <a:avLst/>
@@ -4416,7 +4689,7 @@
             <a:pPr algn="ctr"/>
             <a:r>
               <a:rPr kumimoji="1" lang="ja-JP" altLang="en-US" sz="1200" dirty="0" smtClean="0"/>
-              <a:t>↑「グランブルーファンタジー」のページ　　　　　の「登場キャラクター」の解析結果</a:t>
+              <a:t>↑「グランブルーファンタジー」のページの「登場キャラクター」の解析結果</a:t>
             </a:r>
             <a:endParaRPr kumimoji="1" lang="ja-JP" altLang="en-US" sz="1200" dirty="0"/>
           </a:p>
@@ -4430,8 +4703,8 @@
         </p:nvSpPr>
         <p:spPr>
           <a:xfrm>
-            <a:off x="3719685" y="6558607"/>
-            <a:ext cx="2877667" cy="461665"/>
+            <a:off x="2276872" y="6950005"/>
+            <a:ext cx="1935899" cy="646331"/>
           </a:xfrm>
           <a:prstGeom prst="rect">
             <a:avLst/>
@@ -4447,7 +4720,7 @@
             <a:pPr algn="ctr"/>
             <a:r>
               <a:rPr kumimoji="1" lang="ja-JP" altLang="en-US" sz="1200" dirty="0" smtClean="0"/>
-              <a:t>↑「グランブルーファンタジー」のページ　　　　　の「メインキャラクター」の解析結果</a:t>
+              <a:t>↑「グランブルーファンタジー」のページの「メインキャラクター」の解析結果</a:t>
             </a:r>
             <a:endParaRPr kumimoji="1" lang="ja-JP" altLang="en-US" sz="1200" dirty="0"/>
           </a:p>
@@ -4462,20 +4735,20 @@
           <p:nvPr>
             <p:extLst>
               <p:ext uri="{D42A27DB-BD31-4B8C-83A1-F6EECF244321}">
-                <p14:modId xmlns:p14="http://schemas.microsoft.com/office/powerpoint/2010/main" val="1707752777"/>
+                <p14:modId xmlns:p14="http://schemas.microsoft.com/office/powerpoint/2010/main" val="4261480003"/>
               </p:ext>
             </p:extLst>
           </p:nvPr>
         </p:nvGraphicFramePr>
         <p:xfrm>
-          <a:off x="3792989" y="7072224"/>
-          <a:ext cx="2732355" cy="1442718"/>
+          <a:off x="4509120" y="5812039"/>
+          <a:ext cx="2015514" cy="1064217"/>
         </p:xfrm>
         <a:graphic>
           <a:graphicData uri="http://schemas.openxmlformats.org/presentationml/2006/ole">
             <mc:AlternateContent xmlns:mc="http://schemas.openxmlformats.org/markup-compatibility/2006">
               <mc:Choice xmlns:v="urn:schemas-microsoft-com:vml" Requires="v">
-                <p:oleObj spid="_x0000_s1044" name="ワークシート" r:id="rId3" imgW="3133549" imgH="1552646" progId="Excel.Sheet.12">
+                <p:oleObj spid="_x0000_s1064" name="ワークシート" r:id="rId3" imgW="3133549" imgH="1552646" progId="Excel.Sheet.12">
                   <p:embed/>
                 </p:oleObj>
               </mc:Choice>
@@ -4496,8 +4769,8 @@
                     </p:blipFill>
                     <p:spPr>
                       <a:xfrm>
-                        <a:off x="3792989" y="7072224"/>
-                        <a:ext cx="2732355" cy="1442718"/>
+                        <a:off x="4509120" y="5812039"/>
+                        <a:ext cx="2015514" cy="1064217"/>
                       </a:xfrm>
                       <a:prstGeom prst="rect">
                         <a:avLst/>
@@ -4519,20 +4792,20 @@
           <p:nvPr>
             <p:extLst>
               <p:ext uri="{D42A27DB-BD31-4B8C-83A1-F6EECF244321}">
-                <p14:modId xmlns:p14="http://schemas.microsoft.com/office/powerpoint/2010/main" val="4172743058"/>
+                <p14:modId xmlns:p14="http://schemas.microsoft.com/office/powerpoint/2010/main" val="1892464272"/>
               </p:ext>
             </p:extLst>
           </p:nvPr>
         </p:nvGraphicFramePr>
         <p:xfrm>
-          <a:off x="3802031" y="5308855"/>
-          <a:ext cx="2723313" cy="1265557"/>
+          <a:off x="2276872" y="5829221"/>
+          <a:ext cx="1934527" cy="1047035"/>
         </p:xfrm>
         <a:graphic>
           <a:graphicData uri="http://schemas.openxmlformats.org/presentationml/2006/ole">
             <mc:AlternateContent xmlns:mc="http://schemas.openxmlformats.org/markup-compatibility/2006">
               <mc:Choice xmlns:v="urn:schemas-microsoft-com:vml" Requires="v">
-                <p:oleObj spid="_x0000_s1045" name="ワークシート" r:id="rId5" imgW="3305287" imgH="1381068" progId="Excel.Sheet.12">
+                <p:oleObj spid="_x0000_s1065" name="ワークシート" r:id="rId5" imgW="3305287" imgH="1381068" progId="Excel.Sheet.12">
                   <p:embed/>
                 </p:oleObj>
               </mc:Choice>
@@ -4553,8 +4826,8 @@
                     </p:blipFill>
                     <p:spPr>
                       <a:xfrm>
-                        <a:off x="3802031" y="5308855"/>
-                        <a:ext cx="2723313" cy="1265557"/>
+                        <a:off x="2276872" y="5829221"/>
+                        <a:ext cx="1934527" cy="1047035"/>
                       </a:xfrm>
                       <a:prstGeom prst="rect">
                         <a:avLst/>
@@ -4575,7 +4848,7 @@
         </p:nvSpPr>
         <p:spPr>
           <a:xfrm>
-            <a:off x="596806" y="3059832"/>
+            <a:off x="596806" y="2987824"/>
             <a:ext cx="5774832" cy="504056"/>
           </a:xfrm>
           <a:prstGeom prst="roundRect">
@@ -4611,23 +4884,15 @@
                   <a:srgbClr val="FF0000"/>
                 </a:solidFill>
               </a:rPr>
-              <a:t>関係者間での視点や用語が異なる語彙を目的に応じた最適な語彙への変換ができるよう</a:t>
-            </a:r>
-            <a:r>
-              <a:rPr lang="ja-JP" altLang="en-US">
+              <a:t>関係者間での視点や用語が異なる語彙を目的に応じた最適な語彙への変換ができるような</a:t>
+            </a:r>
+            <a:r>
+              <a:rPr lang="ja-JP" altLang="en-US" dirty="0" smtClean="0">
                 <a:solidFill>
                   <a:srgbClr val="FF0000"/>
                 </a:solidFill>
               </a:rPr>
-              <a:t>な</a:t>
-            </a:r>
-            <a:r>
-              <a:rPr lang="ja-JP" altLang="en-US" smtClean="0">
-                <a:solidFill>
-                  <a:srgbClr val="FF0000"/>
-                </a:solidFill>
-              </a:rPr>
-              <a:t>システムを作る</a:t>
+              <a:t>システムを作る．</a:t>
             </a:r>
             <a:endParaRPr lang="ja-JP" altLang="en-US" dirty="0">
               <a:solidFill>
@@ -4645,7 +4910,7 @@
         </p:nvSpPr>
         <p:spPr>
           <a:xfrm>
-            <a:off x="113389" y="5850599"/>
+            <a:off x="3442050" y="3702450"/>
             <a:ext cx="1281169" cy="507727"/>
           </a:xfrm>
           <a:prstGeom prst="ellipse">
@@ -4697,7 +4962,7 @@
         </p:nvSpPr>
         <p:spPr>
           <a:xfrm>
-            <a:off x="3227951" y="3961888"/>
+            <a:off x="113388" y="5455432"/>
             <a:ext cx="1281169" cy="507727"/>
           </a:xfrm>
           <a:prstGeom prst="ellipse">
@@ -4749,7 +5014,7 @@
         </p:nvSpPr>
         <p:spPr>
           <a:xfrm>
-            <a:off x="113389" y="3953524"/>
+            <a:off x="113389" y="3665492"/>
             <a:ext cx="1281169" cy="507727"/>
           </a:xfrm>
           <a:prstGeom prst="ellipse">
@@ -4793,7 +5058,7 @@
         </p:nvSpPr>
         <p:spPr>
           <a:xfrm>
-            <a:off x="113388" y="539552"/>
+            <a:off x="113388" y="596929"/>
             <a:ext cx="1281169" cy="507727"/>
           </a:xfrm>
           <a:prstGeom prst="ellipse">
@@ -4822,8 +5087,8 @@
           <a:p>
             <a:pPr algn="ctr"/>
             <a:r>
-              <a:rPr kumimoji="1" lang="ja-JP" altLang="en-US" dirty="0" smtClean="0"/>
-              <a:t>目的</a:t>
+              <a:rPr lang="ja-JP" altLang="en-US" dirty="0"/>
+              <a:t>背景</a:t>
             </a:r>
             <a:endParaRPr kumimoji="1" lang="ja-JP" altLang="en-US" dirty="0"/>
           </a:p>
